--- a/report_milestone3/Milestone 3.pptx
+++ b/report_milestone3/Milestone 3.pptx
@@ -1,25 +1,120 @@
 
 <file path=ppt/presentation.xml><?xml version="1.0" encoding="utf-8"?>
-<p:presentation xmlns:a="http://schemas.openxmlformats.org/drawingml/2006/main" xmlns:p="http://schemas.openxmlformats.org/presentationml/2006/main" xmlns:r="http://schemas.openxmlformats.org/officeDocument/2006/relationships">
+<p:presentation xmlns:a="http://schemas.openxmlformats.org/drawingml/2006/main" xmlns:r="http://schemas.openxmlformats.org/officeDocument/2006/relationships" xmlns:p="http://schemas.openxmlformats.org/presentationml/2006/main">
   <p:sldMasterIdLst>
-    <p:sldMasterId id="2147483648" r:id="rId2"/>
-    <p:sldMasterId id="2147483661" r:id="rId3"/>
+    <p:sldMasterId id="2147483648" r:id="rId1"/>
+    <p:sldMasterId id="2147483661" r:id="rId2"/>
   </p:sldMasterIdLst>
   <p:sldIdLst>
-    <p:sldId id="256" r:id="rId4"/>
-    <p:sldId id="257" r:id="rId5"/>
-    <p:sldId id="258" r:id="rId6"/>
-    <p:sldId id="259" r:id="rId7"/>
-    <p:sldId id="260" r:id="rId8"/>
-    <p:sldId id="261" r:id="rId9"/>
+    <p:sldId id="256" r:id="rId3"/>
+    <p:sldId id="257" r:id="rId4"/>
+    <p:sldId id="258" r:id="rId5"/>
+    <p:sldId id="259" r:id="rId6"/>
+    <p:sldId id="260" r:id="rId7"/>
+    <p:sldId id="261" r:id="rId8"/>
   </p:sldIdLst>
-  <p:sldSz cx="9144000" cy="6858000"/>
-  <p:notesSz cx="7559675" cy="10691812"/>
+  <p:sldSz cx="9144000" cy="6858000" type="screen4x3"/>
+  <p:notesSz cx="7559675" cy="10691813"/>
+  <p:defaultTextStyle>
+    <a:defPPr>
+      <a:defRPr lang="en-US"/>
+    </a:defPPr>
+    <a:lvl1pPr marL="0" algn="l" defTabSz="457200" rtl="0" eaLnBrk="1" latinLnBrk="0" hangingPunct="1">
+      <a:defRPr sz="1800" kern="1200">
+        <a:solidFill>
+          <a:schemeClr val="tx1"/>
+        </a:solidFill>
+        <a:latin typeface="+mn-lt"/>
+        <a:ea typeface="+mn-ea"/>
+        <a:cs typeface="+mn-cs"/>
+      </a:defRPr>
+    </a:lvl1pPr>
+    <a:lvl2pPr marL="457200" algn="l" defTabSz="457200" rtl="0" eaLnBrk="1" latinLnBrk="0" hangingPunct="1">
+      <a:defRPr sz="1800" kern="1200">
+        <a:solidFill>
+          <a:schemeClr val="tx1"/>
+        </a:solidFill>
+        <a:latin typeface="+mn-lt"/>
+        <a:ea typeface="+mn-ea"/>
+        <a:cs typeface="+mn-cs"/>
+      </a:defRPr>
+    </a:lvl2pPr>
+    <a:lvl3pPr marL="914400" algn="l" defTabSz="457200" rtl="0" eaLnBrk="1" latinLnBrk="0" hangingPunct="1">
+      <a:defRPr sz="1800" kern="1200">
+        <a:solidFill>
+          <a:schemeClr val="tx1"/>
+        </a:solidFill>
+        <a:latin typeface="+mn-lt"/>
+        <a:ea typeface="+mn-ea"/>
+        <a:cs typeface="+mn-cs"/>
+      </a:defRPr>
+    </a:lvl3pPr>
+    <a:lvl4pPr marL="1371600" algn="l" defTabSz="457200" rtl="0" eaLnBrk="1" latinLnBrk="0" hangingPunct="1">
+      <a:defRPr sz="1800" kern="1200">
+        <a:solidFill>
+          <a:schemeClr val="tx1"/>
+        </a:solidFill>
+        <a:latin typeface="+mn-lt"/>
+        <a:ea typeface="+mn-ea"/>
+        <a:cs typeface="+mn-cs"/>
+      </a:defRPr>
+    </a:lvl4pPr>
+    <a:lvl5pPr marL="1828800" algn="l" defTabSz="457200" rtl="0" eaLnBrk="1" latinLnBrk="0" hangingPunct="1">
+      <a:defRPr sz="1800" kern="1200">
+        <a:solidFill>
+          <a:schemeClr val="tx1"/>
+        </a:solidFill>
+        <a:latin typeface="+mn-lt"/>
+        <a:ea typeface="+mn-ea"/>
+        <a:cs typeface="+mn-cs"/>
+      </a:defRPr>
+    </a:lvl5pPr>
+    <a:lvl6pPr marL="2286000" algn="l" defTabSz="457200" rtl="0" eaLnBrk="1" latinLnBrk="0" hangingPunct="1">
+      <a:defRPr sz="1800" kern="1200">
+        <a:solidFill>
+          <a:schemeClr val="tx1"/>
+        </a:solidFill>
+        <a:latin typeface="+mn-lt"/>
+        <a:ea typeface="+mn-ea"/>
+        <a:cs typeface="+mn-cs"/>
+      </a:defRPr>
+    </a:lvl6pPr>
+    <a:lvl7pPr marL="2743200" algn="l" defTabSz="457200" rtl="0" eaLnBrk="1" latinLnBrk="0" hangingPunct="1">
+      <a:defRPr sz="1800" kern="1200">
+        <a:solidFill>
+          <a:schemeClr val="tx1"/>
+        </a:solidFill>
+        <a:latin typeface="+mn-lt"/>
+        <a:ea typeface="+mn-ea"/>
+        <a:cs typeface="+mn-cs"/>
+      </a:defRPr>
+    </a:lvl7pPr>
+    <a:lvl8pPr marL="3200400" algn="l" defTabSz="457200" rtl="0" eaLnBrk="1" latinLnBrk="0" hangingPunct="1">
+      <a:defRPr sz="1800" kern="1200">
+        <a:solidFill>
+          <a:schemeClr val="tx1"/>
+        </a:solidFill>
+        <a:latin typeface="+mn-lt"/>
+        <a:ea typeface="+mn-ea"/>
+        <a:cs typeface="+mn-cs"/>
+      </a:defRPr>
+    </a:lvl8pPr>
+    <a:lvl9pPr marL="3657600" algn="l" defTabSz="457200" rtl="0" eaLnBrk="1" latinLnBrk="0" hangingPunct="1">
+      <a:defRPr sz="1800" kern="1200">
+        <a:solidFill>
+          <a:schemeClr val="tx1"/>
+        </a:solidFill>
+        <a:latin typeface="+mn-lt"/>
+        <a:ea typeface="+mn-ea"/>
+        <a:cs typeface="+mn-cs"/>
+      </a:defRPr>
+    </a:lvl9pPr>
+  </p:defaultTextStyle>
 </p:presentation>
 </file>
 
 <file path=ppt/slideLayouts/slideLayout1.xml><?xml version="1.0" encoding="utf-8"?>
-<p:sldLayout xmlns:a="http://schemas.openxmlformats.org/drawingml/2006/main" xmlns:p="http://schemas.openxmlformats.org/presentationml/2006/main" xmlns:r="http://schemas.openxmlformats.org/officeDocument/2006/relationships" preserve="1" type="blank">
+<p:sldLayout xmlns:a="http://schemas.openxmlformats.org/drawingml/2006/main" xmlns:r="http://schemas.openxmlformats.org/officeDocument/2006/relationships" xmlns:p="http://schemas.openxmlformats.org/presentationml/2006/main" type="blank" preserve="1">
   <p:cSld name="Blank Slide">
     <p:spTree>
       <p:nvGrpSpPr>
@@ -37,11 +132,14 @@
       </p:grpSpPr>
     </p:spTree>
   </p:cSld>
+  <p:clrMapOvr>
+    <a:masterClrMapping/>
+  </p:clrMapOvr>
 </p:sldLayout>
 </file>
 
 <file path=ppt/slideLayouts/slideLayout10.xml><?xml version="1.0" encoding="utf-8"?>
-<p:sldLayout xmlns:a="http://schemas.openxmlformats.org/drawingml/2006/main" xmlns:p="http://schemas.openxmlformats.org/presentationml/2006/main" xmlns:r="http://schemas.openxmlformats.org/officeDocument/2006/relationships" preserve="1" type="objOverTx">
+<p:sldLayout xmlns:a="http://schemas.openxmlformats.org/drawingml/2006/main" xmlns:r="http://schemas.openxmlformats.org/officeDocument/2006/relationships" xmlns:p="http://schemas.openxmlformats.org/presentationml/2006/main" type="objOverTx" preserve="1">
   <p:cSld name="Title, Content over Content">
     <p:spTree>
       <p:nvGrpSpPr>
@@ -77,7 +175,8 @@
           </a:prstGeom>
         </p:spPr>
         <p:txBody>
-          <a:bodyPr anchor="ctr" bIns="0" lIns="0" rIns="0" tIns="0" wrap="none"/>
+          <a:bodyPr wrap="none" lIns="0" tIns="0" rIns="0" bIns="0" anchor="ctr"/>
+          <a:lstStyle/>
           <a:p>
             <a:endParaRPr/>
           </a:p>
@@ -103,7 +202,8 @@
           </a:prstGeom>
         </p:spPr>
         <p:txBody>
-          <a:bodyPr bIns="0" lIns="0" rIns="0" tIns="0" wrap="none"/>
+          <a:bodyPr wrap="none" lIns="0" tIns="0" rIns="0" bIns="0"/>
+          <a:lstStyle/>
           <a:p>
             <a:endParaRPr/>
           </a:p>
@@ -129,7 +229,8 @@
           </a:prstGeom>
         </p:spPr>
         <p:txBody>
-          <a:bodyPr bIns="0" lIns="0" rIns="0" tIns="0" wrap="none"/>
+          <a:bodyPr wrap="none" lIns="0" tIns="0" rIns="0" bIns="0"/>
+          <a:lstStyle/>
           <a:p>
             <a:endParaRPr/>
           </a:p>
@@ -137,11 +238,14 @@
       </p:sp>
     </p:spTree>
   </p:cSld>
+  <p:clrMapOvr>
+    <a:masterClrMapping/>
+  </p:clrMapOvr>
 </p:sldLayout>
 </file>
 
 <file path=ppt/slideLayouts/slideLayout11.xml><?xml version="1.0" encoding="utf-8"?>
-<p:sldLayout xmlns:a="http://schemas.openxmlformats.org/drawingml/2006/main" xmlns:p="http://schemas.openxmlformats.org/presentationml/2006/main" xmlns:r="http://schemas.openxmlformats.org/officeDocument/2006/relationships" preserve="1" type="fourObj">
+<p:sldLayout xmlns:a="http://schemas.openxmlformats.org/drawingml/2006/main" xmlns:r="http://schemas.openxmlformats.org/officeDocument/2006/relationships" xmlns:p="http://schemas.openxmlformats.org/presentationml/2006/main" type="fourObj" preserve="1">
   <p:cSld name="Title, 4 Content">
     <p:spTree>
       <p:nvGrpSpPr>
@@ -177,7 +281,8 @@
           </a:prstGeom>
         </p:spPr>
         <p:txBody>
-          <a:bodyPr anchor="ctr" bIns="0" lIns="0" rIns="0" tIns="0" wrap="none"/>
+          <a:bodyPr wrap="none" lIns="0" tIns="0" rIns="0" bIns="0" anchor="ctr"/>
+          <a:lstStyle/>
           <a:p>
             <a:endParaRPr/>
           </a:p>
@@ -203,7 +308,8 @@
           </a:prstGeom>
         </p:spPr>
         <p:txBody>
-          <a:bodyPr bIns="0" lIns="0" rIns="0" tIns="0" wrap="none"/>
+          <a:bodyPr wrap="none" lIns="0" tIns="0" rIns="0" bIns="0"/>
+          <a:lstStyle/>
           <a:p>
             <a:endParaRPr/>
           </a:p>
@@ -229,7 +335,8 @@
           </a:prstGeom>
         </p:spPr>
         <p:txBody>
-          <a:bodyPr bIns="0" lIns="0" rIns="0" tIns="0" wrap="none"/>
+          <a:bodyPr wrap="none" lIns="0" tIns="0" rIns="0" bIns="0"/>
+          <a:lstStyle/>
           <a:p>
             <a:endParaRPr/>
           </a:p>
@@ -255,7 +362,8 @@
           </a:prstGeom>
         </p:spPr>
         <p:txBody>
-          <a:bodyPr bIns="0" lIns="0" rIns="0" tIns="0" wrap="none"/>
+          <a:bodyPr wrap="none" lIns="0" tIns="0" rIns="0" bIns="0"/>
+          <a:lstStyle/>
           <a:p>
             <a:endParaRPr/>
           </a:p>
@@ -281,7 +389,8 @@
           </a:prstGeom>
         </p:spPr>
         <p:txBody>
-          <a:bodyPr bIns="0" lIns="0" rIns="0" tIns="0" wrap="none"/>
+          <a:bodyPr wrap="none" lIns="0" tIns="0" rIns="0" bIns="0"/>
+          <a:lstStyle/>
           <a:p>
             <a:endParaRPr/>
           </a:p>
@@ -289,11 +398,14 @@
       </p:sp>
     </p:spTree>
   </p:cSld>
+  <p:clrMapOvr>
+    <a:masterClrMapping/>
+  </p:clrMapOvr>
 </p:sldLayout>
 </file>
 
 <file path=ppt/slideLayouts/slideLayout12.xml><?xml version="1.0" encoding="utf-8"?>
-<p:sldLayout xmlns:a="http://schemas.openxmlformats.org/drawingml/2006/main" xmlns:p="http://schemas.openxmlformats.org/presentationml/2006/main" xmlns:r="http://schemas.openxmlformats.org/officeDocument/2006/relationships" preserve="1" type="blank">
+<p:sldLayout xmlns:a="http://schemas.openxmlformats.org/drawingml/2006/main" xmlns:r="http://schemas.openxmlformats.org/officeDocument/2006/relationships" xmlns:p="http://schemas.openxmlformats.org/presentationml/2006/main" type="blank" preserve="1">
   <p:cSld name="Title, 6 Content">
     <p:spTree>
       <p:nvGrpSpPr>
@@ -329,7 +441,8 @@
           </a:prstGeom>
         </p:spPr>
         <p:txBody>
-          <a:bodyPr anchor="ctr" bIns="0" lIns="0" rIns="0" tIns="0" wrap="none"/>
+          <a:bodyPr wrap="none" lIns="0" tIns="0" rIns="0" bIns="0" anchor="ctr"/>
+          <a:lstStyle/>
           <a:p>
             <a:endParaRPr/>
           </a:p>
@@ -355,7 +468,8 @@
           </a:prstGeom>
         </p:spPr>
         <p:txBody>
-          <a:bodyPr bIns="0" lIns="0" rIns="0" tIns="0" wrap="none"/>
+          <a:bodyPr wrap="none" lIns="0" tIns="0" rIns="0" bIns="0"/>
+          <a:lstStyle/>
           <a:p>
             <a:endParaRPr/>
           </a:p>
@@ -381,7 +495,8 @@
           </a:prstGeom>
         </p:spPr>
         <p:txBody>
-          <a:bodyPr bIns="0" lIns="0" rIns="0" tIns="0" wrap="none"/>
+          <a:bodyPr wrap="none" lIns="0" tIns="0" rIns="0" bIns="0"/>
+          <a:lstStyle/>
           <a:p>
             <a:endParaRPr/>
           </a:p>
@@ -389,7 +504,7 @@
       </p:sp>
       <p:pic>
         <p:nvPicPr>
-          <p:cNvPr descr="" id="35" name=""/>
+          <p:cNvPr id="35" name="Picture 34"/>
           <p:cNvPicPr/>
           <p:nvPr/>
         </p:nvPicPr>
@@ -414,12 +529,12 @@
       </p:pic>
       <p:pic>
         <p:nvPicPr>
-          <p:cNvPr descr="" id="36" name=""/>
+          <p:cNvPr id="36" name="Picture 35"/>
           <p:cNvPicPr/>
           <p:nvPr/>
         </p:nvPicPr>
         <p:blipFill>
-          <a:blip r:embed="rId3"/>
+          <a:blip r:embed="rId2"/>
           <a:stretch>
             <a:fillRect/>
           </a:stretch>
@@ -439,11 +554,14 @@
       </p:pic>
     </p:spTree>
   </p:cSld>
+  <p:clrMapOvr>
+    <a:masterClrMapping/>
+  </p:clrMapOvr>
 </p:sldLayout>
 </file>
 
 <file path=ppt/slideLayouts/slideLayout13.xml><?xml version="1.0" encoding="utf-8"?>
-<p:sldLayout xmlns:a="http://schemas.openxmlformats.org/drawingml/2006/main" xmlns:p="http://schemas.openxmlformats.org/presentationml/2006/main" xmlns:r="http://schemas.openxmlformats.org/officeDocument/2006/relationships" preserve="1" type="blank">
+<p:sldLayout xmlns:a="http://schemas.openxmlformats.org/drawingml/2006/main" xmlns:r="http://schemas.openxmlformats.org/officeDocument/2006/relationships" xmlns:p="http://schemas.openxmlformats.org/presentationml/2006/main" type="blank" preserve="1">
   <p:cSld name="Blank Slide">
     <p:spTree>
       <p:nvGrpSpPr>
@@ -461,11 +579,14 @@
       </p:grpSpPr>
     </p:spTree>
   </p:cSld>
+  <p:clrMapOvr>
+    <a:masterClrMapping/>
+  </p:clrMapOvr>
 </p:sldLayout>
 </file>
 
 <file path=ppt/slideLayouts/slideLayout14.xml><?xml version="1.0" encoding="utf-8"?>
-<p:sldLayout xmlns:a="http://schemas.openxmlformats.org/drawingml/2006/main" xmlns:p="http://schemas.openxmlformats.org/presentationml/2006/main" xmlns:r="http://schemas.openxmlformats.org/officeDocument/2006/relationships" preserve="1" type="tx">
+<p:sldLayout xmlns:a="http://schemas.openxmlformats.org/drawingml/2006/main" xmlns:r="http://schemas.openxmlformats.org/officeDocument/2006/relationships" xmlns:p="http://schemas.openxmlformats.org/presentationml/2006/main" type="tx" preserve="1">
   <p:cSld name="Title Slide">
     <p:spTree>
       <p:nvGrpSpPr>
@@ -501,7 +622,8 @@
           </a:prstGeom>
         </p:spPr>
         <p:txBody>
-          <a:bodyPr anchor="ctr" bIns="0" lIns="0" rIns="0" tIns="0" wrap="none"/>
+          <a:bodyPr wrap="none" lIns="0" tIns="0" rIns="0" bIns="0" anchor="ctr"/>
+          <a:lstStyle/>
           <a:p>
             <a:endParaRPr/>
           </a:p>
@@ -527,7 +649,8 @@
           </a:prstGeom>
         </p:spPr>
         <p:txBody>
-          <a:bodyPr anchor="ctr" bIns="0" lIns="0" rIns="0" tIns="0" wrap="none"/>
+          <a:bodyPr wrap="none" lIns="0" tIns="0" rIns="0" bIns="0" anchor="ctr"/>
+          <a:lstStyle/>
           <a:p>
             <a:pPr algn="ctr"/>
             <a:endParaRPr/>
@@ -536,11 +659,14 @@
       </p:sp>
     </p:spTree>
   </p:cSld>
+  <p:clrMapOvr>
+    <a:masterClrMapping/>
+  </p:clrMapOvr>
 </p:sldLayout>
 </file>
 
 <file path=ppt/slideLayouts/slideLayout15.xml><?xml version="1.0" encoding="utf-8"?>
-<p:sldLayout xmlns:a="http://schemas.openxmlformats.org/drawingml/2006/main" xmlns:p="http://schemas.openxmlformats.org/presentationml/2006/main" xmlns:r="http://schemas.openxmlformats.org/officeDocument/2006/relationships" preserve="1" type="obj">
+<p:sldLayout xmlns:a="http://schemas.openxmlformats.org/drawingml/2006/main" xmlns:r="http://schemas.openxmlformats.org/officeDocument/2006/relationships" xmlns:p="http://schemas.openxmlformats.org/presentationml/2006/main" type="obj" preserve="1">
   <p:cSld name="Title, Content">
     <p:spTree>
       <p:nvGrpSpPr>
@@ -576,7 +702,8 @@
           </a:prstGeom>
         </p:spPr>
         <p:txBody>
-          <a:bodyPr anchor="ctr" bIns="0" lIns="0" rIns="0" tIns="0" wrap="none"/>
+          <a:bodyPr wrap="none" lIns="0" tIns="0" rIns="0" bIns="0" anchor="ctr"/>
+          <a:lstStyle/>
           <a:p>
             <a:endParaRPr/>
           </a:p>
@@ -602,7 +729,8 @@
           </a:prstGeom>
         </p:spPr>
         <p:txBody>
-          <a:bodyPr bIns="0" lIns="0" rIns="0" tIns="0" wrap="none"/>
+          <a:bodyPr wrap="none" lIns="0" tIns="0" rIns="0" bIns="0"/>
+          <a:lstStyle/>
           <a:p>
             <a:endParaRPr/>
           </a:p>
@@ -610,11 +738,14 @@
       </p:sp>
     </p:spTree>
   </p:cSld>
+  <p:clrMapOvr>
+    <a:masterClrMapping/>
+  </p:clrMapOvr>
 </p:sldLayout>
 </file>
 
 <file path=ppt/slideLayouts/slideLayout16.xml><?xml version="1.0" encoding="utf-8"?>
-<p:sldLayout xmlns:a="http://schemas.openxmlformats.org/drawingml/2006/main" xmlns:p="http://schemas.openxmlformats.org/presentationml/2006/main" xmlns:r="http://schemas.openxmlformats.org/officeDocument/2006/relationships" preserve="1" type="twoObj">
+<p:sldLayout xmlns:a="http://schemas.openxmlformats.org/drawingml/2006/main" xmlns:r="http://schemas.openxmlformats.org/officeDocument/2006/relationships" xmlns:p="http://schemas.openxmlformats.org/presentationml/2006/main" type="twoObj" preserve="1">
   <p:cSld name="Title, 2 Content">
     <p:spTree>
       <p:nvGrpSpPr>
@@ -650,7 +781,8 @@
           </a:prstGeom>
         </p:spPr>
         <p:txBody>
-          <a:bodyPr anchor="ctr" bIns="0" lIns="0" rIns="0" tIns="0" wrap="none"/>
+          <a:bodyPr wrap="none" lIns="0" tIns="0" rIns="0" bIns="0" anchor="ctr"/>
+          <a:lstStyle/>
           <a:p>
             <a:endParaRPr/>
           </a:p>
@@ -676,7 +808,8 @@
           </a:prstGeom>
         </p:spPr>
         <p:txBody>
-          <a:bodyPr bIns="0" lIns="0" rIns="0" tIns="0" wrap="none"/>
+          <a:bodyPr wrap="none" lIns="0" tIns="0" rIns="0" bIns="0"/>
+          <a:lstStyle/>
           <a:p>
             <a:endParaRPr/>
           </a:p>
@@ -702,7 +835,8 @@
           </a:prstGeom>
         </p:spPr>
         <p:txBody>
-          <a:bodyPr bIns="0" lIns="0" rIns="0" tIns="0" wrap="none"/>
+          <a:bodyPr wrap="none" lIns="0" tIns="0" rIns="0" bIns="0"/>
+          <a:lstStyle/>
           <a:p>
             <a:endParaRPr/>
           </a:p>
@@ -710,11 +844,14 @@
       </p:sp>
     </p:spTree>
   </p:cSld>
+  <p:clrMapOvr>
+    <a:masterClrMapping/>
+  </p:clrMapOvr>
 </p:sldLayout>
 </file>
 
 <file path=ppt/slideLayouts/slideLayout17.xml><?xml version="1.0" encoding="utf-8"?>
-<p:sldLayout xmlns:a="http://schemas.openxmlformats.org/drawingml/2006/main" xmlns:p="http://schemas.openxmlformats.org/presentationml/2006/main" xmlns:r="http://schemas.openxmlformats.org/officeDocument/2006/relationships" preserve="1" type="titleOnly">
+<p:sldLayout xmlns:a="http://schemas.openxmlformats.org/drawingml/2006/main" xmlns:r="http://schemas.openxmlformats.org/officeDocument/2006/relationships" xmlns:p="http://schemas.openxmlformats.org/presentationml/2006/main" type="titleOnly" preserve="1">
   <p:cSld name="Title Only">
     <p:spTree>
       <p:nvGrpSpPr>
@@ -750,7 +887,8 @@
           </a:prstGeom>
         </p:spPr>
         <p:txBody>
-          <a:bodyPr anchor="ctr" bIns="0" lIns="0" rIns="0" tIns="0" wrap="none"/>
+          <a:bodyPr wrap="none" lIns="0" tIns="0" rIns="0" bIns="0" anchor="ctr"/>
+          <a:lstStyle/>
           <a:p>
             <a:endParaRPr/>
           </a:p>
@@ -758,11 +896,14 @@
       </p:sp>
     </p:spTree>
   </p:cSld>
+  <p:clrMapOvr>
+    <a:masterClrMapping/>
+  </p:clrMapOvr>
 </p:sldLayout>
 </file>
 
 <file path=ppt/slideLayouts/slideLayout18.xml><?xml version="1.0" encoding="utf-8"?>
-<p:sldLayout xmlns:a="http://schemas.openxmlformats.org/drawingml/2006/main" xmlns:p="http://schemas.openxmlformats.org/presentationml/2006/main" xmlns:r="http://schemas.openxmlformats.org/officeDocument/2006/relationships" preserve="1" type="objOnly">
+<p:sldLayout xmlns:a="http://schemas.openxmlformats.org/drawingml/2006/main" xmlns:r="http://schemas.openxmlformats.org/officeDocument/2006/relationships" xmlns:p="http://schemas.openxmlformats.org/presentationml/2006/main" type="objOnly" preserve="1">
   <p:cSld name="Centered Text">
     <p:spTree>
       <p:nvGrpSpPr>
@@ -798,7 +939,8 @@
           </a:prstGeom>
         </p:spPr>
         <p:txBody>
-          <a:bodyPr anchor="ctr" bIns="0" lIns="0" rIns="0" tIns="0" wrap="none"/>
+          <a:bodyPr wrap="none" lIns="0" tIns="0" rIns="0" bIns="0" anchor="ctr"/>
+          <a:lstStyle/>
           <a:p>
             <a:pPr algn="ctr"/>
             <a:endParaRPr/>
@@ -807,11 +949,14 @@
       </p:sp>
     </p:spTree>
   </p:cSld>
+  <p:clrMapOvr>
+    <a:masterClrMapping/>
+  </p:clrMapOvr>
 </p:sldLayout>
 </file>
 
 <file path=ppt/slideLayouts/slideLayout19.xml><?xml version="1.0" encoding="utf-8"?>
-<p:sldLayout xmlns:a="http://schemas.openxmlformats.org/drawingml/2006/main" xmlns:p="http://schemas.openxmlformats.org/presentationml/2006/main" xmlns:r="http://schemas.openxmlformats.org/officeDocument/2006/relationships" preserve="1" type="twoObjAndObj">
+<p:sldLayout xmlns:a="http://schemas.openxmlformats.org/drawingml/2006/main" xmlns:r="http://schemas.openxmlformats.org/officeDocument/2006/relationships" xmlns:p="http://schemas.openxmlformats.org/presentationml/2006/main" type="twoObjAndObj" preserve="1">
   <p:cSld name="Title, 2 Content and Content">
     <p:spTree>
       <p:nvGrpSpPr>
@@ -847,7 +992,8 @@
           </a:prstGeom>
         </p:spPr>
         <p:txBody>
-          <a:bodyPr anchor="ctr" bIns="0" lIns="0" rIns="0" tIns="0" wrap="none"/>
+          <a:bodyPr wrap="none" lIns="0" tIns="0" rIns="0" bIns="0" anchor="ctr"/>
+          <a:lstStyle/>
           <a:p>
             <a:endParaRPr/>
           </a:p>
@@ -873,7 +1019,8 @@
           </a:prstGeom>
         </p:spPr>
         <p:txBody>
-          <a:bodyPr bIns="0" lIns="0" rIns="0" tIns="0" wrap="none"/>
+          <a:bodyPr wrap="none" lIns="0" tIns="0" rIns="0" bIns="0"/>
+          <a:lstStyle/>
           <a:p>
             <a:endParaRPr/>
           </a:p>
@@ -899,7 +1046,8 @@
           </a:prstGeom>
         </p:spPr>
         <p:txBody>
-          <a:bodyPr bIns="0" lIns="0" rIns="0" tIns="0" wrap="none"/>
+          <a:bodyPr wrap="none" lIns="0" tIns="0" rIns="0" bIns="0"/>
+          <a:lstStyle/>
           <a:p>
             <a:endParaRPr/>
           </a:p>
@@ -925,7 +1073,8 @@
           </a:prstGeom>
         </p:spPr>
         <p:txBody>
-          <a:bodyPr bIns="0" lIns="0" rIns="0" tIns="0" wrap="none"/>
+          <a:bodyPr wrap="none" lIns="0" tIns="0" rIns="0" bIns="0"/>
+          <a:lstStyle/>
           <a:p>
             <a:endParaRPr/>
           </a:p>
@@ -933,11 +1082,14 @@
       </p:sp>
     </p:spTree>
   </p:cSld>
+  <p:clrMapOvr>
+    <a:masterClrMapping/>
+  </p:clrMapOvr>
 </p:sldLayout>
 </file>
 
 <file path=ppt/slideLayouts/slideLayout2.xml><?xml version="1.0" encoding="utf-8"?>
-<p:sldLayout xmlns:a="http://schemas.openxmlformats.org/drawingml/2006/main" xmlns:p="http://schemas.openxmlformats.org/presentationml/2006/main" xmlns:r="http://schemas.openxmlformats.org/officeDocument/2006/relationships" preserve="1" type="tx">
+<p:sldLayout xmlns:a="http://schemas.openxmlformats.org/drawingml/2006/main" xmlns:r="http://schemas.openxmlformats.org/officeDocument/2006/relationships" xmlns:p="http://schemas.openxmlformats.org/presentationml/2006/main" type="tx" preserve="1">
   <p:cSld name="Title Slide">
     <p:spTree>
       <p:nvGrpSpPr>
@@ -973,7 +1125,8 @@
           </a:prstGeom>
         </p:spPr>
         <p:txBody>
-          <a:bodyPr anchor="ctr" bIns="0" lIns="0" rIns="0" tIns="0" wrap="none"/>
+          <a:bodyPr wrap="none" lIns="0" tIns="0" rIns="0" bIns="0" anchor="ctr"/>
+          <a:lstStyle/>
           <a:p>
             <a:endParaRPr/>
           </a:p>
@@ -999,7 +1152,8 @@
           </a:prstGeom>
         </p:spPr>
         <p:txBody>
-          <a:bodyPr anchor="ctr" bIns="0" lIns="0" rIns="0" tIns="0" wrap="none"/>
+          <a:bodyPr wrap="none" lIns="0" tIns="0" rIns="0" bIns="0" anchor="ctr"/>
+          <a:lstStyle/>
           <a:p>
             <a:pPr algn="ctr"/>
             <a:endParaRPr/>
@@ -1008,11 +1162,14 @@
       </p:sp>
     </p:spTree>
   </p:cSld>
+  <p:clrMapOvr>
+    <a:masterClrMapping/>
+  </p:clrMapOvr>
 </p:sldLayout>
 </file>
 
 <file path=ppt/slideLayouts/slideLayout20.xml><?xml version="1.0" encoding="utf-8"?>
-<p:sldLayout xmlns:a="http://schemas.openxmlformats.org/drawingml/2006/main" xmlns:p="http://schemas.openxmlformats.org/presentationml/2006/main" xmlns:r="http://schemas.openxmlformats.org/officeDocument/2006/relationships" preserve="1" type="objAndTwoObj">
+<p:sldLayout xmlns:a="http://schemas.openxmlformats.org/drawingml/2006/main" xmlns:r="http://schemas.openxmlformats.org/officeDocument/2006/relationships" xmlns:p="http://schemas.openxmlformats.org/presentationml/2006/main" type="objAndTwoObj" preserve="1">
   <p:cSld name="Title Content and 2 Content">
     <p:spTree>
       <p:nvGrpSpPr>
@@ -1048,7 +1205,8 @@
           </a:prstGeom>
         </p:spPr>
         <p:txBody>
-          <a:bodyPr anchor="ctr" bIns="0" lIns="0" rIns="0" tIns="0" wrap="none"/>
+          <a:bodyPr wrap="none" lIns="0" tIns="0" rIns="0" bIns="0" anchor="ctr"/>
+          <a:lstStyle/>
           <a:p>
             <a:endParaRPr/>
           </a:p>
@@ -1074,7 +1232,8 @@
           </a:prstGeom>
         </p:spPr>
         <p:txBody>
-          <a:bodyPr bIns="0" lIns="0" rIns="0" tIns="0" wrap="none"/>
+          <a:bodyPr wrap="none" lIns="0" tIns="0" rIns="0" bIns="0"/>
+          <a:lstStyle/>
           <a:p>
             <a:endParaRPr/>
           </a:p>
@@ -1100,7 +1259,8 @@
           </a:prstGeom>
         </p:spPr>
         <p:txBody>
-          <a:bodyPr bIns="0" lIns="0" rIns="0" tIns="0" wrap="none"/>
+          <a:bodyPr wrap="none" lIns="0" tIns="0" rIns="0" bIns="0"/>
+          <a:lstStyle/>
           <a:p>
             <a:endParaRPr/>
           </a:p>
@@ -1126,7 +1286,8 @@
           </a:prstGeom>
         </p:spPr>
         <p:txBody>
-          <a:bodyPr bIns="0" lIns="0" rIns="0" tIns="0" wrap="none"/>
+          <a:bodyPr wrap="none" lIns="0" tIns="0" rIns="0" bIns="0"/>
+          <a:lstStyle/>
           <a:p>
             <a:endParaRPr/>
           </a:p>
@@ -1134,11 +1295,14 @@
       </p:sp>
     </p:spTree>
   </p:cSld>
+  <p:clrMapOvr>
+    <a:masterClrMapping/>
+  </p:clrMapOvr>
 </p:sldLayout>
 </file>
 
 <file path=ppt/slideLayouts/slideLayout21.xml><?xml version="1.0" encoding="utf-8"?>
-<p:sldLayout xmlns:a="http://schemas.openxmlformats.org/drawingml/2006/main" xmlns:p="http://schemas.openxmlformats.org/presentationml/2006/main" xmlns:r="http://schemas.openxmlformats.org/officeDocument/2006/relationships" preserve="1" type="twoObjOverTx">
+<p:sldLayout xmlns:a="http://schemas.openxmlformats.org/drawingml/2006/main" xmlns:r="http://schemas.openxmlformats.org/officeDocument/2006/relationships" xmlns:p="http://schemas.openxmlformats.org/presentationml/2006/main" type="twoObjOverTx" preserve="1">
   <p:cSld name="Title, 2 Content over Content">
     <p:spTree>
       <p:nvGrpSpPr>
@@ -1174,7 +1338,8 @@
           </a:prstGeom>
         </p:spPr>
         <p:txBody>
-          <a:bodyPr anchor="ctr" bIns="0" lIns="0" rIns="0" tIns="0" wrap="none"/>
+          <a:bodyPr wrap="none" lIns="0" tIns="0" rIns="0" bIns="0" anchor="ctr"/>
+          <a:lstStyle/>
           <a:p>
             <a:endParaRPr/>
           </a:p>
@@ -1200,7 +1365,8 @@
           </a:prstGeom>
         </p:spPr>
         <p:txBody>
-          <a:bodyPr bIns="0" lIns="0" rIns="0" tIns="0" wrap="none"/>
+          <a:bodyPr wrap="none" lIns="0" tIns="0" rIns="0" bIns="0"/>
+          <a:lstStyle/>
           <a:p>
             <a:endParaRPr/>
           </a:p>
@@ -1226,7 +1392,8 @@
           </a:prstGeom>
         </p:spPr>
         <p:txBody>
-          <a:bodyPr bIns="0" lIns="0" rIns="0" tIns="0" wrap="none"/>
+          <a:bodyPr wrap="none" lIns="0" tIns="0" rIns="0" bIns="0"/>
+          <a:lstStyle/>
           <a:p>
             <a:endParaRPr/>
           </a:p>
@@ -1252,7 +1419,8 @@
           </a:prstGeom>
         </p:spPr>
         <p:txBody>
-          <a:bodyPr bIns="0" lIns="0" rIns="0" tIns="0" wrap="none"/>
+          <a:bodyPr wrap="none" lIns="0" tIns="0" rIns="0" bIns="0"/>
+          <a:lstStyle/>
           <a:p>
             <a:endParaRPr/>
           </a:p>
@@ -1260,11 +1428,14 @@
       </p:sp>
     </p:spTree>
   </p:cSld>
+  <p:clrMapOvr>
+    <a:masterClrMapping/>
+  </p:clrMapOvr>
 </p:sldLayout>
 </file>
 
 <file path=ppt/slideLayouts/slideLayout22.xml><?xml version="1.0" encoding="utf-8"?>
-<p:sldLayout xmlns:a="http://schemas.openxmlformats.org/drawingml/2006/main" xmlns:p="http://schemas.openxmlformats.org/presentationml/2006/main" xmlns:r="http://schemas.openxmlformats.org/officeDocument/2006/relationships" preserve="1" type="objOverTx">
+<p:sldLayout xmlns:a="http://schemas.openxmlformats.org/drawingml/2006/main" xmlns:r="http://schemas.openxmlformats.org/officeDocument/2006/relationships" xmlns:p="http://schemas.openxmlformats.org/presentationml/2006/main" type="objOverTx" preserve="1">
   <p:cSld name="Title, Content over Content">
     <p:spTree>
       <p:nvGrpSpPr>
@@ -1300,7 +1471,8 @@
           </a:prstGeom>
         </p:spPr>
         <p:txBody>
-          <a:bodyPr anchor="ctr" bIns="0" lIns="0" rIns="0" tIns="0" wrap="none"/>
+          <a:bodyPr wrap="none" lIns="0" tIns="0" rIns="0" bIns="0" anchor="ctr"/>
+          <a:lstStyle/>
           <a:p>
             <a:endParaRPr/>
           </a:p>
@@ -1326,7 +1498,8 @@
           </a:prstGeom>
         </p:spPr>
         <p:txBody>
-          <a:bodyPr bIns="0" lIns="0" rIns="0" tIns="0" wrap="none"/>
+          <a:bodyPr wrap="none" lIns="0" tIns="0" rIns="0" bIns="0"/>
+          <a:lstStyle/>
           <a:p>
             <a:endParaRPr/>
           </a:p>
@@ -1352,7 +1525,8 @@
           </a:prstGeom>
         </p:spPr>
         <p:txBody>
-          <a:bodyPr bIns="0" lIns="0" rIns="0" tIns="0" wrap="none"/>
+          <a:bodyPr wrap="none" lIns="0" tIns="0" rIns="0" bIns="0"/>
+          <a:lstStyle/>
           <a:p>
             <a:endParaRPr/>
           </a:p>
@@ -1360,11 +1534,14 @@
       </p:sp>
     </p:spTree>
   </p:cSld>
+  <p:clrMapOvr>
+    <a:masterClrMapping/>
+  </p:clrMapOvr>
 </p:sldLayout>
 </file>
 
 <file path=ppt/slideLayouts/slideLayout23.xml><?xml version="1.0" encoding="utf-8"?>
-<p:sldLayout xmlns:a="http://schemas.openxmlformats.org/drawingml/2006/main" xmlns:p="http://schemas.openxmlformats.org/presentationml/2006/main" xmlns:r="http://schemas.openxmlformats.org/officeDocument/2006/relationships" preserve="1" type="fourObj">
+<p:sldLayout xmlns:a="http://schemas.openxmlformats.org/drawingml/2006/main" xmlns:r="http://schemas.openxmlformats.org/officeDocument/2006/relationships" xmlns:p="http://schemas.openxmlformats.org/presentationml/2006/main" type="fourObj" preserve="1">
   <p:cSld name="Title, 4 Content">
     <p:spTree>
       <p:nvGrpSpPr>
@@ -1400,7 +1577,8 @@
           </a:prstGeom>
         </p:spPr>
         <p:txBody>
-          <a:bodyPr anchor="ctr" bIns="0" lIns="0" rIns="0" tIns="0" wrap="none"/>
+          <a:bodyPr wrap="none" lIns="0" tIns="0" rIns="0" bIns="0" anchor="ctr"/>
+          <a:lstStyle/>
           <a:p>
             <a:endParaRPr/>
           </a:p>
@@ -1426,7 +1604,8 @@
           </a:prstGeom>
         </p:spPr>
         <p:txBody>
-          <a:bodyPr bIns="0" lIns="0" rIns="0" tIns="0" wrap="none"/>
+          <a:bodyPr wrap="none" lIns="0" tIns="0" rIns="0" bIns="0"/>
+          <a:lstStyle/>
           <a:p>
             <a:endParaRPr/>
           </a:p>
@@ -1452,7 +1631,8 @@
           </a:prstGeom>
         </p:spPr>
         <p:txBody>
-          <a:bodyPr bIns="0" lIns="0" rIns="0" tIns="0" wrap="none"/>
+          <a:bodyPr wrap="none" lIns="0" tIns="0" rIns="0" bIns="0"/>
+          <a:lstStyle/>
           <a:p>
             <a:endParaRPr/>
           </a:p>
@@ -1478,7 +1658,8 @@
           </a:prstGeom>
         </p:spPr>
         <p:txBody>
-          <a:bodyPr bIns="0" lIns="0" rIns="0" tIns="0" wrap="none"/>
+          <a:bodyPr wrap="none" lIns="0" tIns="0" rIns="0" bIns="0"/>
+          <a:lstStyle/>
           <a:p>
             <a:endParaRPr/>
           </a:p>
@@ -1504,7 +1685,8 @@
           </a:prstGeom>
         </p:spPr>
         <p:txBody>
-          <a:bodyPr bIns="0" lIns="0" rIns="0" tIns="0" wrap="none"/>
+          <a:bodyPr wrap="none" lIns="0" tIns="0" rIns="0" bIns="0"/>
+          <a:lstStyle/>
           <a:p>
             <a:endParaRPr/>
           </a:p>
@@ -1512,11 +1694,14 @@
       </p:sp>
     </p:spTree>
   </p:cSld>
+  <p:clrMapOvr>
+    <a:masterClrMapping/>
+  </p:clrMapOvr>
 </p:sldLayout>
 </file>
 
 <file path=ppt/slideLayouts/slideLayout24.xml><?xml version="1.0" encoding="utf-8"?>
-<p:sldLayout xmlns:a="http://schemas.openxmlformats.org/drawingml/2006/main" xmlns:p="http://schemas.openxmlformats.org/presentationml/2006/main" xmlns:r="http://schemas.openxmlformats.org/officeDocument/2006/relationships" preserve="1" type="blank">
+<p:sldLayout xmlns:a="http://schemas.openxmlformats.org/drawingml/2006/main" xmlns:r="http://schemas.openxmlformats.org/officeDocument/2006/relationships" xmlns:p="http://schemas.openxmlformats.org/presentationml/2006/main" type="blank" preserve="1">
   <p:cSld name="Title, 6 Content">
     <p:spTree>
       <p:nvGrpSpPr>
@@ -1552,7 +1737,8 @@
           </a:prstGeom>
         </p:spPr>
         <p:txBody>
-          <a:bodyPr anchor="ctr" bIns="0" lIns="0" rIns="0" tIns="0" wrap="none"/>
+          <a:bodyPr wrap="none" lIns="0" tIns="0" rIns="0" bIns="0" anchor="ctr"/>
+          <a:lstStyle/>
           <a:p>
             <a:endParaRPr/>
           </a:p>
@@ -1578,7 +1764,8 @@
           </a:prstGeom>
         </p:spPr>
         <p:txBody>
-          <a:bodyPr bIns="0" lIns="0" rIns="0" tIns="0" wrap="none"/>
+          <a:bodyPr wrap="none" lIns="0" tIns="0" rIns="0" bIns="0"/>
+          <a:lstStyle/>
           <a:p>
             <a:endParaRPr/>
           </a:p>
@@ -1604,7 +1791,8 @@
           </a:prstGeom>
         </p:spPr>
         <p:txBody>
-          <a:bodyPr bIns="0" lIns="0" rIns="0" tIns="0" wrap="none"/>
+          <a:bodyPr wrap="none" lIns="0" tIns="0" rIns="0" bIns="0"/>
+          <a:lstStyle/>
           <a:p>
             <a:endParaRPr/>
           </a:p>
@@ -1612,7 +1800,7 @@
       </p:sp>
       <p:pic>
         <p:nvPicPr>
-          <p:cNvPr descr="" id="72" name=""/>
+          <p:cNvPr id="72" name="Picture 71"/>
           <p:cNvPicPr/>
           <p:nvPr/>
         </p:nvPicPr>
@@ -1637,12 +1825,12 @@
       </p:pic>
       <p:pic>
         <p:nvPicPr>
-          <p:cNvPr descr="" id="73" name=""/>
+          <p:cNvPr id="73" name="Picture 72"/>
           <p:cNvPicPr/>
           <p:nvPr/>
         </p:nvPicPr>
         <p:blipFill>
-          <a:blip r:embed="rId3"/>
+          <a:blip r:embed="rId2"/>
           <a:stretch>
             <a:fillRect/>
           </a:stretch>
@@ -1662,11 +1850,14 @@
       </p:pic>
     </p:spTree>
   </p:cSld>
+  <p:clrMapOvr>
+    <a:masterClrMapping/>
+  </p:clrMapOvr>
 </p:sldLayout>
 </file>
 
 <file path=ppt/slideLayouts/slideLayout3.xml><?xml version="1.0" encoding="utf-8"?>
-<p:sldLayout xmlns:a="http://schemas.openxmlformats.org/drawingml/2006/main" xmlns:p="http://schemas.openxmlformats.org/presentationml/2006/main" xmlns:r="http://schemas.openxmlformats.org/officeDocument/2006/relationships" preserve="1" type="obj">
+<p:sldLayout xmlns:a="http://schemas.openxmlformats.org/drawingml/2006/main" xmlns:r="http://schemas.openxmlformats.org/officeDocument/2006/relationships" xmlns:p="http://schemas.openxmlformats.org/presentationml/2006/main" type="obj" preserve="1">
   <p:cSld name="Title, Content">
     <p:spTree>
       <p:nvGrpSpPr>
@@ -1702,7 +1893,8 @@
           </a:prstGeom>
         </p:spPr>
         <p:txBody>
-          <a:bodyPr anchor="ctr" bIns="0" lIns="0" rIns="0" tIns="0" wrap="none"/>
+          <a:bodyPr wrap="none" lIns="0" tIns="0" rIns="0" bIns="0" anchor="ctr"/>
+          <a:lstStyle/>
           <a:p>
             <a:endParaRPr/>
           </a:p>
@@ -1728,7 +1920,8 @@
           </a:prstGeom>
         </p:spPr>
         <p:txBody>
-          <a:bodyPr bIns="0" lIns="0" rIns="0" tIns="0" wrap="none"/>
+          <a:bodyPr wrap="none" lIns="0" tIns="0" rIns="0" bIns="0"/>
+          <a:lstStyle/>
           <a:p>
             <a:endParaRPr/>
           </a:p>
@@ -1736,11 +1929,14 @@
       </p:sp>
     </p:spTree>
   </p:cSld>
+  <p:clrMapOvr>
+    <a:masterClrMapping/>
+  </p:clrMapOvr>
 </p:sldLayout>
 </file>
 
 <file path=ppt/slideLayouts/slideLayout4.xml><?xml version="1.0" encoding="utf-8"?>
-<p:sldLayout xmlns:a="http://schemas.openxmlformats.org/drawingml/2006/main" xmlns:p="http://schemas.openxmlformats.org/presentationml/2006/main" xmlns:r="http://schemas.openxmlformats.org/officeDocument/2006/relationships" preserve="1" type="twoObj">
+<p:sldLayout xmlns:a="http://schemas.openxmlformats.org/drawingml/2006/main" xmlns:r="http://schemas.openxmlformats.org/officeDocument/2006/relationships" xmlns:p="http://schemas.openxmlformats.org/presentationml/2006/main" type="twoObj" preserve="1">
   <p:cSld name="Title, 2 Content">
     <p:spTree>
       <p:nvGrpSpPr>
@@ -1776,7 +1972,8 @@
           </a:prstGeom>
         </p:spPr>
         <p:txBody>
-          <a:bodyPr anchor="ctr" bIns="0" lIns="0" rIns="0" tIns="0" wrap="none"/>
+          <a:bodyPr wrap="none" lIns="0" tIns="0" rIns="0" bIns="0" anchor="ctr"/>
+          <a:lstStyle/>
           <a:p>
             <a:endParaRPr/>
           </a:p>
@@ -1802,7 +1999,8 @@
           </a:prstGeom>
         </p:spPr>
         <p:txBody>
-          <a:bodyPr bIns="0" lIns="0" rIns="0" tIns="0" wrap="none"/>
+          <a:bodyPr wrap="none" lIns="0" tIns="0" rIns="0" bIns="0"/>
+          <a:lstStyle/>
           <a:p>
             <a:endParaRPr/>
           </a:p>
@@ -1828,7 +2026,8 @@
           </a:prstGeom>
         </p:spPr>
         <p:txBody>
-          <a:bodyPr bIns="0" lIns="0" rIns="0" tIns="0" wrap="none"/>
+          <a:bodyPr wrap="none" lIns="0" tIns="0" rIns="0" bIns="0"/>
+          <a:lstStyle/>
           <a:p>
             <a:endParaRPr/>
           </a:p>
@@ -1836,11 +2035,14 @@
       </p:sp>
     </p:spTree>
   </p:cSld>
+  <p:clrMapOvr>
+    <a:masterClrMapping/>
+  </p:clrMapOvr>
 </p:sldLayout>
 </file>
 
 <file path=ppt/slideLayouts/slideLayout5.xml><?xml version="1.0" encoding="utf-8"?>
-<p:sldLayout xmlns:a="http://schemas.openxmlformats.org/drawingml/2006/main" xmlns:p="http://schemas.openxmlformats.org/presentationml/2006/main" xmlns:r="http://schemas.openxmlformats.org/officeDocument/2006/relationships" preserve="1" type="titleOnly">
+<p:sldLayout xmlns:a="http://schemas.openxmlformats.org/drawingml/2006/main" xmlns:r="http://schemas.openxmlformats.org/officeDocument/2006/relationships" xmlns:p="http://schemas.openxmlformats.org/presentationml/2006/main" type="titleOnly" preserve="1">
   <p:cSld name="Title Only">
     <p:spTree>
       <p:nvGrpSpPr>
@@ -1876,7 +2078,8 @@
           </a:prstGeom>
         </p:spPr>
         <p:txBody>
-          <a:bodyPr anchor="ctr" bIns="0" lIns="0" rIns="0" tIns="0" wrap="none"/>
+          <a:bodyPr wrap="none" lIns="0" tIns="0" rIns="0" bIns="0" anchor="ctr"/>
+          <a:lstStyle/>
           <a:p>
             <a:endParaRPr/>
           </a:p>
@@ -1884,11 +2087,14 @@
       </p:sp>
     </p:spTree>
   </p:cSld>
+  <p:clrMapOvr>
+    <a:masterClrMapping/>
+  </p:clrMapOvr>
 </p:sldLayout>
 </file>
 
 <file path=ppt/slideLayouts/slideLayout6.xml><?xml version="1.0" encoding="utf-8"?>
-<p:sldLayout xmlns:a="http://schemas.openxmlformats.org/drawingml/2006/main" xmlns:p="http://schemas.openxmlformats.org/presentationml/2006/main" xmlns:r="http://schemas.openxmlformats.org/officeDocument/2006/relationships" preserve="1" type="objOnly">
+<p:sldLayout xmlns:a="http://schemas.openxmlformats.org/drawingml/2006/main" xmlns:r="http://schemas.openxmlformats.org/officeDocument/2006/relationships" xmlns:p="http://schemas.openxmlformats.org/presentationml/2006/main" type="objOnly" preserve="1">
   <p:cSld name="Centered Text">
     <p:spTree>
       <p:nvGrpSpPr>
@@ -1924,7 +2130,8 @@
           </a:prstGeom>
         </p:spPr>
         <p:txBody>
-          <a:bodyPr anchor="ctr" bIns="0" lIns="0" rIns="0" tIns="0" wrap="none"/>
+          <a:bodyPr wrap="none" lIns="0" tIns="0" rIns="0" bIns="0" anchor="ctr"/>
+          <a:lstStyle/>
           <a:p>
             <a:pPr algn="ctr"/>
             <a:endParaRPr/>
@@ -1933,11 +2140,14 @@
       </p:sp>
     </p:spTree>
   </p:cSld>
+  <p:clrMapOvr>
+    <a:masterClrMapping/>
+  </p:clrMapOvr>
 </p:sldLayout>
 </file>
 
 <file path=ppt/slideLayouts/slideLayout7.xml><?xml version="1.0" encoding="utf-8"?>
-<p:sldLayout xmlns:a="http://schemas.openxmlformats.org/drawingml/2006/main" xmlns:p="http://schemas.openxmlformats.org/presentationml/2006/main" xmlns:r="http://schemas.openxmlformats.org/officeDocument/2006/relationships" preserve="1" type="twoObjAndObj">
+<p:sldLayout xmlns:a="http://schemas.openxmlformats.org/drawingml/2006/main" xmlns:r="http://schemas.openxmlformats.org/officeDocument/2006/relationships" xmlns:p="http://schemas.openxmlformats.org/presentationml/2006/main" type="twoObjAndObj" preserve="1">
   <p:cSld name="Title, 2 Content and Content">
     <p:spTree>
       <p:nvGrpSpPr>
@@ -1973,7 +2183,8 @@
           </a:prstGeom>
         </p:spPr>
         <p:txBody>
-          <a:bodyPr anchor="ctr" bIns="0" lIns="0" rIns="0" tIns="0" wrap="none"/>
+          <a:bodyPr wrap="none" lIns="0" tIns="0" rIns="0" bIns="0" anchor="ctr"/>
+          <a:lstStyle/>
           <a:p>
             <a:endParaRPr/>
           </a:p>
@@ -1999,7 +2210,8 @@
           </a:prstGeom>
         </p:spPr>
         <p:txBody>
-          <a:bodyPr bIns="0" lIns="0" rIns="0" tIns="0" wrap="none"/>
+          <a:bodyPr wrap="none" lIns="0" tIns="0" rIns="0" bIns="0"/>
+          <a:lstStyle/>
           <a:p>
             <a:endParaRPr/>
           </a:p>
@@ -2025,7 +2237,8 @@
           </a:prstGeom>
         </p:spPr>
         <p:txBody>
-          <a:bodyPr bIns="0" lIns="0" rIns="0" tIns="0" wrap="none"/>
+          <a:bodyPr wrap="none" lIns="0" tIns="0" rIns="0" bIns="0"/>
+          <a:lstStyle/>
           <a:p>
             <a:endParaRPr/>
           </a:p>
@@ -2051,7 +2264,8 @@
           </a:prstGeom>
         </p:spPr>
         <p:txBody>
-          <a:bodyPr bIns="0" lIns="0" rIns="0" tIns="0" wrap="none"/>
+          <a:bodyPr wrap="none" lIns="0" tIns="0" rIns="0" bIns="0"/>
+          <a:lstStyle/>
           <a:p>
             <a:endParaRPr/>
           </a:p>
@@ -2059,11 +2273,14 @@
       </p:sp>
     </p:spTree>
   </p:cSld>
+  <p:clrMapOvr>
+    <a:masterClrMapping/>
+  </p:clrMapOvr>
 </p:sldLayout>
 </file>
 
 <file path=ppt/slideLayouts/slideLayout8.xml><?xml version="1.0" encoding="utf-8"?>
-<p:sldLayout xmlns:a="http://schemas.openxmlformats.org/drawingml/2006/main" xmlns:p="http://schemas.openxmlformats.org/presentationml/2006/main" xmlns:r="http://schemas.openxmlformats.org/officeDocument/2006/relationships" preserve="1" type="objAndTwoObj">
+<p:sldLayout xmlns:a="http://schemas.openxmlformats.org/drawingml/2006/main" xmlns:r="http://schemas.openxmlformats.org/officeDocument/2006/relationships" xmlns:p="http://schemas.openxmlformats.org/presentationml/2006/main" type="objAndTwoObj" preserve="1">
   <p:cSld name="Title Content and 2 Content">
     <p:spTree>
       <p:nvGrpSpPr>
@@ -2099,7 +2316,8 @@
           </a:prstGeom>
         </p:spPr>
         <p:txBody>
-          <a:bodyPr anchor="ctr" bIns="0" lIns="0" rIns="0" tIns="0" wrap="none"/>
+          <a:bodyPr wrap="none" lIns="0" tIns="0" rIns="0" bIns="0" anchor="ctr"/>
+          <a:lstStyle/>
           <a:p>
             <a:endParaRPr/>
           </a:p>
@@ -2125,7 +2343,8 @@
           </a:prstGeom>
         </p:spPr>
         <p:txBody>
-          <a:bodyPr bIns="0" lIns="0" rIns="0" tIns="0" wrap="none"/>
+          <a:bodyPr wrap="none" lIns="0" tIns="0" rIns="0" bIns="0"/>
+          <a:lstStyle/>
           <a:p>
             <a:endParaRPr/>
           </a:p>
@@ -2151,7 +2370,8 @@
           </a:prstGeom>
         </p:spPr>
         <p:txBody>
-          <a:bodyPr bIns="0" lIns="0" rIns="0" tIns="0" wrap="none"/>
+          <a:bodyPr wrap="none" lIns="0" tIns="0" rIns="0" bIns="0"/>
+          <a:lstStyle/>
           <a:p>
             <a:endParaRPr/>
           </a:p>
@@ -2177,7 +2397,8 @@
           </a:prstGeom>
         </p:spPr>
         <p:txBody>
-          <a:bodyPr bIns="0" lIns="0" rIns="0" tIns="0" wrap="none"/>
+          <a:bodyPr wrap="none" lIns="0" tIns="0" rIns="0" bIns="0"/>
+          <a:lstStyle/>
           <a:p>
             <a:endParaRPr/>
           </a:p>
@@ -2185,11 +2406,14 @@
       </p:sp>
     </p:spTree>
   </p:cSld>
+  <p:clrMapOvr>
+    <a:masterClrMapping/>
+  </p:clrMapOvr>
 </p:sldLayout>
 </file>
 
 <file path=ppt/slideLayouts/slideLayout9.xml><?xml version="1.0" encoding="utf-8"?>
-<p:sldLayout xmlns:a="http://schemas.openxmlformats.org/drawingml/2006/main" xmlns:p="http://schemas.openxmlformats.org/presentationml/2006/main" xmlns:r="http://schemas.openxmlformats.org/officeDocument/2006/relationships" preserve="1" type="twoObjOverTx">
+<p:sldLayout xmlns:a="http://schemas.openxmlformats.org/drawingml/2006/main" xmlns:r="http://schemas.openxmlformats.org/officeDocument/2006/relationships" xmlns:p="http://schemas.openxmlformats.org/presentationml/2006/main" type="twoObjOverTx" preserve="1">
   <p:cSld name="Title, 2 Content over Content">
     <p:spTree>
       <p:nvGrpSpPr>
@@ -2225,7 +2449,8 @@
           </a:prstGeom>
         </p:spPr>
         <p:txBody>
-          <a:bodyPr anchor="ctr" bIns="0" lIns="0" rIns="0" tIns="0" wrap="none"/>
+          <a:bodyPr wrap="none" lIns="0" tIns="0" rIns="0" bIns="0" anchor="ctr"/>
+          <a:lstStyle/>
           <a:p>
             <a:endParaRPr/>
           </a:p>
@@ -2251,7 +2476,8 @@
           </a:prstGeom>
         </p:spPr>
         <p:txBody>
-          <a:bodyPr bIns="0" lIns="0" rIns="0" tIns="0" wrap="none"/>
+          <a:bodyPr wrap="none" lIns="0" tIns="0" rIns="0" bIns="0"/>
+          <a:lstStyle/>
           <a:p>
             <a:endParaRPr/>
           </a:p>
@@ -2277,7 +2503,8 @@
           </a:prstGeom>
         </p:spPr>
         <p:txBody>
-          <a:bodyPr bIns="0" lIns="0" rIns="0" tIns="0" wrap="none"/>
+          <a:bodyPr wrap="none" lIns="0" tIns="0" rIns="0" bIns="0"/>
+          <a:lstStyle/>
           <a:p>
             <a:endParaRPr/>
           </a:p>
@@ -2303,7 +2530,8 @@
           </a:prstGeom>
         </p:spPr>
         <p:txBody>
-          <a:bodyPr bIns="0" lIns="0" rIns="0" tIns="0" wrap="none"/>
+          <a:bodyPr wrap="none" lIns="0" tIns="0" rIns="0" bIns="0"/>
+          <a:lstStyle/>
           <a:p>
             <a:endParaRPr/>
           </a:p>
@@ -2311,20 +2539,24 @@
       </p:sp>
     </p:spTree>
   </p:cSld>
+  <p:clrMapOvr>
+    <a:masterClrMapping/>
+  </p:clrMapOvr>
 </p:sldLayout>
 </file>
 
 <file path=ppt/slideMasters/slideMaster1.xml><?xml version="1.0" encoding="utf-8"?>
-<p:sldMaster xmlns:a="http://schemas.openxmlformats.org/drawingml/2006/main" xmlns:p="http://schemas.openxmlformats.org/presentationml/2006/main" xmlns:r="http://schemas.openxmlformats.org/officeDocument/2006/relationships">
+<p:sldMaster xmlns:a="http://schemas.openxmlformats.org/drawingml/2006/main" xmlns:r="http://schemas.openxmlformats.org/officeDocument/2006/relationships" xmlns:p="http://schemas.openxmlformats.org/presentationml/2006/main">
   <p:cSld>
     <p:bg>
       <p:bgPr>
         <a:blipFill>
-          <a:blip r:embed="rId2"/>
+          <a:blip r:embed="rId14"/>
           <a:stretch>
             <a:fillRect/>
           </a:stretch>
         </a:blipFill>
+        <a:effectLst/>
       </p:bgPr>
     </p:bg>
     <p:spTree>
@@ -2343,7 +2575,7 @@
       </p:grpSpPr>
       <p:sp>
         <p:nvSpPr>
-          <p:cNvPr id="0" name="PlaceHolder 1"/>
+          <p:cNvPr id="3" name="PlaceHolder 1"/>
           <p:cNvSpPr>
             <a:spLocks noGrp="1"/>
           </p:cNvSpPr>
@@ -2361,7 +2593,8 @@
           </a:prstGeom>
         </p:spPr>
         <p:txBody>
-          <a:bodyPr anchor="ctr" bIns="45000" lIns="45720" rIns="45720" tIns="45000"/>
+          <a:bodyPr lIns="45720" tIns="45000" rIns="45720" bIns="45000" anchor="ctr"/>
+          <a:lstStyle/>
           <a:p>
             <a:pPr>
               <a:lnSpc>
@@ -2381,7 +2614,7 @@
       </p:sp>
       <p:sp>
         <p:nvSpPr>
-          <p:cNvPr id="1" name="PlaceHolder 2"/>
+          <p:cNvPr id="4" name="PlaceHolder 2"/>
           <p:cNvSpPr>
             <a:spLocks noGrp="1"/>
           </p:cNvSpPr>
@@ -2399,7 +2632,8 @@
           </a:prstGeom>
         </p:spPr>
         <p:txBody>
-          <a:bodyPr bIns="45000" lIns="45720" rIns="45720" tIns="45000"/>
+          <a:bodyPr lIns="45720" tIns="45000" rIns="45720" bIns="45000"/>
+          <a:lstStyle/>
           <a:p>
             <a:pPr>
               <a:buSzPct val="25000"/>
@@ -2600,7 +2834,8 @@
           </a:prstGeom>
         </p:spPr>
         <p:txBody>
-          <a:bodyPr anchor="ctr" bIns="45000" lIns="45720" rIns="45720" tIns="45000"/>
+          <a:bodyPr lIns="45720" tIns="45000" rIns="45720" bIns="45000" anchor="ctr"/>
+          <a:lstStyle/>
           <a:p>
             <a:pPr>
               <a:lnSpc>
@@ -2615,7 +2850,7 @@
                 <a:latin typeface="Calibri"/>
                 <a:ea typeface="Calibri"/>
               </a:rPr>
-              <a:t>&lt;number&gt;</a:t>
+              <a:t>‹#›</a:t>
             </a:fld>
             <a:endParaRPr/>
           </a:p>
@@ -2623,35 +2858,41 @@
       </p:sp>
     </p:spTree>
   </p:cSld>
-  <p:clrMap accent1="accent1" accent2="accent2" accent3="accent3" accent4="accent4" accent5="accent5" accent6="accent6" bg1="lt1" bg2="lt2" folHlink="folHlink" hlink="hlink" tx1="dk1" tx2="dk2"/>
+  <p:clrMap bg1="lt1" tx1="dk1" bg2="lt2" tx2="dk2" accent1="accent1" accent2="accent2" accent3="accent3" accent4="accent4" accent5="accent5" accent6="accent6" hlink="hlink" folHlink="folHlink"/>
   <p:sldLayoutIdLst>
-    <p:sldLayoutId id="2147483649" r:id="rId3"/>
-    <p:sldLayoutId id="2147483650" r:id="rId4"/>
-    <p:sldLayoutId id="2147483651" r:id="rId5"/>
-    <p:sldLayoutId id="2147483652" r:id="rId6"/>
-    <p:sldLayoutId id="2147483653" r:id="rId7"/>
-    <p:sldLayoutId id="2147483654" r:id="rId8"/>
-    <p:sldLayoutId id="2147483655" r:id="rId9"/>
-    <p:sldLayoutId id="2147483656" r:id="rId10"/>
-    <p:sldLayoutId id="2147483657" r:id="rId11"/>
-    <p:sldLayoutId id="2147483658" r:id="rId12"/>
-    <p:sldLayoutId id="2147483659" r:id="rId13"/>
-    <p:sldLayoutId id="2147483660" r:id="rId14"/>
+    <p:sldLayoutId id="2147483649" r:id="rId1"/>
+    <p:sldLayoutId id="2147483650" r:id="rId2"/>
+    <p:sldLayoutId id="2147483651" r:id="rId3"/>
+    <p:sldLayoutId id="2147483652" r:id="rId4"/>
+    <p:sldLayoutId id="2147483653" r:id="rId5"/>
+    <p:sldLayoutId id="2147483654" r:id="rId6"/>
+    <p:sldLayoutId id="2147483655" r:id="rId7"/>
+    <p:sldLayoutId id="2147483656" r:id="rId8"/>
+    <p:sldLayoutId id="2147483657" r:id="rId9"/>
+    <p:sldLayoutId id="2147483658" r:id="rId10"/>
+    <p:sldLayoutId id="2147483659" r:id="rId11"/>
+    <p:sldLayoutId id="2147483660" r:id="rId12"/>
   </p:sldLayoutIdLst>
+  <p:txStyles>
+    <p:titleStyle/>
+    <p:bodyStyle/>
+    <p:otherStyle/>
+  </p:txStyles>
 </p:sldMaster>
 </file>
 
 <file path=ppt/slideMasters/slideMaster2.xml><?xml version="1.0" encoding="utf-8"?>
-<p:sldMaster xmlns:a="http://schemas.openxmlformats.org/drawingml/2006/main" xmlns:p="http://schemas.openxmlformats.org/presentationml/2006/main" xmlns:r="http://schemas.openxmlformats.org/officeDocument/2006/relationships">
+<p:sldMaster xmlns:a="http://schemas.openxmlformats.org/drawingml/2006/main" xmlns:r="http://schemas.openxmlformats.org/officeDocument/2006/relationships" xmlns:p="http://schemas.openxmlformats.org/presentationml/2006/main">
   <p:cSld>
     <p:bg>
       <p:bgPr>
         <a:blipFill>
-          <a:blip r:embed="rId2"/>
+          <a:blip r:embed="rId14"/>
           <a:stretch>
             <a:fillRect/>
           </a:stretch>
         </a:blipFill>
+        <a:effectLst/>
       </p:bgPr>
     </p:bg>
     <p:spTree>
@@ -2688,7 +2929,8 @@
           </a:prstGeom>
         </p:spPr>
         <p:txBody>
-          <a:bodyPr anchor="ctr" bIns="45000" lIns="45720" rIns="45720" tIns="45000"/>
+          <a:bodyPr lIns="45720" tIns="45000" rIns="45720" bIns="45000" anchor="ctr"/>
+          <a:lstStyle/>
           <a:p>
             <a:pPr>
               <a:lnSpc>
@@ -2726,7 +2968,8 @@
           </a:prstGeom>
         </p:spPr>
         <p:txBody>
-          <a:bodyPr bIns="45000" lIns="45720" rIns="45720" tIns="45000"/>
+          <a:bodyPr lIns="45720" tIns="45000" rIns="45720" bIns="45000"/>
+          <a:lstStyle/>
           <a:p>
             <a:pPr>
               <a:buSzPct val="25000"/>
@@ -2924,7 +3167,8 @@
           </a:prstGeom>
         </p:spPr>
         <p:txBody>
-          <a:bodyPr anchor="ctr" bIns="45000" lIns="45720" rIns="45720" tIns="45000"/>
+          <a:bodyPr lIns="45720" tIns="45000" rIns="45720" bIns="45000" anchor="ctr"/>
+          <a:lstStyle/>
           <a:p>
             <a:pPr>
               <a:lnSpc>
@@ -2939,7 +3183,7 @@
                 <a:latin typeface="Calibri"/>
                 <a:ea typeface="Calibri"/>
               </a:rPr>
-              <a:t>&lt;number&gt;</a:t>
+              <a:t>‹#›</a:t>
             </a:fld>
             <a:endParaRPr/>
           </a:p>
@@ -2947,26 +3191,31 @@
       </p:sp>
     </p:spTree>
   </p:cSld>
-  <p:clrMap accent1="accent1" accent2="accent2" accent3="accent3" accent4="accent4" accent5="accent5" accent6="accent6" bg1="lt1" bg2="lt2" folHlink="folHlink" hlink="hlink" tx1="dk1" tx2="dk2"/>
+  <p:clrMap bg1="lt1" tx1="dk1" bg2="lt2" tx2="dk2" accent1="accent1" accent2="accent2" accent3="accent3" accent4="accent4" accent5="accent5" accent6="accent6" hlink="hlink" folHlink="folHlink"/>
   <p:sldLayoutIdLst>
-    <p:sldLayoutId id="2147483662" r:id="rId3"/>
-    <p:sldLayoutId id="2147483663" r:id="rId4"/>
-    <p:sldLayoutId id="2147483664" r:id="rId5"/>
-    <p:sldLayoutId id="2147483665" r:id="rId6"/>
-    <p:sldLayoutId id="2147483666" r:id="rId7"/>
-    <p:sldLayoutId id="2147483667" r:id="rId8"/>
-    <p:sldLayoutId id="2147483668" r:id="rId9"/>
-    <p:sldLayoutId id="2147483669" r:id="rId10"/>
-    <p:sldLayoutId id="2147483670" r:id="rId11"/>
-    <p:sldLayoutId id="2147483671" r:id="rId12"/>
-    <p:sldLayoutId id="2147483672" r:id="rId13"/>
-    <p:sldLayoutId id="2147483673" r:id="rId14"/>
+    <p:sldLayoutId id="2147483662" r:id="rId1"/>
+    <p:sldLayoutId id="2147483663" r:id="rId2"/>
+    <p:sldLayoutId id="2147483664" r:id="rId3"/>
+    <p:sldLayoutId id="2147483665" r:id="rId4"/>
+    <p:sldLayoutId id="2147483666" r:id="rId5"/>
+    <p:sldLayoutId id="2147483667" r:id="rId6"/>
+    <p:sldLayoutId id="2147483668" r:id="rId7"/>
+    <p:sldLayoutId id="2147483669" r:id="rId8"/>
+    <p:sldLayoutId id="2147483670" r:id="rId9"/>
+    <p:sldLayoutId id="2147483671" r:id="rId10"/>
+    <p:sldLayoutId id="2147483672" r:id="rId11"/>
+    <p:sldLayoutId id="2147483673" r:id="rId12"/>
   </p:sldLayoutIdLst>
+  <p:txStyles>
+    <p:titleStyle/>
+    <p:bodyStyle/>
+    <p:otherStyle/>
+  </p:txStyles>
 </p:sldMaster>
 </file>
 
 <file path=ppt/slides/slide1.xml><?xml version="1.0" encoding="utf-8"?>
-<p:sld xmlns:a="http://schemas.openxmlformats.org/drawingml/2006/main" xmlns:p="http://schemas.openxmlformats.org/presentationml/2006/main" xmlns:r="http://schemas.openxmlformats.org/officeDocument/2006/relationships">
+<p:sld xmlns:a="http://schemas.openxmlformats.org/drawingml/2006/main" xmlns:r="http://schemas.openxmlformats.org/officeDocument/2006/relationships" xmlns:p="http://schemas.openxmlformats.org/presentationml/2006/main">
   <p:cSld>
     <p:spTree>
       <p:nvGrpSpPr>
@@ -2998,45 +3247,36 @@
           </a:prstGeom>
         </p:spPr>
         <p:txBody>
-          <a:bodyPr anchor="ctr" bIns="45000" lIns="45720" rIns="45720" tIns="45000"/>
-          <a:p>
-            <a:pPr>
+          <a:bodyPr lIns="45720" tIns="45000" rIns="45720" bIns="45000" anchor="ctr"/>
+          <a:lstStyle/>
+          <a:p>
+            <a:pPr algn="ctr">
               <a:lnSpc>
                 <a:spcPct val="100000"/>
               </a:lnSpc>
             </a:pPr>
             <a:r>
-              <a:rPr b="1" lang="en-US" sz="5400">
-                <a:solidFill>
-                  <a:srgbClr val="ffffff"/>
+              <a:rPr lang="en-US" sz="5400" b="1" dirty="0">
+                <a:solidFill>
+                  <a:srgbClr val="FFFFFF"/>
                 </a:solidFill>
                 <a:latin typeface="Times New Roman"/>
                 <a:ea typeface="Times New Roman"/>
               </a:rPr>
-              <a:t>Visualizing and Clustering Climate Change</a:t>
-            </a:r>
-            <a:r>
-              <a:rPr b="1" lang="en-US" sz="5400">
-                <a:solidFill>
-                  <a:srgbClr val="ffffff"/>
+              <a:t>Visualizing and Clustering Climate Change
+</a:t>
+            </a:r>
+            <a:r>
+              <a:rPr lang="en-US" sz="4000" b="1" dirty="0">
+                <a:solidFill>
+                  <a:srgbClr val="FFFFFF"/>
                 </a:solidFill>
                 <a:latin typeface="Times New Roman"/>
                 <a:ea typeface="Times New Roman"/>
               </a:rPr>
-              <a:t>
-</a:t>
-            </a:r>
-            <a:r>
-              <a:rPr b="1" lang="en-US" sz="4000">
-                <a:solidFill>
-                  <a:srgbClr val="ffffff"/>
-                </a:solidFill>
-                <a:latin typeface="Times New Roman"/>
-                <a:ea typeface="Times New Roman"/>
-              </a:rPr>
               <a:t>Milestone 3</a:t>
             </a:r>
-            <a:endParaRPr/>
+            <a:endParaRPr dirty="0"/>
           </a:p>
         </p:txBody>
       </p:sp>
@@ -3056,70 +3296,94 @@
           </a:prstGeom>
         </p:spPr>
         <p:txBody>
-          <a:bodyPr bIns="45000" lIns="45720" rIns="45720" tIns="45000"/>
-          <a:p>
-            <a:pPr>
+          <a:bodyPr lIns="45720" tIns="45000" rIns="45720" bIns="45000"/>
+          <a:lstStyle/>
+          <a:p>
+            <a:pPr algn="ctr">
               <a:lnSpc>
                 <a:spcPct val="100000"/>
               </a:lnSpc>
             </a:pPr>
             <a:r>
-              <a:rPr b="1" lang="en-US" sz="3420">
-                <a:solidFill>
-                  <a:srgbClr val="ffffff"/>
+              <a:rPr lang="en-US" sz="3420" b="1" dirty="0">
+                <a:solidFill>
+                  <a:srgbClr val="FFFFFF"/>
                 </a:solidFill>
                 <a:latin typeface="Times New Roman"/>
                 <a:ea typeface="Times New Roman"/>
               </a:rPr>
-              <a:t>Lei Zhong</a:t>
-            </a:r>
-            <a:endParaRPr/>
-          </a:p>
-          <a:p>
-            <a:pPr>
+              <a:t>Lei </a:t>
+            </a:r>
+            <a:r>
+              <a:rPr lang="en-US" sz="3420" b="1" dirty="0" err="1">
+                <a:solidFill>
+                  <a:srgbClr val="FFFFFF"/>
+                </a:solidFill>
+                <a:latin typeface="Times New Roman"/>
+                <a:ea typeface="Times New Roman"/>
+              </a:rPr>
+              <a:t>Zhong</a:t>
+            </a:r>
+            <a:endParaRPr dirty="0"/>
+          </a:p>
+          <a:p>
+            <a:pPr algn="ctr">
               <a:lnSpc>
                 <a:spcPct val="100000"/>
               </a:lnSpc>
             </a:pPr>
             <a:r>
-              <a:rPr b="1" lang="en-US" sz="3420">
-                <a:solidFill>
-                  <a:srgbClr val="ffffff"/>
+              <a:rPr lang="en-US" sz="3420" b="1" dirty="0">
+                <a:solidFill>
+                  <a:srgbClr val="FFFFFF"/>
                 </a:solidFill>
                 <a:latin typeface="Times New Roman"/>
                 <a:ea typeface="Times New Roman"/>
               </a:rPr>
               <a:t>Hantian Zhang</a:t>
             </a:r>
-            <a:endParaRPr/>
-          </a:p>
-          <a:p>
-            <a:pPr>
+            <a:endParaRPr dirty="0"/>
+          </a:p>
+          <a:p>
+            <a:pPr algn="ctr">
               <a:lnSpc>
                 <a:spcPct val="100000"/>
               </a:lnSpc>
             </a:pPr>
             <a:r>
-              <a:rPr b="1" lang="en-US" sz="3420">
-                <a:solidFill>
-                  <a:srgbClr val="ffffff"/>
+              <a:rPr lang="en-US" sz="3420" b="1" dirty="0" err="1">
+                <a:solidFill>
+                  <a:srgbClr val="FFFFFF"/>
                 </a:solidFill>
                 <a:latin typeface="Times New Roman"/>
                 <a:ea typeface="Times New Roman"/>
               </a:rPr>
-              <a:t>Jian Zhang</a:t>
-            </a:r>
-            <a:endParaRPr/>
+              <a:t>Jian</a:t>
+            </a:r>
+            <a:r>
+              <a:rPr lang="en-US" sz="3420" b="1" dirty="0">
+                <a:solidFill>
+                  <a:srgbClr val="FFFFFF"/>
+                </a:solidFill>
+                <a:latin typeface="Times New Roman"/>
+                <a:ea typeface="Times New Roman"/>
+              </a:rPr>
+              <a:t> Zhang</a:t>
+            </a:r>
+            <a:endParaRPr dirty="0"/>
           </a:p>
         </p:txBody>
       </p:sp>
     </p:spTree>
   </p:cSld>
+  <p:clrMapOvr>
+    <a:masterClrMapping/>
+  </p:clrMapOvr>
 </p:sld>
 </file>
 
 <file path=ppt/slides/slide2.xml><?xml version="1.0" encoding="utf-8"?>
-<p:sld xmlns:a="http://schemas.openxmlformats.org/drawingml/2006/main" xmlns:p="http://schemas.openxmlformats.org/presentationml/2006/main" xmlns:r="http://schemas.openxmlformats.org/officeDocument/2006/relationships">
+<p:sld xmlns:a="http://schemas.openxmlformats.org/drawingml/2006/main" xmlns:r="http://schemas.openxmlformats.org/officeDocument/2006/relationships" xmlns:p="http://schemas.openxmlformats.org/presentationml/2006/main">
   <p:cSld>
     <p:spTree>
       <p:nvGrpSpPr>
@@ -3151,7 +3415,8 @@
           </a:prstGeom>
         </p:spPr>
         <p:txBody>
-          <a:bodyPr anchor="ctr" bIns="45000" lIns="45720" rIns="45720" tIns="45000"/>
+          <a:bodyPr lIns="45720" tIns="45000" rIns="45720" bIns="45000" anchor="ctr"/>
+          <a:lstStyle/>
           <a:p>
             <a:pPr>
               <a:lnSpc>
@@ -3159,9 +3424,9 @@
               </a:lnSpc>
             </a:pPr>
             <a:r>
-              <a:rPr b="1" lang="en-US" sz="3920">
-                <a:solidFill>
-                  <a:srgbClr val="ffffff"/>
+              <a:rPr lang="en-US" sz="3920" b="1">
+                <a:solidFill>
+                  <a:srgbClr val="FFFFFF"/>
                 </a:solidFill>
                 <a:latin typeface="Times New Roman"/>
                 <a:ea typeface="Times New Roman"/>
@@ -3193,155 +3458,271 @@
         </p:spPr>
         <p:txBody>
           <a:bodyPr lIns="45720" rIns="45720"/>
-          <a:p>
-            <a:pPr>
+          <a:lstStyle/>
+          <a:p>
+            <a:pPr marL="342900" indent="-342900">
               <a:lnSpc>
                 <a:spcPct val="100000"/>
               </a:lnSpc>
+              <a:buFont typeface="Arial"/>
+              <a:buChar char="•"/>
             </a:pPr>
             <a:r>
-              <a:rPr b="1" lang="en-US" sz="2400">
-                <a:solidFill>
-                  <a:srgbClr val="ffffff"/>
+              <a:rPr lang="en-US" sz="2400" b="1" dirty="0">
+                <a:solidFill>
+                  <a:srgbClr val="FFFFFF"/>
                 </a:solidFill>
                 <a:latin typeface="Times New Roman"/>
                 <a:ea typeface="Calibri"/>
               </a:rPr>
               <a:t>All the data separated by years.</a:t>
             </a:r>
-            <a:endParaRPr/>
-          </a:p>
-          <a:p>
-            <a:pPr>
+            <a:endParaRPr dirty="0"/>
+          </a:p>
+          <a:p>
+            <a:pPr marL="342900" indent="-342900">
               <a:lnSpc>
                 <a:spcPct val="100000"/>
               </a:lnSpc>
+              <a:buFont typeface="Arial"/>
+              <a:buChar char="•"/>
             </a:pPr>
             <a:r>
-              <a:rPr b="1" lang="en-US" sz="2400">
-                <a:solidFill>
-                  <a:srgbClr val="ffffff"/>
-                </a:solidFill>
-                <a:latin typeface="Times New Roman"/>
-                <a:ea typeface="Calibri"/>
-              </a:rPr>
-              <a:t>a table consists of rows and column. </a:t>
-            </a:r>
-            <a:r>
-              <a:rPr b="1" lang="en-US" sz="2400">
-                <a:solidFill>
-                  <a:srgbClr val="ffffff"/>
-                </a:solidFill>
-                <a:latin typeface="Times New Roman"/>
-                <a:ea typeface="Calibri"/>
-              </a:rPr>
-              <a:t>
-</a:t>
-            </a:r>
-            <a:r>
-              <a:rPr b="1" lang="en-US" sz="2400">
-                <a:solidFill>
-                  <a:srgbClr val="ffffff"/>
-                </a:solidFill>
-                <a:latin typeface="Times New Roman"/>
-                <a:ea typeface="Calibri"/>
-              </a:rPr>
-              <a:t>Rows are sorted by station id, date, code and number. </a:t>
-            </a:r>
-            <a:endParaRPr/>
-          </a:p>
-          <a:p>
-            <a:pPr>
+              <a:rPr lang="en-US" sz="2400" b="1" dirty="0">
+                <a:solidFill>
+                  <a:srgbClr val="FFFFFF"/>
+                </a:solidFill>
+                <a:latin typeface="Times New Roman"/>
+                <a:ea typeface="Calibri"/>
+              </a:rPr>
+              <a:t>a table consists of rows and column. 
+Rows are sorted by station id, date, code and number. </a:t>
+            </a:r>
+            <a:endParaRPr dirty="0"/>
+          </a:p>
+          <a:p>
+            <a:pPr marL="342900" indent="-342900">
               <a:lnSpc>
                 <a:spcPct val="100000"/>
               </a:lnSpc>
+              <a:buFont typeface="Arial"/>
+              <a:buChar char="•"/>
             </a:pPr>
             <a:r>
-              <a:rPr b="1" lang="en-US" sz="2400">
-                <a:solidFill>
-                  <a:srgbClr val="ffffff"/>
-                </a:solidFill>
-                <a:latin typeface="Times New Roman"/>
-                <a:ea typeface="Calibri"/>
-              </a:rPr>
-              <a:t>We use Hadoop MapReduce to do our tasks. </a:t>
-            </a:r>
-            <a:endParaRPr/>
-          </a:p>
-          <a:p>
-            <a:pPr>
+              <a:rPr lang="en-US" sz="2400" b="1" dirty="0">
+                <a:solidFill>
+                  <a:srgbClr val="FFFFFF"/>
+                </a:solidFill>
+                <a:latin typeface="Times New Roman"/>
+                <a:ea typeface="Calibri"/>
+              </a:rPr>
+              <a:t>We use </a:t>
+            </a:r>
+            <a:r>
+              <a:rPr lang="en-US" sz="2400" b="1" dirty="0" err="1">
+                <a:solidFill>
+                  <a:srgbClr val="FFFFFF"/>
+                </a:solidFill>
+                <a:latin typeface="Times New Roman"/>
+                <a:ea typeface="Calibri"/>
+              </a:rPr>
+              <a:t>Hadoop</a:t>
+            </a:r>
+            <a:r>
+              <a:rPr lang="en-US" sz="2400" b="1" dirty="0">
+                <a:solidFill>
+                  <a:srgbClr val="FFFFFF"/>
+                </a:solidFill>
+                <a:latin typeface="Times New Roman"/>
+                <a:ea typeface="Calibri"/>
+              </a:rPr>
+              <a:t> </a:t>
+            </a:r>
+            <a:r>
+              <a:rPr lang="en-US" sz="2400" b="1" dirty="0" err="1">
+                <a:solidFill>
+                  <a:srgbClr val="FFFFFF"/>
+                </a:solidFill>
+                <a:latin typeface="Times New Roman"/>
+                <a:ea typeface="Calibri"/>
+              </a:rPr>
+              <a:t>MapReduce</a:t>
+            </a:r>
+            <a:r>
+              <a:rPr lang="en-US" sz="2400" b="1" dirty="0">
+                <a:solidFill>
+                  <a:srgbClr val="FFFFFF"/>
+                </a:solidFill>
+                <a:latin typeface="Times New Roman"/>
+                <a:ea typeface="Calibri"/>
+              </a:rPr>
+              <a:t> to do our tasks. </a:t>
+            </a:r>
+            <a:endParaRPr dirty="0"/>
+          </a:p>
+          <a:p>
+            <a:pPr marL="342900" indent="-342900">
               <a:lnSpc>
                 <a:spcPct val="100000"/>
               </a:lnSpc>
+              <a:buFont typeface="Arial"/>
+              <a:buChar char="•"/>
             </a:pPr>
             <a:r>
-              <a:rPr b="1" lang="en-US" sz="2400">
-                <a:solidFill>
-                  <a:srgbClr val="ffffff"/>
+              <a:rPr lang="en-US" sz="2400" b="1" dirty="0">
+                <a:solidFill>
+                  <a:srgbClr val="FFFFFF"/>
                 </a:solidFill>
                 <a:latin typeface="Times New Roman"/>
                 <a:ea typeface="Calibri"/>
               </a:rPr>
               <a:t>We use multiple keys: station id, year, month. </a:t>
             </a:r>
-            <a:endParaRPr/>
-          </a:p>
-          <a:p>
-            <a:pPr>
+            <a:endParaRPr dirty="0"/>
+          </a:p>
+          <a:p>
+            <a:pPr marL="342900" indent="-342900">
               <a:lnSpc>
                 <a:spcPct val="100000"/>
               </a:lnSpc>
+              <a:buFont typeface="Arial"/>
+              <a:buChar char="•"/>
             </a:pPr>
             <a:r>
-              <a:rPr b="1" lang="en-US" sz="2400">
-                <a:solidFill>
-                  <a:srgbClr val="ffffff"/>
-                </a:solidFill>
-                <a:latin typeface="Times New Roman"/>
-                <a:ea typeface="Calibri"/>
-              </a:rPr>
-              <a:t>Our programming model is  Hadoop MapReduce and Hadoop HDFS.</a:t>
-            </a:r>
-            <a:endParaRPr/>
-          </a:p>
-          <a:p>
-            <a:pPr>
+              <a:rPr lang="en-US" sz="2400" b="1" dirty="0">
+                <a:solidFill>
+                  <a:srgbClr val="FFFFFF"/>
+                </a:solidFill>
+                <a:latin typeface="Times New Roman"/>
+                <a:ea typeface="Calibri"/>
+              </a:rPr>
+              <a:t>Our programming model is  </a:t>
+            </a:r>
+            <a:r>
+              <a:rPr lang="en-US" sz="2400" b="1" dirty="0" err="1">
+                <a:solidFill>
+                  <a:srgbClr val="FFFFFF"/>
+                </a:solidFill>
+                <a:latin typeface="Times New Roman"/>
+                <a:ea typeface="Calibri"/>
+              </a:rPr>
+              <a:t>Hadoop</a:t>
+            </a:r>
+            <a:r>
+              <a:rPr lang="en-US" sz="2400" b="1" dirty="0">
+                <a:solidFill>
+                  <a:srgbClr val="FFFFFF"/>
+                </a:solidFill>
+                <a:latin typeface="Times New Roman"/>
+                <a:ea typeface="Calibri"/>
+              </a:rPr>
+              <a:t> </a:t>
+            </a:r>
+            <a:r>
+              <a:rPr lang="en-US" sz="2400" b="1" dirty="0" err="1">
+                <a:solidFill>
+                  <a:srgbClr val="FFFFFF"/>
+                </a:solidFill>
+                <a:latin typeface="Times New Roman"/>
+                <a:ea typeface="Calibri"/>
+              </a:rPr>
+              <a:t>MapReduce</a:t>
+            </a:r>
+            <a:r>
+              <a:rPr lang="en-US" sz="2400" b="1" dirty="0">
+                <a:solidFill>
+                  <a:srgbClr val="FFFFFF"/>
+                </a:solidFill>
+                <a:latin typeface="Times New Roman"/>
+                <a:ea typeface="Calibri"/>
+              </a:rPr>
+              <a:t> and </a:t>
+            </a:r>
+            <a:r>
+              <a:rPr lang="en-US" sz="2400" b="1" dirty="0" err="1">
+                <a:solidFill>
+                  <a:srgbClr val="FFFFFF"/>
+                </a:solidFill>
+                <a:latin typeface="Times New Roman"/>
+                <a:ea typeface="Calibri"/>
+              </a:rPr>
+              <a:t>Hadoop</a:t>
+            </a:r>
+            <a:r>
+              <a:rPr lang="en-US" sz="2400" b="1" dirty="0">
+                <a:solidFill>
+                  <a:srgbClr val="FFFFFF"/>
+                </a:solidFill>
+                <a:latin typeface="Times New Roman"/>
+                <a:ea typeface="Calibri"/>
+              </a:rPr>
+              <a:t> HDFS.</a:t>
+            </a:r>
+            <a:endParaRPr dirty="0"/>
+          </a:p>
+          <a:p>
+            <a:pPr marL="342900" indent="-342900">
               <a:lnSpc>
                 <a:spcPct val="100000"/>
               </a:lnSpc>
+              <a:buFont typeface="Arial"/>
+              <a:buChar char="•"/>
             </a:pPr>
             <a:r>
-              <a:rPr b="1" lang="en-US" sz="2400">
-                <a:solidFill>
-                  <a:srgbClr val="ffffff"/>
-                </a:solidFill>
-                <a:latin typeface="Times New Roman"/>
-                <a:ea typeface="Calibri"/>
-              </a:rPr>
-              <a:t>We use boto's interface to upload the 300 years data to the S3 system and each intermediate results would all be stored in S3.</a:t>
-            </a:r>
-            <a:endParaRPr/>
+              <a:rPr lang="en-US" sz="2400" b="1" dirty="0">
+                <a:solidFill>
+                  <a:srgbClr val="FFFFFF"/>
+                </a:solidFill>
+                <a:latin typeface="Times New Roman"/>
+                <a:ea typeface="Calibri"/>
+              </a:rPr>
+              <a:t>We use </a:t>
+            </a:r>
+            <a:r>
+              <a:rPr lang="en-US" sz="2400" b="1" dirty="0" err="1">
+                <a:solidFill>
+                  <a:srgbClr val="FFFFFF"/>
+                </a:solidFill>
+                <a:latin typeface="Times New Roman"/>
+                <a:ea typeface="Calibri"/>
+              </a:rPr>
+              <a:t>boto's</a:t>
+            </a:r>
+            <a:r>
+              <a:rPr lang="en-US" sz="2400" b="1" dirty="0">
+                <a:solidFill>
+                  <a:srgbClr val="FFFFFF"/>
+                </a:solidFill>
+                <a:latin typeface="Times New Roman"/>
+                <a:ea typeface="Calibri"/>
+              </a:rPr>
+              <a:t> interface to upload the 300 years data to the S3 system and each intermediate results would all be stored in S3.</a:t>
+            </a:r>
+            <a:endParaRPr dirty="0"/>
           </a:p>
         </p:txBody>
       </p:sp>
     </p:spTree>
   </p:cSld>
+  <p:clrMapOvr>
+    <a:masterClrMapping/>
+  </p:clrMapOvr>
   <p:timing>
     <p:tnLst>
       <p:par>
-        <p:cTn dur="indefinite" id="1" nodeType="tmRoot" restart="never">
+        <p:cTn xmlns:p14="http://schemas.microsoft.com/office/powerpoint/2010/main" id="1" dur="indefinite" restart="never" nodeType="tmRoot">
           <p:childTnLst>
             <p:seq>
               <p:cTn id="2" nodeType="mainSeq"/>
               <p:prevCondLst>
-                <p:cond delay="0" evt="onPrev">
+                <p:cond evt="onPrev" delay="0">
                   <p:tgtEl>
                     <p:sldTgt/>
                   </p:tgtEl>
                 </p:cond>
               </p:prevCondLst>
               <p:nextCondLst>
-                <p:cond delay="0" evt="onNext">
+                <p:cond evt="onNext" delay="0">
                   <p:tgtEl>
                     <p:sldTgt/>
                   </p:tgtEl>
@@ -3357,7 +3738,7 @@
 </file>
 
 <file path=ppt/slides/slide3.xml><?xml version="1.0" encoding="utf-8"?>
-<p:sld xmlns:a="http://schemas.openxmlformats.org/drawingml/2006/main" xmlns:p="http://schemas.openxmlformats.org/presentationml/2006/main" xmlns:r="http://schemas.openxmlformats.org/officeDocument/2006/relationships">
+<p:sld xmlns:a="http://schemas.openxmlformats.org/drawingml/2006/main" xmlns:r="http://schemas.openxmlformats.org/officeDocument/2006/relationships" xmlns:p="http://schemas.openxmlformats.org/presentationml/2006/main">
   <p:cSld>
     <p:spTree>
       <p:nvGrpSpPr>
@@ -3375,20 +3756,20 @@
       </p:grpSpPr>
       <p:pic>
         <p:nvPicPr>
-          <p:cNvPr descr="" id="78" name="Content Placeholder 3"/>
+          <p:cNvPr id="78" name="Content Placeholder 3"/>
           <p:cNvPicPr/>
           <p:nvPr/>
         </p:nvPicPr>
         <p:blipFill>
-          <a:blip r:embed="rId1"/>
-          <a:srcRect b="-12720" l="0" r="0" t="-12720"/>
+          <a:blip r:embed="rId2"/>
+          <a:srcRect t="-12720" b="-12720"/>
           <a:stretch>
             <a:fillRect/>
           </a:stretch>
         </p:blipFill>
         <p:spPr>
           <a:xfrm>
-            <a:off x="500040" y="1214280"/>
+            <a:off x="457200" y="390172"/>
             <a:ext cx="8229240" cy="5257440"/>
           </a:xfrm>
           <a:prstGeom prst="rect">
@@ -3415,7 +3796,8 @@
           </a:prstGeom>
         </p:spPr>
         <p:txBody>
-          <a:bodyPr anchor="ctr" bIns="45000" lIns="45720" rIns="45720" tIns="45000"/>
+          <a:bodyPr lIns="45720" tIns="45000" rIns="45720" bIns="45000" anchor="ctr"/>
+          <a:lstStyle/>
           <a:p>
             <a:pPr>
               <a:lnSpc>
@@ -3425,7 +3807,7 @@
             <a:r>
               <a:rPr lang="en-US" sz="3500">
                 <a:solidFill>
-                  <a:srgbClr val="ffffff"/>
+                  <a:srgbClr val="FFFFFF"/>
                 </a:solidFill>
                 <a:latin typeface="Times New Roman"/>
                 <a:ea typeface="Times New Roman"/>
@@ -3433,16 +3815,560 @@
               <a:t>System Atchitecture</a:t>
             </a:r>
             <a:endParaRPr/>
+          </a:p>
+        </p:txBody>
+      </p:sp>
+      <p:sp>
+        <p:nvSpPr>
+          <p:cNvPr id="4" name="CustomShape 2"/>
+          <p:cNvSpPr/>
+          <p:nvPr/>
+        </p:nvSpPr>
+        <p:spPr>
+          <a:xfrm>
+            <a:off x="428759" y="5145480"/>
+            <a:ext cx="8461897" cy="1554840"/>
+          </a:xfrm>
+          <a:prstGeom prst="rect">
+            <a:avLst/>
+          </a:prstGeom>
+          <a:noFill/>
+          <a:ln w="12600">
+            <a:noFill/>
+          </a:ln>
+        </p:spPr>
+        <p:txBody>
+          <a:bodyPr lIns="45720" rIns="45720"/>
+          <a:lstStyle/>
+          <a:p>
+            <a:pPr>
+              <a:lnSpc>
+                <a:spcPct val="100000"/>
+              </a:lnSpc>
+            </a:pPr>
+            <a:r>
+              <a:rPr lang="en-US" altLang="zh-CN" sz="2400" b="1" dirty="0" smtClean="0">
+                <a:solidFill>
+                  <a:srgbClr val="FFFFFF"/>
+                </a:solidFill>
+                <a:latin typeface="Times New Roman"/>
+                <a:ea typeface="Calibri"/>
+              </a:rPr>
+              <a:t>Updates</a:t>
+            </a:r>
+            <a:r>
+              <a:rPr lang="zh-CN" altLang="en-US" sz="2400" b="1" dirty="0" smtClean="0">
+                <a:solidFill>
+                  <a:srgbClr val="FFFFFF"/>
+                </a:solidFill>
+                <a:latin typeface="Times New Roman"/>
+                <a:ea typeface="Calibri"/>
+              </a:rPr>
+              <a:t> </a:t>
+            </a:r>
+            <a:r>
+              <a:rPr lang="en-US" altLang="zh-CN" sz="2400" b="1" dirty="0" smtClean="0">
+                <a:solidFill>
+                  <a:srgbClr val="FFFFFF"/>
+                </a:solidFill>
+                <a:latin typeface="Times New Roman"/>
+                <a:ea typeface="Calibri"/>
+              </a:rPr>
+              <a:t>to</a:t>
+            </a:r>
+            <a:r>
+              <a:rPr lang="zh-CN" altLang="en-US" sz="2400" b="1" dirty="0" smtClean="0">
+                <a:solidFill>
+                  <a:srgbClr val="FFFFFF"/>
+                </a:solidFill>
+                <a:latin typeface="Times New Roman"/>
+                <a:ea typeface="Calibri"/>
+              </a:rPr>
+              <a:t> </a:t>
+            </a:r>
+            <a:r>
+              <a:rPr lang="en-US" altLang="zh-CN" sz="2400" b="1" dirty="0" smtClean="0">
+                <a:solidFill>
+                  <a:srgbClr val="FFFFFF"/>
+                </a:solidFill>
+                <a:latin typeface="Times New Roman"/>
+                <a:ea typeface="Calibri"/>
+              </a:rPr>
+              <a:t>the</a:t>
+            </a:r>
+            <a:r>
+              <a:rPr lang="zh-CN" altLang="en-US" sz="2400" b="1" dirty="0" smtClean="0">
+                <a:solidFill>
+                  <a:srgbClr val="FFFFFF"/>
+                </a:solidFill>
+                <a:latin typeface="Times New Roman"/>
+                <a:ea typeface="Calibri"/>
+              </a:rPr>
+              <a:t> </a:t>
+            </a:r>
+            <a:r>
+              <a:rPr lang="en-US" altLang="zh-CN" sz="2400" b="1" dirty="0" smtClean="0">
+                <a:solidFill>
+                  <a:srgbClr val="FFFFFF"/>
+                </a:solidFill>
+                <a:latin typeface="Times New Roman"/>
+                <a:ea typeface="Calibri"/>
+              </a:rPr>
+              <a:t>previous</a:t>
+            </a:r>
+            <a:r>
+              <a:rPr lang="zh-CN" altLang="en-US" sz="2400" b="1" dirty="0" smtClean="0">
+                <a:solidFill>
+                  <a:srgbClr val="FFFFFF"/>
+                </a:solidFill>
+                <a:latin typeface="Times New Roman"/>
+                <a:ea typeface="Calibri"/>
+              </a:rPr>
+              <a:t> </a:t>
+            </a:r>
+            <a:r>
+              <a:rPr lang="en-US" altLang="zh-CN" sz="2400" b="1" dirty="0" smtClean="0">
+                <a:solidFill>
+                  <a:srgbClr val="FFFFFF"/>
+                </a:solidFill>
+                <a:latin typeface="Times New Roman"/>
+                <a:ea typeface="Calibri"/>
+              </a:rPr>
+              <a:t>milestone:</a:t>
+            </a:r>
+            <a:endParaRPr dirty="0"/>
+          </a:p>
+          <a:p>
+            <a:pPr marL="342900" indent="-342900">
+              <a:lnSpc>
+                <a:spcPct val="100000"/>
+              </a:lnSpc>
+              <a:buFont typeface="Arial"/>
+              <a:buChar char="•"/>
+            </a:pPr>
+            <a:r>
+              <a:rPr lang="en-US" sz="2400" b="1" dirty="0" smtClean="0">
+                <a:solidFill>
+                  <a:srgbClr val="FFFFFF"/>
+                </a:solidFill>
+                <a:latin typeface="Times New Roman"/>
+                <a:ea typeface="Calibri"/>
+              </a:rPr>
+              <a:t>Uses</a:t>
+            </a:r>
+            <a:r>
+              <a:rPr lang="zh-CN" altLang="en-US" sz="2400" b="1" dirty="0" smtClean="0">
+                <a:solidFill>
+                  <a:srgbClr val="FFFFFF"/>
+                </a:solidFill>
+                <a:latin typeface="Times New Roman"/>
+                <a:ea typeface="Calibri"/>
+              </a:rPr>
+              <a:t> </a:t>
+            </a:r>
+            <a:r>
+              <a:rPr lang="en-US" altLang="zh-CN" sz="2400" b="1" dirty="0" smtClean="0">
+                <a:solidFill>
+                  <a:srgbClr val="FFFFFF"/>
+                </a:solidFill>
+                <a:latin typeface="Times New Roman"/>
+                <a:ea typeface="Calibri"/>
+              </a:rPr>
+              <a:t>Amazon</a:t>
+            </a:r>
+            <a:r>
+              <a:rPr lang="zh-CN" altLang="en-US" sz="2400" b="1" dirty="0" smtClean="0">
+                <a:solidFill>
+                  <a:srgbClr val="FFFFFF"/>
+                </a:solidFill>
+                <a:latin typeface="Times New Roman"/>
+                <a:ea typeface="Calibri"/>
+              </a:rPr>
+              <a:t> </a:t>
+            </a:r>
+            <a:r>
+              <a:rPr lang="en-US" altLang="zh-CN" sz="2400" b="1" dirty="0" smtClean="0">
+                <a:solidFill>
+                  <a:srgbClr val="FFFFFF"/>
+                </a:solidFill>
+                <a:latin typeface="Times New Roman"/>
+                <a:ea typeface="Calibri"/>
+              </a:rPr>
+              <a:t>EMR</a:t>
+            </a:r>
+            <a:r>
+              <a:rPr lang="zh-CN" altLang="en-US" sz="2400" b="1" dirty="0" smtClean="0">
+                <a:solidFill>
+                  <a:srgbClr val="FFFFFF"/>
+                </a:solidFill>
+                <a:latin typeface="Times New Roman"/>
+                <a:ea typeface="Calibri"/>
+              </a:rPr>
+              <a:t> </a:t>
+            </a:r>
+            <a:r>
+              <a:rPr lang="en-US" altLang="zh-CN" sz="2400" b="1" dirty="0" smtClean="0">
+                <a:solidFill>
+                  <a:srgbClr val="FFFFFF"/>
+                </a:solidFill>
+                <a:latin typeface="Times New Roman"/>
+                <a:ea typeface="Calibri"/>
+              </a:rPr>
+              <a:t>to</a:t>
+            </a:r>
+            <a:r>
+              <a:rPr lang="zh-CN" altLang="en-US" sz="2400" b="1" dirty="0" smtClean="0">
+                <a:solidFill>
+                  <a:srgbClr val="FFFFFF"/>
+                </a:solidFill>
+                <a:latin typeface="Times New Roman"/>
+                <a:ea typeface="Calibri"/>
+              </a:rPr>
+              <a:t> </a:t>
+            </a:r>
+            <a:r>
+              <a:rPr lang="en-US" altLang="zh-CN" sz="2400" b="1" dirty="0" smtClean="0">
+                <a:solidFill>
+                  <a:srgbClr val="FFFFFF"/>
+                </a:solidFill>
+                <a:latin typeface="Times New Roman"/>
+                <a:ea typeface="Calibri"/>
+              </a:rPr>
+              <a:t>extract</a:t>
+            </a:r>
+            <a:r>
+              <a:rPr lang="zh-CN" altLang="en-US" sz="2400" b="1" dirty="0" smtClean="0">
+                <a:solidFill>
+                  <a:srgbClr val="FFFFFF"/>
+                </a:solidFill>
+                <a:latin typeface="Times New Roman"/>
+                <a:ea typeface="Calibri"/>
+              </a:rPr>
+              <a:t> </a:t>
+            </a:r>
+            <a:r>
+              <a:rPr lang="en-US" altLang="zh-CN" sz="2400" b="1" dirty="0" smtClean="0">
+                <a:solidFill>
+                  <a:srgbClr val="FFFFFF"/>
+                </a:solidFill>
+                <a:latin typeface="Times New Roman"/>
+                <a:ea typeface="Calibri"/>
+              </a:rPr>
+              <a:t>features</a:t>
+            </a:r>
+            <a:r>
+              <a:rPr lang="zh-CN" altLang="en-US" sz="2400" b="1" dirty="0" smtClean="0">
+                <a:solidFill>
+                  <a:srgbClr val="FFFFFF"/>
+                </a:solidFill>
+                <a:latin typeface="Times New Roman"/>
+                <a:ea typeface="Calibri"/>
+              </a:rPr>
+              <a:t> </a:t>
+            </a:r>
+            <a:r>
+              <a:rPr lang="en-US" altLang="zh-CN" sz="2400" b="1" dirty="0" smtClean="0">
+                <a:solidFill>
+                  <a:srgbClr val="FFFFFF"/>
+                </a:solidFill>
+                <a:latin typeface="Times New Roman"/>
+                <a:ea typeface="Calibri"/>
+              </a:rPr>
+              <a:t>from</a:t>
+            </a:r>
+            <a:r>
+              <a:rPr lang="zh-CN" altLang="en-US" sz="2400" b="1" dirty="0" smtClean="0">
+                <a:solidFill>
+                  <a:srgbClr val="FFFFFF"/>
+                </a:solidFill>
+                <a:latin typeface="Times New Roman"/>
+                <a:ea typeface="Calibri"/>
+              </a:rPr>
+              <a:t> </a:t>
+            </a:r>
+            <a:r>
+              <a:rPr lang="en-US" altLang="zh-CN" sz="2400" b="1" dirty="0" smtClean="0">
+                <a:solidFill>
+                  <a:srgbClr val="FFFFFF"/>
+                </a:solidFill>
+                <a:latin typeface="Times New Roman"/>
+                <a:ea typeface="Calibri"/>
+              </a:rPr>
+              <a:t>~100G</a:t>
+            </a:r>
+            <a:r>
+              <a:rPr lang="zh-CN" altLang="en-US" sz="2400" b="1" dirty="0" smtClean="0">
+                <a:solidFill>
+                  <a:srgbClr val="FFFFFF"/>
+                </a:solidFill>
+                <a:latin typeface="Times New Roman"/>
+                <a:ea typeface="Calibri"/>
+              </a:rPr>
+              <a:t> </a:t>
+            </a:r>
+            <a:r>
+              <a:rPr lang="en-US" altLang="zh-CN" sz="2400" b="1" dirty="0" smtClean="0">
+                <a:solidFill>
+                  <a:srgbClr val="FFFFFF"/>
+                </a:solidFill>
+                <a:latin typeface="Times New Roman"/>
+                <a:ea typeface="Calibri"/>
+              </a:rPr>
+              <a:t>raw</a:t>
+            </a:r>
+            <a:r>
+              <a:rPr lang="zh-CN" altLang="en-US" sz="2400" b="1" dirty="0" smtClean="0">
+                <a:solidFill>
+                  <a:srgbClr val="FFFFFF"/>
+                </a:solidFill>
+                <a:latin typeface="Times New Roman"/>
+                <a:ea typeface="Calibri"/>
+              </a:rPr>
+              <a:t> </a:t>
+            </a:r>
+            <a:r>
+              <a:rPr lang="en-US" altLang="zh-CN" sz="2400" b="1" dirty="0" smtClean="0">
+                <a:solidFill>
+                  <a:srgbClr val="FFFFFF"/>
+                </a:solidFill>
+                <a:latin typeface="Times New Roman"/>
+                <a:ea typeface="Calibri"/>
+              </a:rPr>
+              <a:t>data</a:t>
+            </a:r>
+            <a:endParaRPr dirty="0" smtClean="0"/>
+          </a:p>
+          <a:p>
+            <a:pPr marL="342900" indent="-342900">
+              <a:lnSpc>
+                <a:spcPct val="100000"/>
+              </a:lnSpc>
+              <a:buFont typeface="Arial"/>
+              <a:buChar char="•"/>
+            </a:pPr>
+            <a:r>
+              <a:rPr lang="en-US" altLang="zh-CN" sz="2400" b="1" dirty="0" smtClean="0">
+                <a:solidFill>
+                  <a:srgbClr val="FFFFFF"/>
+                </a:solidFill>
+                <a:latin typeface="Times New Roman"/>
+                <a:ea typeface="Calibri"/>
+              </a:rPr>
+              <a:t>~3M</a:t>
+            </a:r>
+            <a:r>
+              <a:rPr lang="zh-CN" altLang="en-US" sz="2400" b="1" dirty="0" smtClean="0">
+                <a:solidFill>
+                  <a:srgbClr val="FFFFFF"/>
+                </a:solidFill>
+                <a:latin typeface="Times New Roman"/>
+                <a:ea typeface="Calibri"/>
+              </a:rPr>
+              <a:t> </a:t>
+            </a:r>
+            <a:r>
+              <a:rPr lang="en-US" altLang="zh-CN" sz="2400" b="1" dirty="0" smtClean="0">
+                <a:solidFill>
+                  <a:srgbClr val="FFFFFF"/>
+                </a:solidFill>
+                <a:latin typeface="Times New Roman"/>
+                <a:ea typeface="Calibri"/>
+              </a:rPr>
+              <a:t>data</a:t>
+            </a:r>
+            <a:r>
+              <a:rPr lang="zh-CN" altLang="en-US" sz="2400" b="1" dirty="0" smtClean="0">
+                <a:solidFill>
+                  <a:srgbClr val="FFFFFF"/>
+                </a:solidFill>
+                <a:latin typeface="Times New Roman"/>
+                <a:ea typeface="Calibri"/>
+              </a:rPr>
+              <a:t> </a:t>
+            </a:r>
+            <a:r>
+              <a:rPr lang="en-US" altLang="zh-CN" sz="2400" b="1" dirty="0" smtClean="0">
+                <a:solidFill>
+                  <a:srgbClr val="FFFFFF"/>
+                </a:solidFill>
+                <a:latin typeface="Times New Roman"/>
+                <a:ea typeface="Calibri"/>
+              </a:rPr>
+              <a:t>points</a:t>
+            </a:r>
+            <a:r>
+              <a:rPr lang="zh-CN" altLang="en-US" sz="2400" b="1" dirty="0" smtClean="0">
+                <a:solidFill>
+                  <a:srgbClr val="FFFFFF"/>
+                </a:solidFill>
+                <a:latin typeface="Times New Roman"/>
+                <a:ea typeface="Calibri"/>
+              </a:rPr>
+              <a:t> </a:t>
+            </a:r>
+            <a:r>
+              <a:rPr lang="en-US" altLang="zh-CN" sz="2400" b="1" dirty="0" smtClean="0">
+                <a:solidFill>
+                  <a:srgbClr val="FFFFFF"/>
+                </a:solidFill>
+                <a:latin typeface="Times New Roman"/>
+                <a:ea typeface="Calibri"/>
+              </a:rPr>
+              <a:t>in</a:t>
+            </a:r>
+            <a:r>
+              <a:rPr lang="zh-CN" altLang="en-US" sz="2400" b="1" dirty="0" smtClean="0">
+                <a:solidFill>
+                  <a:srgbClr val="FFFFFF"/>
+                </a:solidFill>
+                <a:latin typeface="Times New Roman"/>
+                <a:ea typeface="Calibri"/>
+              </a:rPr>
+              <a:t> </a:t>
+            </a:r>
+            <a:r>
+              <a:rPr lang="en-US" altLang="zh-CN" sz="2400" b="1" dirty="0" smtClean="0">
+                <a:solidFill>
+                  <a:srgbClr val="FFFFFF"/>
+                </a:solidFill>
+                <a:latin typeface="Times New Roman"/>
+                <a:ea typeface="Calibri"/>
+              </a:rPr>
+              <a:t>total,</a:t>
+            </a:r>
+            <a:r>
+              <a:rPr lang="zh-CN" altLang="en-US" sz="2400" b="1" dirty="0" smtClean="0">
+                <a:solidFill>
+                  <a:srgbClr val="FFFFFF"/>
+                </a:solidFill>
+                <a:latin typeface="Times New Roman"/>
+                <a:ea typeface="Calibri"/>
+              </a:rPr>
+              <a:t> </a:t>
+            </a:r>
+            <a:r>
+              <a:rPr lang="en-US" altLang="zh-CN" sz="2400" b="1" dirty="0" smtClean="0">
+                <a:solidFill>
+                  <a:srgbClr val="FFFFFF"/>
+                </a:solidFill>
+                <a:latin typeface="Times New Roman"/>
+                <a:ea typeface="Calibri"/>
+              </a:rPr>
+              <a:t>unable to run k-means on all data</a:t>
+            </a:r>
+          </a:p>
+          <a:p>
+            <a:pPr marL="342900" indent="-342900">
+              <a:lnSpc>
+                <a:spcPct val="100000"/>
+              </a:lnSpc>
+              <a:buFont typeface="Arial"/>
+              <a:buChar char="•"/>
+            </a:pPr>
+            <a:r>
+              <a:rPr lang="en-US" sz="2400" b="1" dirty="0" smtClean="0">
+                <a:solidFill>
+                  <a:srgbClr val="FFFFFF"/>
+                </a:solidFill>
+                <a:latin typeface="Times New Roman"/>
+                <a:ea typeface="Calibri"/>
+              </a:rPr>
+              <a:t>Uses</a:t>
+            </a:r>
+            <a:r>
+              <a:rPr lang="zh-CN" altLang="en-US" sz="2400" b="1" dirty="0" smtClean="0">
+                <a:solidFill>
+                  <a:srgbClr val="FFFFFF"/>
+                </a:solidFill>
+                <a:latin typeface="Times New Roman"/>
+                <a:ea typeface="Calibri"/>
+              </a:rPr>
+              <a:t> </a:t>
+            </a:r>
+            <a:r>
+              <a:rPr lang="en-US" altLang="zh-CN" sz="2400" b="1" dirty="0" err="1" smtClean="0">
+                <a:solidFill>
+                  <a:srgbClr val="FFFFFF"/>
+                </a:solidFill>
+                <a:latin typeface="Times New Roman"/>
+                <a:ea typeface="Calibri"/>
+              </a:rPr>
+              <a:t>coreset</a:t>
+            </a:r>
+            <a:r>
+              <a:rPr lang="zh-CN" altLang="en-US" sz="2400" b="1" dirty="0" smtClean="0">
+                <a:solidFill>
+                  <a:srgbClr val="FFFFFF"/>
+                </a:solidFill>
+                <a:latin typeface="Times New Roman"/>
+                <a:ea typeface="Calibri"/>
+              </a:rPr>
+              <a:t> </a:t>
+            </a:r>
+            <a:r>
+              <a:rPr lang="en-US" altLang="zh-CN" sz="2400" b="1" dirty="0" smtClean="0">
+                <a:solidFill>
+                  <a:srgbClr val="FFFFFF"/>
+                </a:solidFill>
+                <a:latin typeface="Times New Roman"/>
+                <a:ea typeface="Calibri"/>
+              </a:rPr>
+              <a:t>sampling</a:t>
+            </a:r>
+            <a:r>
+              <a:rPr lang="zh-CN" altLang="en-US" sz="2400" b="1" dirty="0" smtClean="0">
+                <a:solidFill>
+                  <a:srgbClr val="FFFFFF"/>
+                </a:solidFill>
+                <a:latin typeface="Times New Roman"/>
+                <a:ea typeface="Calibri"/>
+              </a:rPr>
+              <a:t> </a:t>
+            </a:r>
+            <a:r>
+              <a:rPr lang="en-US" altLang="zh-CN" sz="2400" b="1" dirty="0" smtClean="0">
+                <a:solidFill>
+                  <a:srgbClr val="FFFFFF"/>
+                </a:solidFill>
+                <a:latin typeface="Times New Roman"/>
+                <a:ea typeface="Calibri"/>
+              </a:rPr>
+              <a:t>for</a:t>
+            </a:r>
+            <a:r>
+              <a:rPr lang="zh-CN" altLang="en-US" sz="2400" b="1" dirty="0" smtClean="0">
+                <a:solidFill>
+                  <a:srgbClr val="FFFFFF"/>
+                </a:solidFill>
+                <a:latin typeface="Times New Roman"/>
+                <a:ea typeface="Calibri"/>
+              </a:rPr>
+              <a:t> </a:t>
+            </a:r>
+            <a:r>
+              <a:rPr lang="en-US" altLang="zh-CN" sz="2400" b="1" dirty="0" smtClean="0">
+                <a:solidFill>
+                  <a:srgbClr val="FFFFFF"/>
+                </a:solidFill>
+                <a:latin typeface="Times New Roman"/>
+                <a:ea typeface="Calibri"/>
+              </a:rPr>
+              <a:t>k-means clustering</a:t>
+            </a:r>
+            <a:endParaRPr dirty="0"/>
           </a:p>
         </p:txBody>
       </p:sp>
     </p:spTree>
   </p:cSld>
+  <p:clrMapOvr>
+    <a:masterClrMapping/>
+  </p:clrMapOvr>
 </p:sld>
 </file>
 
 <file path=ppt/slides/slide4.xml><?xml version="1.0" encoding="utf-8"?>
-<p:sld xmlns:a="http://schemas.openxmlformats.org/drawingml/2006/main" xmlns:p="http://schemas.openxmlformats.org/presentationml/2006/main" xmlns:r="http://schemas.openxmlformats.org/officeDocument/2006/relationships">
+<p:sld xmlns:a="http://schemas.openxmlformats.org/drawingml/2006/main" xmlns:r="http://schemas.openxmlformats.org/officeDocument/2006/relationships" xmlns:p="http://schemas.openxmlformats.org/presentationml/2006/main">
   <p:cSld>
     <p:spTree>
       <p:nvGrpSpPr>
@@ -3474,7 +4400,8 @@
           </a:prstGeom>
         </p:spPr>
         <p:txBody>
-          <a:bodyPr anchor="ctr" bIns="45000" lIns="45720" rIns="45720" tIns="45000"/>
+          <a:bodyPr lIns="45720" tIns="45000" rIns="45720" bIns="45000" anchor="ctr"/>
+          <a:lstStyle/>
           <a:p>
             <a:pPr>
               <a:lnSpc>
@@ -3482,9 +4409,9 @@
               </a:lnSpc>
             </a:pPr>
             <a:r>
-              <a:rPr b="1" lang="en-US" sz="3920">
-                <a:solidFill>
-                  <a:srgbClr val="ffffff"/>
+              <a:rPr lang="en-US" sz="3920" b="1">
+                <a:solidFill>
+                  <a:srgbClr val="FFFFFF"/>
                 </a:solidFill>
                 <a:latin typeface="Times New Roman"/>
                 <a:ea typeface="Times New Roman"/>
@@ -3497,32 +4424,7 @@
       </p:sp>
       <p:pic>
         <p:nvPicPr>
-          <p:cNvPr descr="" id="81" name="Picture 6"/>
-          <p:cNvPicPr/>
-          <p:nvPr/>
-        </p:nvPicPr>
-        <p:blipFill>
-          <a:blip r:embed="rId1"/>
-          <a:stretch>
-            <a:fillRect/>
-          </a:stretch>
-        </p:blipFill>
-        <p:spPr>
-          <a:xfrm>
-            <a:off x="1143000" y="928800"/>
-            <a:ext cx="3319920" cy="1760400"/>
-          </a:xfrm>
-          <a:prstGeom prst="rect">
-            <a:avLst/>
-          </a:prstGeom>
-          <a:ln>
-            <a:noFill/>
-          </a:ln>
-        </p:spPr>
-      </p:pic>
-      <p:pic>
-        <p:nvPicPr>
-          <p:cNvPr descr="" id="82" name="Picture 7"/>
+          <p:cNvPr id="81" name="Picture 6"/>
           <p:cNvPicPr/>
           <p:nvPr/>
         </p:nvPicPr>
@@ -3534,8 +4436,8 @@
         </p:blipFill>
         <p:spPr>
           <a:xfrm>
-            <a:off x="4696200" y="928800"/>
-            <a:ext cx="3304440" cy="1742760"/>
+            <a:off x="1143000" y="928800"/>
+            <a:ext cx="3319920" cy="1760400"/>
           </a:xfrm>
           <a:prstGeom prst="rect">
             <a:avLst/>
@@ -3547,7 +4449,7 @@
       </p:pic>
       <p:pic>
         <p:nvPicPr>
-          <p:cNvPr descr="" id="83" name="Picture 8"/>
+          <p:cNvPr id="82" name="Picture 7"/>
           <p:cNvPicPr/>
           <p:nvPr/>
         </p:nvPicPr>
@@ -3559,8 +4461,8 @@
         </p:blipFill>
         <p:spPr>
           <a:xfrm>
-            <a:off x="1143000" y="3022920"/>
-            <a:ext cx="3319920" cy="1763280"/>
+            <a:off x="4696200" y="928800"/>
+            <a:ext cx="3304440" cy="1742760"/>
           </a:xfrm>
           <a:prstGeom prst="rect">
             <a:avLst/>
@@ -3572,7 +4474,7 @@
       </p:pic>
       <p:pic>
         <p:nvPicPr>
-          <p:cNvPr descr="" id="84" name="Picture 9"/>
+          <p:cNvPr id="83" name="Picture 8"/>
           <p:cNvPicPr/>
           <p:nvPr/>
         </p:nvPicPr>
@@ -3584,6 +4486,31 @@
         </p:blipFill>
         <p:spPr>
           <a:xfrm>
+            <a:off x="1143000" y="3022920"/>
+            <a:ext cx="3319920" cy="1763280"/>
+          </a:xfrm>
+          <a:prstGeom prst="rect">
+            <a:avLst/>
+          </a:prstGeom>
+          <a:ln>
+            <a:noFill/>
+          </a:ln>
+        </p:spPr>
+      </p:pic>
+      <p:pic>
+        <p:nvPicPr>
+          <p:cNvPr id="84" name="Picture 9"/>
+          <p:cNvPicPr/>
+          <p:nvPr/>
+        </p:nvPicPr>
+        <p:blipFill>
+          <a:blip r:embed="rId5"/>
+          <a:stretch>
+            <a:fillRect/>
+          </a:stretch>
+        </p:blipFill>
+        <p:spPr>
+          <a:xfrm>
             <a:off x="4682880" y="3022920"/>
             <a:ext cx="3285720" cy="1742760"/>
           </a:xfrm>
@@ -3616,6 +4543,7 @@
         </p:spPr>
         <p:txBody>
           <a:bodyPr lIns="45720" rIns="45720"/>
+          <a:lstStyle/>
           <a:p>
             <a:pPr>
               <a:lnSpc>
@@ -3623,16 +4551,16 @@
               </a:lnSpc>
             </a:pPr>
             <a:r>
-              <a:rPr b="1" lang="en-US" sz="2400">
-                <a:solidFill>
-                  <a:srgbClr val="ffffff"/>
+              <a:rPr lang="en-US" sz="2400" b="1" dirty="0">
+                <a:solidFill>
+                  <a:srgbClr val="FFFFFF"/>
                 </a:solidFill>
                 <a:latin typeface="Times New Roman"/>
                 <a:ea typeface="Calibri"/>
               </a:rPr>
               <a:t>Analysis on Results</a:t>
             </a:r>
-            <a:endParaRPr/>
+            <a:endParaRPr dirty="0"/>
           </a:p>
           <a:p>
             <a:pPr>
@@ -3643,16 +4571,16 @@
               <a:buAutoNum type="arabicPeriod"/>
             </a:pPr>
             <a:r>
-              <a:rPr b="1" lang="en-US" sz="2400">
-                <a:solidFill>
-                  <a:srgbClr val="ffffff"/>
+              <a:rPr lang="en-US" sz="2400" b="1" dirty="0">
+                <a:solidFill>
+                  <a:srgbClr val="FFFFFF"/>
                 </a:solidFill>
                 <a:latin typeface="Times New Roman"/>
                 <a:ea typeface="Calibri"/>
               </a:rPr>
               <a:t>Only 3 big clusters</a:t>
             </a:r>
-            <a:endParaRPr/>
+            <a:endParaRPr dirty="0"/>
           </a:p>
           <a:p>
             <a:pPr>
@@ -3663,16 +4591,16 @@
               <a:buAutoNum type="arabicPeriod"/>
             </a:pPr>
             <a:r>
-              <a:rPr b="1" lang="en-US" sz="2400">
-                <a:solidFill>
-                  <a:srgbClr val="ffffff"/>
+              <a:rPr lang="en-US" sz="2400" b="1" dirty="0">
+                <a:solidFill>
+                  <a:srgbClr val="FFFFFF"/>
                 </a:solidFill>
                 <a:latin typeface="Times New Roman"/>
                 <a:ea typeface="Calibri"/>
               </a:rPr>
               <a:t>Lack of preserved points in areas other than the US</a:t>
             </a:r>
-            <a:endParaRPr/>
+            <a:endParaRPr dirty="0"/>
           </a:p>
           <a:p>
             <a:pPr>
@@ -3681,16 +4609,36 @@
               </a:lnSpc>
             </a:pPr>
             <a:r>
-              <a:rPr b="1" lang="en-US" sz="2400">
-                <a:solidFill>
-                  <a:srgbClr val="ffffff"/>
-                </a:solidFill>
-                <a:latin typeface="Times New Roman"/>
-                <a:ea typeface="Calibri"/>
-              </a:rPr>
-              <a:t>3.   Big clusters covering the same areas</a:t>
-            </a:r>
-            <a:endParaRPr/>
+              <a:rPr lang="en-US" sz="2400" b="1" dirty="0">
+                <a:solidFill>
+                  <a:srgbClr val="FFFFFF"/>
+                </a:solidFill>
+                <a:latin typeface="Times New Roman"/>
+                <a:ea typeface="Calibri"/>
+              </a:rPr>
+              <a:t>3</a:t>
+            </a:r>
+            <a:r>
+              <a:rPr lang="en-US" sz="2400" b="1" dirty="0" smtClean="0">
+                <a:solidFill>
+                  <a:srgbClr val="FFFFFF"/>
+                </a:solidFill>
+                <a:latin typeface="Times New Roman"/>
+                <a:ea typeface="Calibri"/>
+              </a:rPr>
+              <a:t>.Big </a:t>
+            </a:r>
+            <a:r>
+              <a:rPr lang="en-US" sz="2400" b="1" dirty="0">
+                <a:solidFill>
+                  <a:srgbClr val="FFFFFF"/>
+                </a:solidFill>
+                <a:latin typeface="Times New Roman"/>
+                <a:ea typeface="Calibri"/>
+              </a:rPr>
+              <a:t>clusters covering the same areas</a:t>
+            </a:r>
+            <a:endParaRPr dirty="0"/>
           </a:p>
         </p:txBody>
       </p:sp>
@@ -3715,6 +4663,7 @@
         </p:spPr>
         <p:txBody>
           <a:bodyPr lIns="45720" rIns="45720"/>
+          <a:lstStyle/>
           <a:p>
             <a:pPr>
               <a:lnSpc>
@@ -3724,7 +4673,7 @@
             <a:r>
               <a:rPr lang="en-US">
                 <a:solidFill>
-                  <a:srgbClr val="ffffff"/>
+                  <a:srgbClr val="FFFFFF"/>
                 </a:solidFill>
                 <a:latin typeface="Calibri"/>
                 <a:ea typeface="Calibri"/>
@@ -3756,6 +4705,7 @@
         </p:spPr>
         <p:txBody>
           <a:bodyPr lIns="45720" rIns="45720"/>
+          <a:lstStyle/>
           <a:p>
             <a:pPr>
               <a:lnSpc>
@@ -3765,7 +4715,7 @@
             <a:r>
               <a:rPr lang="en-US">
                 <a:solidFill>
-                  <a:srgbClr val="ffffff"/>
+                  <a:srgbClr val="FFFFFF"/>
                 </a:solidFill>
                 <a:latin typeface="Calibri"/>
                 <a:ea typeface="Calibri"/>
@@ -3797,6 +4747,7 @@
         </p:spPr>
         <p:txBody>
           <a:bodyPr lIns="45720" rIns="45720"/>
+          <a:lstStyle/>
           <a:p>
             <a:pPr>
               <a:lnSpc>
@@ -3806,7 +4757,7 @@
             <a:r>
               <a:rPr lang="en-US">
                 <a:solidFill>
-                  <a:srgbClr val="ffffff"/>
+                  <a:srgbClr val="FFFFFF"/>
                 </a:solidFill>
                 <a:latin typeface="Calibri"/>
                 <a:ea typeface="Calibri"/>
@@ -3838,6 +4789,7 @@
         </p:spPr>
         <p:txBody>
           <a:bodyPr lIns="45720" rIns="45720"/>
+          <a:lstStyle/>
           <a:p>
             <a:pPr>
               <a:lnSpc>
@@ -3847,7 +4799,7 @@
             <a:r>
               <a:rPr lang="en-US">
                 <a:solidFill>
-                  <a:srgbClr val="ffffff"/>
+                  <a:srgbClr val="FFFFFF"/>
                 </a:solidFill>
                 <a:latin typeface="Calibri"/>
                 <a:ea typeface="Calibri"/>
@@ -3860,22 +4812,25 @@
       </p:sp>
     </p:spTree>
   </p:cSld>
+  <p:clrMapOvr>
+    <a:masterClrMapping/>
+  </p:clrMapOvr>
   <p:timing>
     <p:tnLst>
       <p:par>
-        <p:cTn dur="indefinite" id="3" nodeType="tmRoot" restart="never">
+        <p:cTn xmlns:p14="http://schemas.microsoft.com/office/powerpoint/2010/main" id="1" dur="indefinite" restart="never" nodeType="tmRoot">
           <p:childTnLst>
             <p:seq>
-              <p:cTn id="4" nodeType="mainSeq"/>
+              <p:cTn id="2" nodeType="mainSeq"/>
               <p:prevCondLst>
-                <p:cond delay="0" evt="onPrev">
+                <p:cond evt="onPrev" delay="0">
                   <p:tgtEl>
                     <p:sldTgt/>
                   </p:tgtEl>
                 </p:cond>
               </p:prevCondLst>
               <p:nextCondLst>
-                <p:cond delay="0" evt="onNext">
+                <p:cond evt="onNext" delay="0">
                   <p:tgtEl>
                     <p:sldTgt/>
                   </p:tgtEl>
@@ -3891,7 +4846,7 @@
 </file>
 
 <file path=ppt/slides/slide5.xml><?xml version="1.0" encoding="utf-8"?>
-<p:sld xmlns:a="http://schemas.openxmlformats.org/drawingml/2006/main" xmlns:p="http://schemas.openxmlformats.org/presentationml/2006/main" xmlns:r="http://schemas.openxmlformats.org/officeDocument/2006/relationships">
+<p:sld xmlns:a="http://schemas.openxmlformats.org/drawingml/2006/main" xmlns:r="http://schemas.openxmlformats.org/officeDocument/2006/relationships" xmlns:p="http://schemas.openxmlformats.org/presentationml/2006/main">
   <p:cSld>
     <p:spTree>
       <p:nvGrpSpPr>
@@ -3915,15 +4870,16 @@
         </p:nvSpPr>
         <p:spPr>
           <a:xfrm>
-            <a:off x="457200" y="274680"/>
-            <a:ext cx="5757480" cy="653760"/>
-          </a:xfrm>
-          <a:prstGeom prst="rect">
-            <a:avLst/>
-          </a:prstGeom>
-        </p:spPr>
-        <p:txBody>
-          <a:bodyPr anchor="ctr" bIns="45000" lIns="45720" rIns="45720" tIns="45000"/>
+            <a:off x="457200" y="288190"/>
+            <a:ext cx="6920154" cy="653760"/>
+          </a:xfrm>
+          <a:prstGeom prst="rect">
+            <a:avLst/>
+          </a:prstGeom>
+        </p:spPr>
+        <p:txBody>
+          <a:bodyPr lIns="45720" tIns="45000" rIns="45720" bIns="45000" anchor="ctr"/>
+          <a:lstStyle/>
           <a:p>
             <a:pPr>
               <a:lnSpc>
@@ -3931,47 +4887,22 @@
               </a:lnSpc>
             </a:pPr>
             <a:r>
-              <a:rPr b="1" lang="en-US" sz="3920">
-                <a:solidFill>
-                  <a:srgbClr val="ffffff"/>
+              <a:rPr lang="en-US" sz="3920" b="1" dirty="0">
+                <a:solidFill>
+                  <a:srgbClr val="FFFFFF"/>
                 </a:solidFill>
                 <a:latin typeface="Times New Roman"/>
                 <a:ea typeface="Times New Roman"/>
               </a:rPr>
               <a:t>Analysis on Results (Cont.)</a:t>
             </a:r>
-            <a:endParaRPr/>
+            <a:endParaRPr dirty="0"/>
           </a:p>
         </p:txBody>
       </p:sp>
       <p:pic>
         <p:nvPicPr>
-          <p:cNvPr descr="" id="91" name="Picture 8"/>
-          <p:cNvPicPr/>
-          <p:nvPr/>
-        </p:nvPicPr>
-        <p:blipFill>
-          <a:blip r:embed="rId1"/>
-          <a:stretch>
-            <a:fillRect/>
-          </a:stretch>
-        </p:blipFill>
-        <p:spPr>
-          <a:xfrm>
-            <a:off x="1143000" y="1000080"/>
-            <a:ext cx="3319920" cy="1763280"/>
-          </a:xfrm>
-          <a:prstGeom prst="rect">
-            <a:avLst/>
-          </a:prstGeom>
-          <a:ln>
-            <a:noFill/>
-          </a:ln>
-        </p:spPr>
-      </p:pic>
-      <p:pic>
-        <p:nvPicPr>
-          <p:cNvPr descr="" id="92" name="Picture 9"/>
+          <p:cNvPr id="91" name="Picture 8"/>
           <p:cNvPicPr/>
           <p:nvPr/>
         </p:nvPicPr>
@@ -3983,8 +4914,8 @@
         </p:blipFill>
         <p:spPr>
           <a:xfrm>
-            <a:off x="4682880" y="1000080"/>
-            <a:ext cx="3285720" cy="1742760"/>
+            <a:off x="1143000" y="1256770"/>
+            <a:ext cx="3319920" cy="1763280"/>
           </a:xfrm>
           <a:prstGeom prst="rect">
             <a:avLst/>
@@ -3994,6 +4925,31 @@
           </a:ln>
         </p:spPr>
       </p:pic>
+      <p:pic>
+        <p:nvPicPr>
+          <p:cNvPr id="92" name="Picture 9"/>
+          <p:cNvPicPr/>
+          <p:nvPr/>
+        </p:nvPicPr>
+        <p:blipFill>
+          <a:blip r:embed="rId3"/>
+          <a:stretch>
+            <a:fillRect/>
+          </a:stretch>
+        </p:blipFill>
+        <p:spPr>
+          <a:xfrm>
+            <a:off x="4682880" y="1270280"/>
+            <a:ext cx="3285720" cy="1742760"/>
+          </a:xfrm>
+          <a:prstGeom prst="rect">
+            <a:avLst/>
+          </a:prstGeom>
+          <a:ln>
+            <a:noFill/>
+          </a:ln>
+        </p:spPr>
+      </p:pic>
       <p:sp>
         <p:nvSpPr>
           <p:cNvPr id="93" name="CustomShape 2"/>
@@ -4002,8 +4958,8 @@
         </p:nvSpPr>
         <p:spPr>
           <a:xfrm>
-            <a:off x="571320" y="3286080"/>
-            <a:ext cx="8214840" cy="2286360"/>
+            <a:off x="571320" y="3286079"/>
+            <a:ext cx="8214840" cy="3036587"/>
           </a:xfrm>
           <a:prstGeom prst="rect">
             <a:avLst/>
@@ -4015,6 +4971,7 @@
         </p:spPr>
         <p:txBody>
           <a:bodyPr lIns="45720" rIns="45720"/>
+          <a:lstStyle/>
           <a:p>
             <a:pPr>
               <a:lnSpc>
@@ -4022,37 +4979,172 @@
               </a:lnSpc>
             </a:pPr>
             <a:r>
-              <a:rPr b="1" lang="en-US" sz="2400">
-                <a:solidFill>
-                  <a:srgbClr val="ffffff"/>
+              <a:rPr lang="en-US" sz="2400" b="1" dirty="0">
+                <a:solidFill>
+                  <a:srgbClr val="FFFFFF"/>
                 </a:solidFill>
                 <a:latin typeface="Times New Roman"/>
                 <a:ea typeface="Calibri"/>
               </a:rPr>
               <a:t>Possible Solutions</a:t>
             </a:r>
-            <a:endParaRPr/>
-          </a:p>
-          <a:p>
-            <a:pPr>
+            <a:endParaRPr dirty="0"/>
+          </a:p>
+          <a:p>
+            <a:pPr marL="457200" indent="-457200">
               <a:lnSpc>
                 <a:spcPct val="100000"/>
               </a:lnSpc>
-              <a:buFont typeface="StarSymbol"/>
-              <a:buAutoNum type="arabicPeriod"/>
+              <a:buFont typeface="Arial"/>
+              <a:buChar char="•"/>
             </a:pPr>
             <a:r>
-              <a:rPr b="1" lang="en-US" sz="2400">
-                <a:solidFill>
-                  <a:srgbClr val="ffffff"/>
-                </a:solidFill>
-                <a:latin typeface="Times New Roman"/>
-                <a:ea typeface="Calibri"/>
-              </a:rPr>
-              <a:t>Only 3 big clusters</a:t>
-            </a:r>
-            <a:endParaRPr/>
-          </a:p>
+              <a:rPr lang="en-US" sz="2400" b="1" dirty="0">
+                <a:solidFill>
+                  <a:srgbClr val="FFFFFF"/>
+                </a:solidFill>
+                <a:latin typeface="Times New Roman"/>
+                <a:ea typeface="Calibri"/>
+              </a:rPr>
+              <a:t>Only 3 big </a:t>
+            </a:r>
+            <a:r>
+              <a:rPr lang="en-US" sz="2400" b="1" dirty="0" smtClean="0">
+                <a:solidFill>
+                  <a:srgbClr val="FFFFFF"/>
+                </a:solidFill>
+                <a:latin typeface="Times New Roman"/>
+                <a:ea typeface="Calibri"/>
+              </a:rPr>
+              <a:t>clusters</a:t>
+            </a:r>
+            <a:endParaRPr dirty="0" smtClean="0"/>
+          </a:p>
+          <a:p>
+            <a:pPr marL="800100" lvl="1" indent="-342900">
+              <a:buFont typeface="Arial"/>
+              <a:buChar char="•"/>
+            </a:pPr>
+            <a:r>
+              <a:rPr lang="en-US" sz="2400" b="1" dirty="0" smtClean="0">
+                <a:solidFill>
+                  <a:srgbClr val="FFFFFF"/>
+                </a:solidFill>
+                <a:latin typeface="Times New Roman"/>
+                <a:ea typeface="Calibri"/>
+              </a:rPr>
+              <a:t>	Investigate distribution of weights for </a:t>
+            </a:r>
+            <a:r>
+              <a:rPr lang="en-US" sz="2400" b="1" dirty="0" err="1" smtClean="0">
+                <a:solidFill>
+                  <a:srgbClr val="FFFFFF"/>
+                </a:solidFill>
+                <a:latin typeface="Times New Roman"/>
+                <a:ea typeface="Calibri"/>
+              </a:rPr>
+              <a:t>coreset</a:t>
+            </a:r>
+            <a:r>
+              <a:rPr lang="en-US" sz="2400" b="1" dirty="0" smtClean="0">
+                <a:solidFill>
+                  <a:srgbClr val="FFFFFF"/>
+                </a:solidFill>
+                <a:latin typeface="Times New Roman"/>
+                <a:ea typeface="Calibri"/>
+              </a:rPr>
+              <a:t> points</a:t>
+            </a:r>
+            <a:endParaRPr dirty="0" smtClean="0"/>
+          </a:p>
+          <a:p>
+            <a:pPr marL="800100" lvl="1" indent="-342900">
+              <a:buFont typeface="Arial"/>
+              <a:buChar char="•"/>
+            </a:pPr>
+            <a:r>
+              <a:rPr lang="en-US" sz="2400" b="1" dirty="0" smtClean="0">
+                <a:solidFill>
+                  <a:srgbClr val="FFFFFF"/>
+                </a:solidFill>
+                <a:latin typeface="Times New Roman"/>
+                <a:ea typeface="Calibri"/>
+              </a:rPr>
+              <a:t>	Possibly update our sampling strategy </a:t>
+            </a:r>
+            <a:endParaRPr dirty="0" smtClean="0"/>
+          </a:p>
+          <a:p>
+            <a:pPr marL="457200" indent="-457200">
+              <a:lnSpc>
+                <a:spcPct val="100000"/>
+              </a:lnSpc>
+              <a:buFont typeface="Arial"/>
+              <a:buChar char="•"/>
+            </a:pPr>
+            <a:r>
+              <a:rPr lang="en-US" sz="2400" b="1" dirty="0">
+                <a:solidFill>
+                  <a:srgbClr val="FFFFFF"/>
+                </a:solidFill>
+                <a:latin typeface="Times New Roman"/>
+                <a:ea typeface="Calibri"/>
+              </a:rPr>
+              <a:t>Lack of preserved points in areas other than the US</a:t>
+            </a:r>
+            <a:endParaRPr dirty="0"/>
+          </a:p>
+          <a:p>
+            <a:pPr marL="800100" lvl="1" indent="-342900">
+              <a:buFont typeface="Arial"/>
+              <a:buChar char="•"/>
+            </a:pPr>
+            <a:r>
+              <a:rPr lang="en-US" sz="2400" b="1" smtClean="0">
+                <a:solidFill>
+                  <a:srgbClr val="FFFFFF"/>
+                </a:solidFill>
+                <a:latin typeface="Times New Roman"/>
+                <a:ea typeface="Calibri"/>
+              </a:rPr>
+              <a:t>Adjust </a:t>
+            </a:r>
+            <a:r>
+              <a:rPr lang="en-US" sz="2400" b="1" dirty="0" smtClean="0">
+                <a:solidFill>
+                  <a:srgbClr val="FFFFFF"/>
+                </a:solidFill>
+                <a:latin typeface="Times New Roman"/>
+                <a:ea typeface="Calibri"/>
+              </a:rPr>
+              <a:t>threshold of number of missing features for invalid data elimination</a:t>
+            </a:r>
+            <a:endParaRPr dirty="0"/>
+          </a:p>
+        </p:txBody>
+      </p:sp>
+      <p:sp>
+        <p:nvSpPr>
+          <p:cNvPr id="94" name="CustomShape 3"/>
+          <p:cNvSpPr/>
+          <p:nvPr/>
+        </p:nvSpPr>
+        <p:spPr>
+          <a:xfrm>
+            <a:off x="6062017" y="3013040"/>
+            <a:ext cx="1499760" cy="366120"/>
+          </a:xfrm>
+          <a:prstGeom prst="rect">
+            <a:avLst/>
+          </a:prstGeom>
+          <a:noFill/>
+          <a:ln w="12600">
+            <a:noFill/>
+          </a:ln>
+        </p:spPr>
+        <p:txBody>
+          <a:bodyPr lIns="45720" rIns="45720"/>
+          <a:lstStyle/>
           <a:p>
             <a:pPr>
               <a:lnSpc>
@@ -4060,27 +5152,41 @@
               </a:lnSpc>
             </a:pPr>
             <a:r>
-              <a:rPr b="1" lang="en-US" sz="2400">
-                <a:solidFill>
-                  <a:srgbClr val="ffffff"/>
-                </a:solidFill>
-                <a:latin typeface="Times New Roman"/>
-                <a:ea typeface="Calibri"/>
-              </a:rPr>
-              <a:t>	</a:t>
-            </a:r>
-            <a:r>
-              <a:rPr b="1" lang="en-US" sz="2400">
-                <a:solidFill>
-                  <a:srgbClr val="ffffff"/>
-                </a:solidFill>
-                <a:latin typeface="Times New Roman"/>
-                <a:ea typeface="Calibri"/>
-              </a:rPr>
-              <a:t>Investige distribution of weights for coreset points</a:t>
-            </a:r>
-            <a:endParaRPr/>
-          </a:p>
+              <a:rPr lang="en-US" dirty="0">
+                <a:solidFill>
+                  <a:srgbClr val="FFFFFF"/>
+                </a:solidFill>
+                <a:latin typeface="Calibri"/>
+                <a:ea typeface="Calibri"/>
+              </a:rPr>
+              <a:t>2013</a:t>
+            </a:r>
+            <a:endParaRPr dirty="0"/>
+          </a:p>
+        </p:txBody>
+      </p:sp>
+      <p:sp>
+        <p:nvSpPr>
+          <p:cNvPr id="95" name="CustomShape 4"/>
+          <p:cNvSpPr/>
+          <p:nvPr/>
+        </p:nvSpPr>
+        <p:spPr>
+          <a:xfrm>
+            <a:off x="2392107" y="3020050"/>
+            <a:ext cx="1499760" cy="366120"/>
+          </a:xfrm>
+          <a:prstGeom prst="rect">
+            <a:avLst/>
+          </a:prstGeom>
+          <a:noFill/>
+          <a:ln w="12600">
+            <a:noFill/>
+          </a:ln>
+        </p:spPr>
+        <p:txBody>
+          <a:bodyPr lIns="45720" rIns="45720"/>
+          <a:lstStyle/>
           <a:p>
             <a:pPr>
               <a:lnSpc>
@@ -4088,177 +5194,40 @@
               </a:lnSpc>
             </a:pPr>
             <a:r>
-              <a:rPr b="1" lang="en-US" sz="2400">
-                <a:solidFill>
-                  <a:srgbClr val="ffffff"/>
-                </a:solidFill>
-                <a:latin typeface="Times New Roman"/>
-                <a:ea typeface="Calibri"/>
-              </a:rPr>
-              <a:t>	</a:t>
-            </a:r>
-            <a:r>
-              <a:rPr b="1" lang="en-US" sz="2400">
-                <a:solidFill>
-                  <a:srgbClr val="ffffff"/>
-                </a:solidFill>
-                <a:latin typeface="Times New Roman"/>
-                <a:ea typeface="Calibri"/>
-              </a:rPr>
-              <a:t>Possibly update our sampling strategy </a:t>
-            </a:r>
-            <a:endParaRPr/>
-          </a:p>
-          <a:p>
-            <a:pPr>
-              <a:lnSpc>
-                <a:spcPct val="100000"/>
-              </a:lnSpc>
-              <a:buFont typeface="StarSymbol"/>
-              <a:buAutoNum type="arabicPeriod"/>
-            </a:pPr>
-            <a:r>
-              <a:rPr b="1" lang="en-US" sz="2400">
-                <a:solidFill>
-                  <a:srgbClr val="ffffff"/>
-                </a:solidFill>
-                <a:latin typeface="Times New Roman"/>
-                <a:ea typeface="Calibri"/>
-              </a:rPr>
-              <a:t>Lack of preserved points in areas other than the US</a:t>
-            </a:r>
-            <a:endParaRPr/>
-          </a:p>
-          <a:p>
-            <a:pPr>
-              <a:lnSpc>
-                <a:spcPct val="100000"/>
-              </a:lnSpc>
-            </a:pPr>
-            <a:r>
-              <a:rPr b="1" lang="en-US" sz="2400">
-                <a:solidFill>
-                  <a:srgbClr val="ffffff"/>
-                </a:solidFill>
-                <a:latin typeface="Times New Roman"/>
-                <a:ea typeface="Calibri"/>
-              </a:rPr>
-              <a:t>      </a:t>
-            </a:r>
-            <a:r>
-              <a:rPr b="1" lang="en-US" sz="2400">
-                <a:solidFill>
-                  <a:srgbClr val="ffffff"/>
-                </a:solidFill>
-                <a:latin typeface="Times New Roman"/>
-                <a:ea typeface="Calibri"/>
-              </a:rPr>
-              <a:t>Adjust threshold of number of missing features for invalid data elimination</a:t>
-            </a:r>
-            <a:endParaRPr/>
-          </a:p>
-        </p:txBody>
-      </p:sp>
-      <p:sp>
-        <p:nvSpPr>
-          <p:cNvPr id="94" name="CustomShape 3"/>
-          <p:cNvSpPr/>
-          <p:nvPr/>
-        </p:nvSpPr>
-        <p:spPr>
-          <a:xfrm>
-            <a:off x="6143760" y="2763720"/>
-            <a:ext cx="1499760" cy="366120"/>
-          </a:xfrm>
-          <a:prstGeom prst="rect">
-            <a:avLst/>
-          </a:prstGeom>
-          <a:noFill/>
-          <a:ln w="12600">
-            <a:noFill/>
-          </a:ln>
-        </p:spPr>
-        <p:txBody>
-          <a:bodyPr lIns="45720" rIns="45720"/>
-          <a:p>
-            <a:pPr>
-              <a:lnSpc>
-                <a:spcPct val="100000"/>
-              </a:lnSpc>
-            </a:pPr>
-            <a:r>
-              <a:rPr lang="en-US">
-                <a:solidFill>
-                  <a:srgbClr val="ffffff"/>
+              <a:rPr lang="en-US" dirty="0">
+                <a:solidFill>
+                  <a:srgbClr val="FFFFFF"/>
                 </a:solidFill>
                 <a:latin typeface="Calibri"/>
                 <a:ea typeface="Calibri"/>
               </a:rPr>
-              <a:t>2013</a:t>
-            </a:r>
-            <a:endParaRPr/>
-          </a:p>
-        </p:txBody>
-      </p:sp>
-      <p:sp>
-        <p:nvSpPr>
-          <p:cNvPr id="95" name="CustomShape 4"/>
-          <p:cNvSpPr/>
-          <p:nvPr/>
-        </p:nvSpPr>
-        <p:spPr>
-          <a:xfrm>
-            <a:off x="2500200" y="2763720"/>
-            <a:ext cx="1499760" cy="366120"/>
-          </a:xfrm>
-          <a:prstGeom prst="rect">
-            <a:avLst/>
-          </a:prstGeom>
-          <a:noFill/>
-          <a:ln w="12600">
-            <a:noFill/>
-          </a:ln>
-        </p:spPr>
-        <p:txBody>
-          <a:bodyPr lIns="45720" rIns="45720"/>
-          <a:p>
-            <a:pPr>
-              <a:lnSpc>
-                <a:spcPct val="100000"/>
-              </a:lnSpc>
-            </a:pPr>
-            <a:r>
-              <a:rPr lang="en-US">
-                <a:solidFill>
-                  <a:srgbClr val="ffffff"/>
-                </a:solidFill>
-                <a:latin typeface="Calibri"/>
-                <a:ea typeface="Calibri"/>
-              </a:rPr>
               <a:t>2003</a:t>
             </a:r>
-            <a:endParaRPr/>
+            <a:endParaRPr dirty="0"/>
           </a:p>
         </p:txBody>
       </p:sp>
     </p:spTree>
   </p:cSld>
+  <p:clrMapOvr>
+    <a:masterClrMapping/>
+  </p:clrMapOvr>
   <p:timing>
     <p:tnLst>
       <p:par>
-        <p:cTn dur="indefinite" id="5" nodeType="tmRoot" restart="never">
+        <p:cTn xmlns:p14="http://schemas.microsoft.com/office/powerpoint/2010/main" id="1" dur="indefinite" restart="never" nodeType="tmRoot">
           <p:childTnLst>
             <p:seq>
-              <p:cTn id="6" nodeType="mainSeq"/>
+              <p:cTn id="2" nodeType="mainSeq"/>
               <p:prevCondLst>
-                <p:cond delay="0" evt="onPrev">
+                <p:cond evt="onPrev" delay="0">
                   <p:tgtEl>
                     <p:sldTgt/>
                   </p:tgtEl>
                 </p:cond>
               </p:prevCondLst>
               <p:nextCondLst>
-                <p:cond delay="0" evt="onNext">
+                <p:cond evt="onNext" delay="0">
                   <p:tgtEl>
                     <p:sldTgt/>
                   </p:tgtEl>
@@ -4274,7 +5243,7 @@
 </file>
 
 <file path=ppt/slides/slide6.xml><?xml version="1.0" encoding="utf-8"?>
-<p:sld xmlns:a="http://schemas.openxmlformats.org/drawingml/2006/main" xmlns:p="http://schemas.openxmlformats.org/presentationml/2006/main" xmlns:r="http://schemas.openxmlformats.org/officeDocument/2006/relationships">
+<p:sld xmlns:a="http://schemas.openxmlformats.org/drawingml/2006/main" xmlns:r="http://schemas.openxmlformats.org/officeDocument/2006/relationships" xmlns:p="http://schemas.openxmlformats.org/presentationml/2006/main">
   <p:cSld>
     <p:spTree>
       <p:nvGrpSpPr>
@@ -4298,7 +5267,7 @@
         </p:nvSpPr>
         <p:spPr>
           <a:xfrm>
-            <a:off x="428760" y="642960"/>
+            <a:off x="428760" y="1021239"/>
             <a:ext cx="8229240" cy="4525560"/>
           </a:xfrm>
           <a:prstGeom prst="rect">
@@ -4306,14 +5275,15 @@
           </a:prstGeom>
         </p:spPr>
         <p:txBody>
-          <a:bodyPr bIns="45000" lIns="45720" rIns="45720" tIns="45000"/>
+          <a:bodyPr lIns="45720" tIns="45000" rIns="45720" bIns="45000"/>
+          <a:lstStyle/>
           <a:p>
             <a:pPr algn="ctr">
               <a:lnSpc>
                 <a:spcPct val="100000"/>
               </a:lnSpc>
             </a:pPr>
-            <a:endParaRPr/>
+            <a:endParaRPr dirty="0"/>
           </a:p>
           <a:p>
             <a:pPr algn="ctr">
@@ -4322,21 +5292,24 @@
               </a:lnSpc>
             </a:pPr>
             <a:r>
-              <a:rPr lang="en-US" sz="9600">
-                <a:solidFill>
-                  <a:srgbClr val="ffffff"/>
+              <a:rPr lang="en-US" sz="9600" dirty="0">
+                <a:solidFill>
+                  <a:srgbClr val="FFFFFF"/>
                 </a:solidFill>
                 <a:latin typeface="Times New Roman"/>
                 <a:ea typeface="Calibri"/>
               </a:rPr>
               <a:t>Thanks!</a:t>
             </a:r>
-            <a:endParaRPr/>
+            <a:endParaRPr dirty="0"/>
           </a:p>
         </p:txBody>
       </p:sp>
     </p:spTree>
   </p:cSld>
+  <p:clrMapOvr>
+    <a:masterClrMapping/>
+  </p:clrMapOvr>
 </p:sld>
 </file>
 
@@ -4560,6 +5533,8 @@
       </a:bgFillStyleLst>
     </a:fmtScheme>
   </a:themeElements>
+  <a:objectDefaults/>
+  <a:extraClrSchemeLst/>
 </a:theme>
 </file>
 
@@ -4783,5 +5758,7 @@
       </a:bgFillStyleLst>
     </a:fmtScheme>
   </a:themeElements>
+  <a:objectDefaults/>
+  <a:extraClrSchemeLst/>
 </a:theme>
 </file>
--- a/report_milestone3/Milestone 3.pptx
+++ b/report_milestone3/Milestone 3.pptx
@@ -1,120 +1,25 @@
 
 <file path=ppt/presentation.xml><?xml version="1.0" encoding="utf-8"?>
-<p:presentation xmlns:a="http://schemas.openxmlformats.org/drawingml/2006/main" xmlns:r="http://schemas.openxmlformats.org/officeDocument/2006/relationships" xmlns:p="http://schemas.openxmlformats.org/presentationml/2006/main">
+<p:presentation xmlns:a="http://schemas.openxmlformats.org/drawingml/2006/main" xmlns:p="http://schemas.openxmlformats.org/presentationml/2006/main" xmlns:r="http://schemas.openxmlformats.org/officeDocument/2006/relationships">
   <p:sldMasterIdLst>
-    <p:sldMasterId id="2147483648" r:id="rId1"/>
-    <p:sldMasterId id="2147483661" r:id="rId2"/>
+    <p:sldMasterId id="2147483648" r:id="rId2"/>
+    <p:sldMasterId id="2147483661" r:id="rId3"/>
   </p:sldMasterIdLst>
   <p:sldIdLst>
-    <p:sldId id="256" r:id="rId3"/>
-    <p:sldId id="257" r:id="rId4"/>
-    <p:sldId id="258" r:id="rId5"/>
-    <p:sldId id="259" r:id="rId6"/>
-    <p:sldId id="260" r:id="rId7"/>
-    <p:sldId id="261" r:id="rId8"/>
+    <p:sldId id="256" r:id="rId4"/>
+    <p:sldId id="257" r:id="rId5"/>
+    <p:sldId id="258" r:id="rId6"/>
+    <p:sldId id="259" r:id="rId7"/>
+    <p:sldId id="260" r:id="rId8"/>
+    <p:sldId id="261" r:id="rId9"/>
   </p:sldIdLst>
-  <p:sldSz cx="9144000" cy="6858000" type="screen4x3"/>
-  <p:notesSz cx="7559675" cy="10691813"/>
-  <p:defaultTextStyle>
-    <a:defPPr>
-      <a:defRPr lang="en-US"/>
-    </a:defPPr>
-    <a:lvl1pPr marL="0" algn="l" defTabSz="457200" rtl="0" eaLnBrk="1" latinLnBrk="0" hangingPunct="1">
-      <a:defRPr sz="1800" kern="1200">
-        <a:solidFill>
-          <a:schemeClr val="tx1"/>
-        </a:solidFill>
-        <a:latin typeface="+mn-lt"/>
-        <a:ea typeface="+mn-ea"/>
-        <a:cs typeface="+mn-cs"/>
-      </a:defRPr>
-    </a:lvl1pPr>
-    <a:lvl2pPr marL="457200" algn="l" defTabSz="457200" rtl="0" eaLnBrk="1" latinLnBrk="0" hangingPunct="1">
-      <a:defRPr sz="1800" kern="1200">
-        <a:solidFill>
-          <a:schemeClr val="tx1"/>
-        </a:solidFill>
-        <a:latin typeface="+mn-lt"/>
-        <a:ea typeface="+mn-ea"/>
-        <a:cs typeface="+mn-cs"/>
-      </a:defRPr>
-    </a:lvl2pPr>
-    <a:lvl3pPr marL="914400" algn="l" defTabSz="457200" rtl="0" eaLnBrk="1" latinLnBrk="0" hangingPunct="1">
-      <a:defRPr sz="1800" kern="1200">
-        <a:solidFill>
-          <a:schemeClr val="tx1"/>
-        </a:solidFill>
-        <a:latin typeface="+mn-lt"/>
-        <a:ea typeface="+mn-ea"/>
-        <a:cs typeface="+mn-cs"/>
-      </a:defRPr>
-    </a:lvl3pPr>
-    <a:lvl4pPr marL="1371600" algn="l" defTabSz="457200" rtl="0" eaLnBrk="1" latinLnBrk="0" hangingPunct="1">
-      <a:defRPr sz="1800" kern="1200">
-        <a:solidFill>
-          <a:schemeClr val="tx1"/>
-        </a:solidFill>
-        <a:latin typeface="+mn-lt"/>
-        <a:ea typeface="+mn-ea"/>
-        <a:cs typeface="+mn-cs"/>
-      </a:defRPr>
-    </a:lvl4pPr>
-    <a:lvl5pPr marL="1828800" algn="l" defTabSz="457200" rtl="0" eaLnBrk="1" latinLnBrk="0" hangingPunct="1">
-      <a:defRPr sz="1800" kern="1200">
-        <a:solidFill>
-          <a:schemeClr val="tx1"/>
-        </a:solidFill>
-        <a:latin typeface="+mn-lt"/>
-        <a:ea typeface="+mn-ea"/>
-        <a:cs typeface="+mn-cs"/>
-      </a:defRPr>
-    </a:lvl5pPr>
-    <a:lvl6pPr marL="2286000" algn="l" defTabSz="457200" rtl="0" eaLnBrk="1" latinLnBrk="0" hangingPunct="1">
-      <a:defRPr sz="1800" kern="1200">
-        <a:solidFill>
-          <a:schemeClr val="tx1"/>
-        </a:solidFill>
-        <a:latin typeface="+mn-lt"/>
-        <a:ea typeface="+mn-ea"/>
-        <a:cs typeface="+mn-cs"/>
-      </a:defRPr>
-    </a:lvl6pPr>
-    <a:lvl7pPr marL="2743200" algn="l" defTabSz="457200" rtl="0" eaLnBrk="1" latinLnBrk="0" hangingPunct="1">
-      <a:defRPr sz="1800" kern="1200">
-        <a:solidFill>
-          <a:schemeClr val="tx1"/>
-        </a:solidFill>
-        <a:latin typeface="+mn-lt"/>
-        <a:ea typeface="+mn-ea"/>
-        <a:cs typeface="+mn-cs"/>
-      </a:defRPr>
-    </a:lvl7pPr>
-    <a:lvl8pPr marL="3200400" algn="l" defTabSz="457200" rtl="0" eaLnBrk="1" latinLnBrk="0" hangingPunct="1">
-      <a:defRPr sz="1800" kern="1200">
-        <a:solidFill>
-          <a:schemeClr val="tx1"/>
-        </a:solidFill>
-        <a:latin typeface="+mn-lt"/>
-        <a:ea typeface="+mn-ea"/>
-        <a:cs typeface="+mn-cs"/>
-      </a:defRPr>
-    </a:lvl8pPr>
-    <a:lvl9pPr marL="3657600" algn="l" defTabSz="457200" rtl="0" eaLnBrk="1" latinLnBrk="0" hangingPunct="1">
-      <a:defRPr sz="1800" kern="1200">
-        <a:solidFill>
-          <a:schemeClr val="tx1"/>
-        </a:solidFill>
-        <a:latin typeface="+mn-lt"/>
-        <a:ea typeface="+mn-ea"/>
-        <a:cs typeface="+mn-cs"/>
-      </a:defRPr>
-    </a:lvl9pPr>
-  </p:defaultTextStyle>
+  <p:sldSz cx="9144000" cy="6858000"/>
+  <p:notesSz cx="7559675" cy="10691812"/>
 </p:presentation>
 </file>
 
 <file path=ppt/slideLayouts/slideLayout1.xml><?xml version="1.0" encoding="utf-8"?>
-<p:sldLayout xmlns:a="http://schemas.openxmlformats.org/drawingml/2006/main" xmlns:r="http://schemas.openxmlformats.org/officeDocument/2006/relationships" xmlns:p="http://schemas.openxmlformats.org/presentationml/2006/main" type="blank" preserve="1">
+<p:sldLayout xmlns:a="http://schemas.openxmlformats.org/drawingml/2006/main" xmlns:p="http://schemas.openxmlformats.org/presentationml/2006/main" xmlns:r="http://schemas.openxmlformats.org/officeDocument/2006/relationships" preserve="1" type="blank">
   <p:cSld name="Blank Slide">
     <p:spTree>
       <p:nvGrpSpPr>
@@ -132,14 +37,11 @@
       </p:grpSpPr>
     </p:spTree>
   </p:cSld>
-  <p:clrMapOvr>
-    <a:masterClrMapping/>
-  </p:clrMapOvr>
 </p:sldLayout>
 </file>
 
 <file path=ppt/slideLayouts/slideLayout10.xml><?xml version="1.0" encoding="utf-8"?>
-<p:sldLayout xmlns:a="http://schemas.openxmlformats.org/drawingml/2006/main" xmlns:r="http://schemas.openxmlformats.org/officeDocument/2006/relationships" xmlns:p="http://schemas.openxmlformats.org/presentationml/2006/main" type="objOverTx" preserve="1">
+<p:sldLayout xmlns:a="http://schemas.openxmlformats.org/drawingml/2006/main" xmlns:p="http://schemas.openxmlformats.org/presentationml/2006/main" xmlns:r="http://schemas.openxmlformats.org/officeDocument/2006/relationships" preserve="1" type="objOverTx">
   <p:cSld name="Title, Content over Content">
     <p:spTree>
       <p:nvGrpSpPr>
@@ -157,7 +59,7 @@
       </p:grpSpPr>
       <p:sp>
         <p:nvSpPr>
-          <p:cNvPr id="24" name="PlaceHolder 1"/>
+          <p:cNvPr id="23" name="PlaceHolder 1"/>
           <p:cNvSpPr>
             <a:spLocks noGrp="1"/>
           </p:cNvSpPr>
@@ -168,23 +70,22 @@
         <p:spPr>
           <a:xfrm>
             <a:off x="457200" y="92160"/>
-            <a:ext cx="8229240" cy="1508040"/>
-          </a:xfrm>
-          <a:prstGeom prst="rect">
-            <a:avLst/>
-          </a:prstGeom>
-        </p:spPr>
-        <p:txBody>
-          <a:bodyPr wrap="none" lIns="0" tIns="0" rIns="0" bIns="0" anchor="ctr"/>
-          <a:lstStyle/>
-          <a:p>
-            <a:endParaRPr/>
-          </a:p>
-        </p:txBody>
-      </p:sp>
-      <p:sp>
-        <p:nvSpPr>
-          <p:cNvPr id="25" name="PlaceHolder 2"/>
+            <a:ext cx="8228880" cy="1508040"/>
+          </a:xfrm>
+          <a:prstGeom prst="rect">
+            <a:avLst/>
+          </a:prstGeom>
+        </p:spPr>
+        <p:txBody>
+          <a:bodyPr anchor="ctr" bIns="0" lIns="0" rIns="0" tIns="0" wrap="none"/>
+          <a:p>
+            <a:endParaRPr/>
+          </a:p>
+        </p:txBody>
+      </p:sp>
+      <p:sp>
+        <p:nvSpPr>
+          <p:cNvPr id="24" name="PlaceHolder 2"/>
           <p:cNvSpPr>
             <a:spLocks noGrp="1"/>
           </p:cNvSpPr>
@@ -195,23 +96,22 @@
         <p:spPr>
           <a:xfrm>
             <a:off x="457200" y="1600200"/>
-            <a:ext cx="8229240" cy="2507400"/>
-          </a:xfrm>
-          <a:prstGeom prst="rect">
-            <a:avLst/>
-          </a:prstGeom>
-        </p:spPr>
-        <p:txBody>
-          <a:bodyPr wrap="none" lIns="0" tIns="0" rIns="0" bIns="0"/>
-          <a:lstStyle/>
-          <a:p>
-            <a:endParaRPr/>
-          </a:p>
-        </p:txBody>
-      </p:sp>
-      <p:sp>
-        <p:nvSpPr>
-          <p:cNvPr id="26" name="PlaceHolder 3"/>
+            <a:ext cx="8228880" cy="2507400"/>
+          </a:xfrm>
+          <a:prstGeom prst="rect">
+            <a:avLst/>
+          </a:prstGeom>
+        </p:spPr>
+        <p:txBody>
+          <a:bodyPr bIns="0" lIns="0" rIns="0" tIns="0" wrap="none"/>
+          <a:p>
+            <a:endParaRPr/>
+          </a:p>
+        </p:txBody>
+      </p:sp>
+      <p:sp>
+        <p:nvSpPr>
+          <p:cNvPr id="25" name="PlaceHolder 3"/>
           <p:cNvSpPr>
             <a:spLocks noGrp="1"/>
           </p:cNvSpPr>
@@ -222,15 +122,14 @@
         <p:spPr>
           <a:xfrm>
             <a:off x="457200" y="4345920"/>
-            <a:ext cx="8229240" cy="2507400"/>
-          </a:xfrm>
-          <a:prstGeom prst="rect">
-            <a:avLst/>
-          </a:prstGeom>
-        </p:spPr>
-        <p:txBody>
-          <a:bodyPr wrap="none" lIns="0" tIns="0" rIns="0" bIns="0"/>
-          <a:lstStyle/>
+            <a:ext cx="8228880" cy="2507400"/>
+          </a:xfrm>
+          <a:prstGeom prst="rect">
+            <a:avLst/>
+          </a:prstGeom>
+        </p:spPr>
+        <p:txBody>
+          <a:bodyPr bIns="0" lIns="0" rIns="0" tIns="0" wrap="none"/>
           <a:p>
             <a:endParaRPr/>
           </a:p>
@@ -238,14 +137,11 @@
       </p:sp>
     </p:spTree>
   </p:cSld>
-  <p:clrMapOvr>
-    <a:masterClrMapping/>
-  </p:clrMapOvr>
 </p:sldLayout>
 </file>
 
 <file path=ppt/slideLayouts/slideLayout11.xml><?xml version="1.0" encoding="utf-8"?>
-<p:sldLayout xmlns:a="http://schemas.openxmlformats.org/drawingml/2006/main" xmlns:r="http://schemas.openxmlformats.org/officeDocument/2006/relationships" xmlns:p="http://schemas.openxmlformats.org/presentationml/2006/main" type="fourObj" preserve="1">
+<p:sldLayout xmlns:a="http://schemas.openxmlformats.org/drawingml/2006/main" xmlns:p="http://schemas.openxmlformats.org/presentationml/2006/main" xmlns:r="http://schemas.openxmlformats.org/officeDocument/2006/relationships" preserve="1" type="fourObj">
   <p:cSld name="Title, 4 Content">
     <p:spTree>
       <p:nvGrpSpPr>
@@ -263,7 +159,7 @@
       </p:grpSpPr>
       <p:sp>
         <p:nvSpPr>
-          <p:cNvPr id="27" name="PlaceHolder 1"/>
+          <p:cNvPr id="26" name="PlaceHolder 1"/>
           <p:cNvSpPr>
             <a:spLocks noGrp="1"/>
           </p:cNvSpPr>
@@ -274,23 +170,22 @@
         <p:spPr>
           <a:xfrm>
             <a:off x="457200" y="92160"/>
-            <a:ext cx="8229240" cy="1508040"/>
-          </a:xfrm>
-          <a:prstGeom prst="rect">
-            <a:avLst/>
-          </a:prstGeom>
-        </p:spPr>
-        <p:txBody>
-          <a:bodyPr wrap="none" lIns="0" tIns="0" rIns="0" bIns="0" anchor="ctr"/>
-          <a:lstStyle/>
-          <a:p>
-            <a:endParaRPr/>
-          </a:p>
-        </p:txBody>
-      </p:sp>
-      <p:sp>
-        <p:nvSpPr>
-          <p:cNvPr id="28" name="PlaceHolder 2"/>
+            <a:ext cx="8228880" cy="1508040"/>
+          </a:xfrm>
+          <a:prstGeom prst="rect">
+            <a:avLst/>
+          </a:prstGeom>
+        </p:spPr>
+        <p:txBody>
+          <a:bodyPr anchor="ctr" bIns="0" lIns="0" rIns="0" tIns="0" wrap="none"/>
+          <a:p>
+            <a:endParaRPr/>
+          </a:p>
+        </p:txBody>
+      </p:sp>
+      <p:sp>
+        <p:nvSpPr>
+          <p:cNvPr id="27" name="PlaceHolder 2"/>
           <p:cNvSpPr>
             <a:spLocks noGrp="1"/>
           </p:cNvSpPr>
@@ -308,16 +203,15 @@
           </a:prstGeom>
         </p:spPr>
         <p:txBody>
-          <a:bodyPr wrap="none" lIns="0" tIns="0" rIns="0" bIns="0"/>
-          <a:lstStyle/>
-          <a:p>
-            <a:endParaRPr/>
-          </a:p>
-        </p:txBody>
-      </p:sp>
-      <p:sp>
-        <p:nvSpPr>
-          <p:cNvPr id="29" name="PlaceHolder 3"/>
+          <a:bodyPr bIns="0" lIns="0" rIns="0" tIns="0" wrap="none"/>
+          <a:p>
+            <a:endParaRPr/>
+          </a:p>
+        </p:txBody>
+      </p:sp>
+      <p:sp>
+        <p:nvSpPr>
+          <p:cNvPr id="28" name="PlaceHolder 3"/>
           <p:cNvSpPr>
             <a:spLocks noGrp="1"/>
           </p:cNvSpPr>
@@ -335,16 +229,15 @@
           </a:prstGeom>
         </p:spPr>
         <p:txBody>
-          <a:bodyPr wrap="none" lIns="0" tIns="0" rIns="0" bIns="0"/>
-          <a:lstStyle/>
-          <a:p>
-            <a:endParaRPr/>
-          </a:p>
-        </p:txBody>
-      </p:sp>
-      <p:sp>
-        <p:nvSpPr>
-          <p:cNvPr id="30" name="PlaceHolder 4"/>
+          <a:bodyPr bIns="0" lIns="0" rIns="0" tIns="0" wrap="none"/>
+          <a:p>
+            <a:endParaRPr/>
+          </a:p>
+        </p:txBody>
+      </p:sp>
+      <p:sp>
+        <p:nvSpPr>
+          <p:cNvPr id="29" name="PlaceHolder 4"/>
           <p:cNvSpPr>
             <a:spLocks noGrp="1"/>
           </p:cNvSpPr>
@@ -362,16 +255,15 @@
           </a:prstGeom>
         </p:spPr>
         <p:txBody>
-          <a:bodyPr wrap="none" lIns="0" tIns="0" rIns="0" bIns="0"/>
-          <a:lstStyle/>
-          <a:p>
-            <a:endParaRPr/>
-          </a:p>
-        </p:txBody>
-      </p:sp>
-      <p:sp>
-        <p:nvSpPr>
-          <p:cNvPr id="31" name="PlaceHolder 5"/>
+          <a:bodyPr bIns="0" lIns="0" rIns="0" tIns="0" wrap="none"/>
+          <a:p>
+            <a:endParaRPr/>
+          </a:p>
+        </p:txBody>
+      </p:sp>
+      <p:sp>
+        <p:nvSpPr>
+          <p:cNvPr id="30" name="PlaceHolder 5"/>
           <p:cNvSpPr>
             <a:spLocks noGrp="1"/>
           </p:cNvSpPr>
@@ -389,8 +281,7 @@
           </a:prstGeom>
         </p:spPr>
         <p:txBody>
-          <a:bodyPr wrap="none" lIns="0" tIns="0" rIns="0" bIns="0"/>
-          <a:lstStyle/>
+          <a:bodyPr bIns="0" lIns="0" rIns="0" tIns="0" wrap="none"/>
           <a:p>
             <a:endParaRPr/>
           </a:p>
@@ -398,14 +289,11 @@
       </p:sp>
     </p:spTree>
   </p:cSld>
-  <p:clrMapOvr>
-    <a:masterClrMapping/>
-  </p:clrMapOvr>
 </p:sldLayout>
 </file>
 
 <file path=ppt/slideLayouts/slideLayout12.xml><?xml version="1.0" encoding="utf-8"?>
-<p:sldLayout xmlns:a="http://schemas.openxmlformats.org/drawingml/2006/main" xmlns:r="http://schemas.openxmlformats.org/officeDocument/2006/relationships" xmlns:p="http://schemas.openxmlformats.org/presentationml/2006/main" type="blank" preserve="1">
+<p:sldLayout xmlns:a="http://schemas.openxmlformats.org/drawingml/2006/main" xmlns:p="http://schemas.openxmlformats.org/presentationml/2006/main" xmlns:r="http://schemas.openxmlformats.org/officeDocument/2006/relationships" preserve="1" type="blank">
   <p:cSld name="Title, 6 Content">
     <p:spTree>
       <p:nvGrpSpPr>
@@ -423,7 +311,7 @@
       </p:grpSpPr>
       <p:sp>
         <p:nvSpPr>
-          <p:cNvPr id="32" name="PlaceHolder 1"/>
+          <p:cNvPr id="31" name="PlaceHolder 1"/>
           <p:cNvSpPr>
             <a:spLocks noGrp="1"/>
           </p:cNvSpPr>
@@ -434,23 +322,22 @@
         <p:spPr>
           <a:xfrm>
             <a:off x="457200" y="92160"/>
-            <a:ext cx="8229240" cy="1508040"/>
-          </a:xfrm>
-          <a:prstGeom prst="rect">
-            <a:avLst/>
-          </a:prstGeom>
-        </p:spPr>
-        <p:txBody>
-          <a:bodyPr wrap="none" lIns="0" tIns="0" rIns="0" bIns="0" anchor="ctr"/>
-          <a:lstStyle/>
-          <a:p>
-            <a:endParaRPr/>
-          </a:p>
-        </p:txBody>
-      </p:sp>
-      <p:sp>
-        <p:nvSpPr>
-          <p:cNvPr id="33" name="PlaceHolder 2"/>
+            <a:ext cx="8228880" cy="1508040"/>
+          </a:xfrm>
+          <a:prstGeom prst="rect">
+            <a:avLst/>
+          </a:prstGeom>
+        </p:spPr>
+        <p:txBody>
+          <a:bodyPr anchor="ctr" bIns="0" lIns="0" rIns="0" tIns="0" wrap="none"/>
+          <a:p>
+            <a:endParaRPr/>
+          </a:p>
+        </p:txBody>
+      </p:sp>
+      <p:sp>
+        <p:nvSpPr>
+          <p:cNvPr id="32" name="PlaceHolder 2"/>
           <p:cNvSpPr>
             <a:spLocks noGrp="1"/>
           </p:cNvSpPr>
@@ -468,16 +355,15 @@
           </a:prstGeom>
         </p:spPr>
         <p:txBody>
-          <a:bodyPr wrap="none" lIns="0" tIns="0" rIns="0" bIns="0"/>
-          <a:lstStyle/>
-          <a:p>
-            <a:endParaRPr/>
-          </a:p>
-        </p:txBody>
-      </p:sp>
-      <p:sp>
-        <p:nvSpPr>
-          <p:cNvPr id="34" name="PlaceHolder 3"/>
+          <a:bodyPr bIns="0" lIns="0" rIns="0" tIns="0" wrap="none"/>
+          <a:p>
+            <a:endParaRPr/>
+          </a:p>
+        </p:txBody>
+      </p:sp>
+      <p:sp>
+        <p:nvSpPr>
+          <p:cNvPr id="33" name="PlaceHolder 3"/>
           <p:cNvSpPr>
             <a:spLocks noGrp="1"/>
           </p:cNvSpPr>
@@ -495,8 +381,7 @@
           </a:prstGeom>
         </p:spPr>
         <p:txBody>
-          <a:bodyPr wrap="none" lIns="0" tIns="0" rIns="0" bIns="0"/>
-          <a:lstStyle/>
+          <a:bodyPr bIns="0" lIns="0" rIns="0" tIns="0" wrap="none"/>
           <a:p>
             <a:endParaRPr/>
           </a:p>
@@ -504,7 +389,7 @@
       </p:sp>
       <p:pic>
         <p:nvPicPr>
-          <p:cNvPr id="35" name="Picture 34"/>
+          <p:cNvPr descr="" id="34" name=""/>
           <p:cNvPicPr/>
           <p:nvPr/>
         </p:nvPicPr>
@@ -529,12 +414,12 @@
       </p:pic>
       <p:pic>
         <p:nvPicPr>
-          <p:cNvPr id="36" name="Picture 35"/>
+          <p:cNvPr descr="" id="35" name=""/>
           <p:cNvPicPr/>
           <p:nvPr/>
         </p:nvPicPr>
         <p:blipFill>
-          <a:blip r:embed="rId2"/>
+          <a:blip r:embed="rId3"/>
           <a:stretch>
             <a:fillRect/>
           </a:stretch>
@@ -554,14 +439,11 @@
       </p:pic>
     </p:spTree>
   </p:cSld>
-  <p:clrMapOvr>
-    <a:masterClrMapping/>
-  </p:clrMapOvr>
 </p:sldLayout>
 </file>
 
 <file path=ppt/slideLayouts/slideLayout13.xml><?xml version="1.0" encoding="utf-8"?>
-<p:sldLayout xmlns:a="http://schemas.openxmlformats.org/drawingml/2006/main" xmlns:r="http://schemas.openxmlformats.org/officeDocument/2006/relationships" xmlns:p="http://schemas.openxmlformats.org/presentationml/2006/main" type="blank" preserve="1">
+<p:sldLayout xmlns:a="http://schemas.openxmlformats.org/drawingml/2006/main" xmlns:p="http://schemas.openxmlformats.org/presentationml/2006/main" xmlns:r="http://schemas.openxmlformats.org/officeDocument/2006/relationships" preserve="1" type="blank">
   <p:cSld name="Blank Slide">
     <p:spTree>
       <p:nvGrpSpPr>
@@ -579,14 +461,11 @@
       </p:grpSpPr>
     </p:spTree>
   </p:cSld>
-  <p:clrMapOvr>
-    <a:masterClrMapping/>
-  </p:clrMapOvr>
 </p:sldLayout>
 </file>
 
 <file path=ppt/slideLayouts/slideLayout14.xml><?xml version="1.0" encoding="utf-8"?>
-<p:sldLayout xmlns:a="http://schemas.openxmlformats.org/drawingml/2006/main" xmlns:r="http://schemas.openxmlformats.org/officeDocument/2006/relationships" xmlns:p="http://schemas.openxmlformats.org/presentationml/2006/main" type="tx" preserve="1">
+<p:sldLayout xmlns:a="http://schemas.openxmlformats.org/drawingml/2006/main" xmlns:p="http://schemas.openxmlformats.org/presentationml/2006/main" xmlns:r="http://schemas.openxmlformats.org/officeDocument/2006/relationships" preserve="1" type="tx">
   <p:cSld name="Title Slide">
     <p:spTree>
       <p:nvGrpSpPr>
@@ -604,7 +483,7 @@
       </p:grpSpPr>
       <p:sp>
         <p:nvSpPr>
-          <p:cNvPr id="40" name="PlaceHolder 1"/>
+          <p:cNvPr id="38" name="PlaceHolder 1"/>
           <p:cNvSpPr>
             <a:spLocks noGrp="1"/>
           </p:cNvSpPr>
@@ -615,23 +494,22 @@
         <p:spPr>
           <a:xfrm>
             <a:off x="457200" y="92160"/>
-            <a:ext cx="8229240" cy="1508040"/>
-          </a:xfrm>
-          <a:prstGeom prst="rect">
-            <a:avLst/>
-          </a:prstGeom>
-        </p:spPr>
-        <p:txBody>
-          <a:bodyPr wrap="none" lIns="0" tIns="0" rIns="0" bIns="0" anchor="ctr"/>
-          <a:lstStyle/>
-          <a:p>
-            <a:endParaRPr/>
-          </a:p>
-        </p:txBody>
-      </p:sp>
-      <p:sp>
-        <p:nvSpPr>
-          <p:cNvPr id="41" name="PlaceHolder 2"/>
+            <a:ext cx="8228880" cy="1508040"/>
+          </a:xfrm>
+          <a:prstGeom prst="rect">
+            <a:avLst/>
+          </a:prstGeom>
+        </p:spPr>
+        <p:txBody>
+          <a:bodyPr anchor="ctr" bIns="0" lIns="0" rIns="0" tIns="0" wrap="none"/>
+          <a:p>
+            <a:endParaRPr/>
+          </a:p>
+        </p:txBody>
+      </p:sp>
+      <p:sp>
+        <p:nvSpPr>
+          <p:cNvPr id="39" name="PlaceHolder 2"/>
           <p:cNvSpPr>
             <a:spLocks noGrp="1"/>
           </p:cNvSpPr>
@@ -642,15 +520,14 @@
         <p:spPr>
           <a:xfrm>
             <a:off x="457200" y="1600200"/>
-            <a:ext cx="8229240" cy="5257800"/>
-          </a:xfrm>
-          <a:prstGeom prst="rect">
-            <a:avLst/>
-          </a:prstGeom>
-        </p:spPr>
-        <p:txBody>
-          <a:bodyPr wrap="none" lIns="0" tIns="0" rIns="0" bIns="0" anchor="ctr"/>
-          <a:lstStyle/>
+            <a:ext cx="8228880" cy="5257440"/>
+          </a:xfrm>
+          <a:prstGeom prst="rect">
+            <a:avLst/>
+          </a:prstGeom>
+        </p:spPr>
+        <p:txBody>
+          <a:bodyPr anchor="ctr" bIns="0" lIns="0" rIns="0" tIns="0" wrap="none"/>
           <a:p>
             <a:pPr algn="ctr"/>
             <a:endParaRPr/>
@@ -659,14 +536,11 @@
       </p:sp>
     </p:spTree>
   </p:cSld>
-  <p:clrMapOvr>
-    <a:masterClrMapping/>
-  </p:clrMapOvr>
 </p:sldLayout>
 </file>
 
 <file path=ppt/slideLayouts/slideLayout15.xml><?xml version="1.0" encoding="utf-8"?>
-<p:sldLayout xmlns:a="http://schemas.openxmlformats.org/drawingml/2006/main" xmlns:r="http://schemas.openxmlformats.org/officeDocument/2006/relationships" xmlns:p="http://schemas.openxmlformats.org/presentationml/2006/main" type="obj" preserve="1">
+<p:sldLayout xmlns:a="http://schemas.openxmlformats.org/drawingml/2006/main" xmlns:p="http://schemas.openxmlformats.org/presentationml/2006/main" xmlns:r="http://schemas.openxmlformats.org/officeDocument/2006/relationships" preserve="1" type="obj">
   <p:cSld name="Title, Content">
     <p:spTree>
       <p:nvGrpSpPr>
@@ -684,7 +558,7 @@
       </p:grpSpPr>
       <p:sp>
         <p:nvSpPr>
-          <p:cNvPr id="42" name="PlaceHolder 1"/>
+          <p:cNvPr id="40" name="PlaceHolder 1"/>
           <p:cNvSpPr>
             <a:spLocks noGrp="1"/>
           </p:cNvSpPr>
@@ -695,23 +569,22 @@
         <p:spPr>
           <a:xfrm>
             <a:off x="457200" y="92160"/>
-            <a:ext cx="8229240" cy="1508040"/>
-          </a:xfrm>
-          <a:prstGeom prst="rect">
-            <a:avLst/>
-          </a:prstGeom>
-        </p:spPr>
-        <p:txBody>
-          <a:bodyPr wrap="none" lIns="0" tIns="0" rIns="0" bIns="0" anchor="ctr"/>
-          <a:lstStyle/>
-          <a:p>
-            <a:endParaRPr/>
-          </a:p>
-        </p:txBody>
-      </p:sp>
-      <p:sp>
-        <p:nvSpPr>
-          <p:cNvPr id="43" name="PlaceHolder 2"/>
+            <a:ext cx="8228880" cy="1508040"/>
+          </a:xfrm>
+          <a:prstGeom prst="rect">
+            <a:avLst/>
+          </a:prstGeom>
+        </p:spPr>
+        <p:txBody>
+          <a:bodyPr anchor="ctr" bIns="0" lIns="0" rIns="0" tIns="0" wrap="none"/>
+          <a:p>
+            <a:endParaRPr/>
+          </a:p>
+        </p:txBody>
+      </p:sp>
+      <p:sp>
+        <p:nvSpPr>
+          <p:cNvPr id="41" name="PlaceHolder 2"/>
           <p:cNvSpPr>
             <a:spLocks noGrp="1"/>
           </p:cNvSpPr>
@@ -722,15 +595,14 @@
         <p:spPr>
           <a:xfrm>
             <a:off x="457200" y="1600200"/>
-            <a:ext cx="8229240" cy="5257440"/>
-          </a:xfrm>
-          <a:prstGeom prst="rect">
-            <a:avLst/>
-          </a:prstGeom>
-        </p:spPr>
-        <p:txBody>
-          <a:bodyPr wrap="none" lIns="0" tIns="0" rIns="0" bIns="0"/>
-          <a:lstStyle/>
+            <a:ext cx="8228880" cy="5257080"/>
+          </a:xfrm>
+          <a:prstGeom prst="rect">
+            <a:avLst/>
+          </a:prstGeom>
+        </p:spPr>
+        <p:txBody>
+          <a:bodyPr bIns="0" lIns="0" rIns="0" tIns="0" wrap="none"/>
           <a:p>
             <a:endParaRPr/>
           </a:p>
@@ -738,14 +610,11 @@
       </p:sp>
     </p:spTree>
   </p:cSld>
-  <p:clrMapOvr>
-    <a:masterClrMapping/>
-  </p:clrMapOvr>
 </p:sldLayout>
 </file>
 
 <file path=ppt/slideLayouts/slideLayout16.xml><?xml version="1.0" encoding="utf-8"?>
-<p:sldLayout xmlns:a="http://schemas.openxmlformats.org/drawingml/2006/main" xmlns:r="http://schemas.openxmlformats.org/officeDocument/2006/relationships" xmlns:p="http://schemas.openxmlformats.org/presentationml/2006/main" type="twoObj" preserve="1">
+<p:sldLayout xmlns:a="http://schemas.openxmlformats.org/drawingml/2006/main" xmlns:p="http://schemas.openxmlformats.org/presentationml/2006/main" xmlns:r="http://schemas.openxmlformats.org/officeDocument/2006/relationships" preserve="1" type="twoObj">
   <p:cSld name="Title, 2 Content">
     <p:spTree>
       <p:nvGrpSpPr>
@@ -763,7 +632,7 @@
       </p:grpSpPr>
       <p:sp>
         <p:nvSpPr>
-          <p:cNvPr id="44" name="PlaceHolder 1"/>
+          <p:cNvPr id="42" name="PlaceHolder 1"/>
           <p:cNvSpPr>
             <a:spLocks noGrp="1"/>
           </p:cNvSpPr>
@@ -774,23 +643,22 @@
         <p:spPr>
           <a:xfrm>
             <a:off x="457200" y="92160"/>
-            <a:ext cx="8229240" cy="1508040"/>
-          </a:xfrm>
-          <a:prstGeom prst="rect">
-            <a:avLst/>
-          </a:prstGeom>
-        </p:spPr>
-        <p:txBody>
-          <a:bodyPr wrap="none" lIns="0" tIns="0" rIns="0" bIns="0" anchor="ctr"/>
-          <a:lstStyle/>
-          <a:p>
-            <a:endParaRPr/>
-          </a:p>
-        </p:txBody>
-      </p:sp>
-      <p:sp>
-        <p:nvSpPr>
-          <p:cNvPr id="45" name="PlaceHolder 2"/>
+            <a:ext cx="8228880" cy="1508040"/>
+          </a:xfrm>
+          <a:prstGeom prst="rect">
+            <a:avLst/>
+          </a:prstGeom>
+        </p:spPr>
+        <p:txBody>
+          <a:bodyPr anchor="ctr" bIns="0" lIns="0" rIns="0" tIns="0" wrap="none"/>
+          <a:p>
+            <a:endParaRPr/>
+          </a:p>
+        </p:txBody>
+      </p:sp>
+      <p:sp>
+        <p:nvSpPr>
+          <p:cNvPr id="43" name="PlaceHolder 2"/>
           <p:cNvSpPr>
             <a:spLocks noGrp="1"/>
           </p:cNvSpPr>
@@ -801,23 +669,22 @@
         <p:spPr>
           <a:xfrm>
             <a:off x="457200" y="1600200"/>
-            <a:ext cx="4015440" cy="5257440"/>
-          </a:xfrm>
-          <a:prstGeom prst="rect">
-            <a:avLst/>
-          </a:prstGeom>
-        </p:spPr>
-        <p:txBody>
-          <a:bodyPr wrap="none" lIns="0" tIns="0" rIns="0" bIns="0"/>
-          <a:lstStyle/>
-          <a:p>
-            <a:endParaRPr/>
-          </a:p>
-        </p:txBody>
-      </p:sp>
-      <p:sp>
-        <p:nvSpPr>
-          <p:cNvPr id="46" name="PlaceHolder 3"/>
+            <a:ext cx="4015440" cy="5257080"/>
+          </a:xfrm>
+          <a:prstGeom prst="rect">
+            <a:avLst/>
+          </a:prstGeom>
+        </p:spPr>
+        <p:txBody>
+          <a:bodyPr bIns="0" lIns="0" rIns="0" tIns="0" wrap="none"/>
+          <a:p>
+            <a:endParaRPr/>
+          </a:p>
+        </p:txBody>
+      </p:sp>
+      <p:sp>
+        <p:nvSpPr>
+          <p:cNvPr id="44" name="PlaceHolder 3"/>
           <p:cNvSpPr>
             <a:spLocks noGrp="1"/>
           </p:cNvSpPr>
@@ -828,15 +695,14 @@
         <p:spPr>
           <a:xfrm>
             <a:off x="4673520" y="1600200"/>
-            <a:ext cx="4015440" cy="5257440"/>
-          </a:xfrm>
-          <a:prstGeom prst="rect">
-            <a:avLst/>
-          </a:prstGeom>
-        </p:spPr>
-        <p:txBody>
-          <a:bodyPr wrap="none" lIns="0" tIns="0" rIns="0" bIns="0"/>
-          <a:lstStyle/>
+            <a:ext cx="4015440" cy="5257080"/>
+          </a:xfrm>
+          <a:prstGeom prst="rect">
+            <a:avLst/>
+          </a:prstGeom>
+        </p:spPr>
+        <p:txBody>
+          <a:bodyPr bIns="0" lIns="0" rIns="0" tIns="0" wrap="none"/>
           <a:p>
             <a:endParaRPr/>
           </a:p>
@@ -844,14 +710,11 @@
       </p:sp>
     </p:spTree>
   </p:cSld>
-  <p:clrMapOvr>
-    <a:masterClrMapping/>
-  </p:clrMapOvr>
 </p:sldLayout>
 </file>
 
 <file path=ppt/slideLayouts/slideLayout17.xml><?xml version="1.0" encoding="utf-8"?>
-<p:sldLayout xmlns:a="http://schemas.openxmlformats.org/drawingml/2006/main" xmlns:r="http://schemas.openxmlformats.org/officeDocument/2006/relationships" xmlns:p="http://schemas.openxmlformats.org/presentationml/2006/main" type="titleOnly" preserve="1">
+<p:sldLayout xmlns:a="http://schemas.openxmlformats.org/drawingml/2006/main" xmlns:p="http://schemas.openxmlformats.org/presentationml/2006/main" xmlns:r="http://schemas.openxmlformats.org/officeDocument/2006/relationships" preserve="1" type="titleOnly">
   <p:cSld name="Title Only">
     <p:spTree>
       <p:nvGrpSpPr>
@@ -869,7 +732,7 @@
       </p:grpSpPr>
       <p:sp>
         <p:nvSpPr>
-          <p:cNvPr id="47" name="PlaceHolder 1"/>
+          <p:cNvPr id="45" name="PlaceHolder 1"/>
           <p:cNvSpPr>
             <a:spLocks noGrp="1"/>
           </p:cNvSpPr>
@@ -880,15 +743,14 @@
         <p:spPr>
           <a:xfrm>
             <a:off x="457200" y="92160"/>
-            <a:ext cx="8229240" cy="1508040"/>
-          </a:xfrm>
-          <a:prstGeom prst="rect">
-            <a:avLst/>
-          </a:prstGeom>
-        </p:spPr>
-        <p:txBody>
-          <a:bodyPr wrap="none" lIns="0" tIns="0" rIns="0" bIns="0" anchor="ctr"/>
-          <a:lstStyle/>
+            <a:ext cx="8228880" cy="1508040"/>
+          </a:xfrm>
+          <a:prstGeom prst="rect">
+            <a:avLst/>
+          </a:prstGeom>
+        </p:spPr>
+        <p:txBody>
+          <a:bodyPr anchor="ctr" bIns="0" lIns="0" rIns="0" tIns="0" wrap="none"/>
           <a:p>
             <a:endParaRPr/>
           </a:p>
@@ -896,14 +758,11 @@
       </p:sp>
     </p:spTree>
   </p:cSld>
-  <p:clrMapOvr>
-    <a:masterClrMapping/>
-  </p:clrMapOvr>
 </p:sldLayout>
 </file>
 
 <file path=ppt/slideLayouts/slideLayout18.xml><?xml version="1.0" encoding="utf-8"?>
-<p:sldLayout xmlns:a="http://schemas.openxmlformats.org/drawingml/2006/main" xmlns:r="http://schemas.openxmlformats.org/officeDocument/2006/relationships" xmlns:p="http://schemas.openxmlformats.org/presentationml/2006/main" type="objOnly" preserve="1">
+<p:sldLayout xmlns:a="http://schemas.openxmlformats.org/drawingml/2006/main" xmlns:p="http://schemas.openxmlformats.org/presentationml/2006/main" xmlns:r="http://schemas.openxmlformats.org/officeDocument/2006/relationships" preserve="1" type="objOnly">
   <p:cSld name="Centered Text">
     <p:spTree>
       <p:nvGrpSpPr>
@@ -921,7 +780,7 @@
       </p:grpSpPr>
       <p:sp>
         <p:nvSpPr>
-          <p:cNvPr id="48" name="PlaceHolder 1"/>
+          <p:cNvPr id="46" name="PlaceHolder 1"/>
           <p:cNvSpPr>
             <a:spLocks noGrp="1"/>
           </p:cNvSpPr>
@@ -932,15 +791,14 @@
         <p:spPr>
           <a:xfrm>
             <a:off x="457200" y="92160"/>
-            <a:ext cx="8229240" cy="6765480"/>
-          </a:xfrm>
-          <a:prstGeom prst="rect">
-            <a:avLst/>
-          </a:prstGeom>
-        </p:spPr>
-        <p:txBody>
-          <a:bodyPr wrap="none" lIns="0" tIns="0" rIns="0" bIns="0" anchor="ctr"/>
-          <a:lstStyle/>
+            <a:ext cx="8228880" cy="6765120"/>
+          </a:xfrm>
+          <a:prstGeom prst="rect">
+            <a:avLst/>
+          </a:prstGeom>
+        </p:spPr>
+        <p:txBody>
+          <a:bodyPr anchor="ctr" bIns="0" lIns="0" rIns="0" tIns="0" wrap="none"/>
           <a:p>
             <a:pPr algn="ctr"/>
             <a:endParaRPr/>
@@ -949,14 +807,11 @@
       </p:sp>
     </p:spTree>
   </p:cSld>
-  <p:clrMapOvr>
-    <a:masterClrMapping/>
-  </p:clrMapOvr>
 </p:sldLayout>
 </file>
 
 <file path=ppt/slideLayouts/slideLayout19.xml><?xml version="1.0" encoding="utf-8"?>
-<p:sldLayout xmlns:a="http://schemas.openxmlformats.org/drawingml/2006/main" xmlns:r="http://schemas.openxmlformats.org/officeDocument/2006/relationships" xmlns:p="http://schemas.openxmlformats.org/presentationml/2006/main" type="twoObjAndObj" preserve="1">
+<p:sldLayout xmlns:a="http://schemas.openxmlformats.org/drawingml/2006/main" xmlns:p="http://schemas.openxmlformats.org/presentationml/2006/main" xmlns:r="http://schemas.openxmlformats.org/officeDocument/2006/relationships" preserve="1" type="twoObjAndObj">
   <p:cSld name="Title, 2 Content and Content">
     <p:spTree>
       <p:nvGrpSpPr>
@@ -974,7 +829,7 @@
       </p:grpSpPr>
       <p:sp>
         <p:nvSpPr>
-          <p:cNvPr id="49" name="PlaceHolder 1"/>
+          <p:cNvPr id="47" name="PlaceHolder 1"/>
           <p:cNvSpPr>
             <a:spLocks noGrp="1"/>
           </p:cNvSpPr>
@@ -985,23 +840,22 @@
         <p:spPr>
           <a:xfrm>
             <a:off x="457200" y="92160"/>
-            <a:ext cx="8229240" cy="1508040"/>
-          </a:xfrm>
-          <a:prstGeom prst="rect">
-            <a:avLst/>
-          </a:prstGeom>
-        </p:spPr>
-        <p:txBody>
-          <a:bodyPr wrap="none" lIns="0" tIns="0" rIns="0" bIns="0" anchor="ctr"/>
-          <a:lstStyle/>
-          <a:p>
-            <a:endParaRPr/>
-          </a:p>
-        </p:txBody>
-      </p:sp>
-      <p:sp>
-        <p:nvSpPr>
-          <p:cNvPr id="50" name="PlaceHolder 2"/>
+            <a:ext cx="8228880" cy="1508040"/>
+          </a:xfrm>
+          <a:prstGeom prst="rect">
+            <a:avLst/>
+          </a:prstGeom>
+        </p:spPr>
+        <p:txBody>
+          <a:bodyPr anchor="ctr" bIns="0" lIns="0" rIns="0" tIns="0" wrap="none"/>
+          <a:p>
+            <a:endParaRPr/>
+          </a:p>
+        </p:txBody>
+      </p:sp>
+      <p:sp>
+        <p:nvSpPr>
+          <p:cNvPr id="48" name="PlaceHolder 2"/>
           <p:cNvSpPr>
             <a:spLocks noGrp="1"/>
           </p:cNvSpPr>
@@ -1019,16 +873,15 @@
           </a:prstGeom>
         </p:spPr>
         <p:txBody>
-          <a:bodyPr wrap="none" lIns="0" tIns="0" rIns="0" bIns="0"/>
-          <a:lstStyle/>
-          <a:p>
-            <a:endParaRPr/>
-          </a:p>
-        </p:txBody>
-      </p:sp>
-      <p:sp>
-        <p:nvSpPr>
-          <p:cNvPr id="51" name="PlaceHolder 3"/>
+          <a:bodyPr bIns="0" lIns="0" rIns="0" tIns="0" wrap="none"/>
+          <a:p>
+            <a:endParaRPr/>
+          </a:p>
+        </p:txBody>
+      </p:sp>
+      <p:sp>
+        <p:nvSpPr>
+          <p:cNvPr id="49" name="PlaceHolder 3"/>
           <p:cNvSpPr>
             <a:spLocks noGrp="1"/>
           </p:cNvSpPr>
@@ -1046,16 +899,15 @@
           </a:prstGeom>
         </p:spPr>
         <p:txBody>
-          <a:bodyPr wrap="none" lIns="0" tIns="0" rIns="0" bIns="0"/>
-          <a:lstStyle/>
-          <a:p>
-            <a:endParaRPr/>
-          </a:p>
-        </p:txBody>
-      </p:sp>
-      <p:sp>
-        <p:nvSpPr>
-          <p:cNvPr id="52" name="PlaceHolder 4"/>
+          <a:bodyPr bIns="0" lIns="0" rIns="0" tIns="0" wrap="none"/>
+          <a:p>
+            <a:endParaRPr/>
+          </a:p>
+        </p:txBody>
+      </p:sp>
+      <p:sp>
+        <p:nvSpPr>
+          <p:cNvPr id="50" name="PlaceHolder 4"/>
           <p:cNvSpPr>
             <a:spLocks noGrp="1"/>
           </p:cNvSpPr>
@@ -1066,15 +918,14 @@
         <p:spPr>
           <a:xfrm>
             <a:off x="4673520" y="1600200"/>
-            <a:ext cx="4015440" cy="5257440"/>
-          </a:xfrm>
-          <a:prstGeom prst="rect">
-            <a:avLst/>
-          </a:prstGeom>
-        </p:spPr>
-        <p:txBody>
-          <a:bodyPr wrap="none" lIns="0" tIns="0" rIns="0" bIns="0"/>
-          <a:lstStyle/>
+            <a:ext cx="4015440" cy="5257080"/>
+          </a:xfrm>
+          <a:prstGeom prst="rect">
+            <a:avLst/>
+          </a:prstGeom>
+        </p:spPr>
+        <p:txBody>
+          <a:bodyPr bIns="0" lIns="0" rIns="0" tIns="0" wrap="none"/>
           <a:p>
             <a:endParaRPr/>
           </a:p>
@@ -1082,14 +933,11 @@
       </p:sp>
     </p:spTree>
   </p:cSld>
-  <p:clrMapOvr>
-    <a:masterClrMapping/>
-  </p:clrMapOvr>
 </p:sldLayout>
 </file>
 
 <file path=ppt/slideLayouts/slideLayout2.xml><?xml version="1.0" encoding="utf-8"?>
-<p:sldLayout xmlns:a="http://schemas.openxmlformats.org/drawingml/2006/main" xmlns:r="http://schemas.openxmlformats.org/officeDocument/2006/relationships" xmlns:p="http://schemas.openxmlformats.org/presentationml/2006/main" type="tx" preserve="1">
+<p:sldLayout xmlns:a="http://schemas.openxmlformats.org/drawingml/2006/main" xmlns:p="http://schemas.openxmlformats.org/presentationml/2006/main" xmlns:r="http://schemas.openxmlformats.org/officeDocument/2006/relationships" preserve="1" type="tx">
   <p:cSld name="Title Slide">
     <p:spTree>
       <p:nvGrpSpPr>
@@ -1107,7 +955,7 @@
       </p:grpSpPr>
       <p:sp>
         <p:nvSpPr>
-          <p:cNvPr id="3" name="PlaceHolder 1"/>
+          <p:cNvPr id="2" name="PlaceHolder 1"/>
           <p:cNvSpPr>
             <a:spLocks noGrp="1"/>
           </p:cNvSpPr>
@@ -1118,23 +966,22 @@
         <p:spPr>
           <a:xfrm>
             <a:off x="457200" y="92160"/>
-            <a:ext cx="8229240" cy="1508040"/>
-          </a:xfrm>
-          <a:prstGeom prst="rect">
-            <a:avLst/>
-          </a:prstGeom>
-        </p:spPr>
-        <p:txBody>
-          <a:bodyPr wrap="none" lIns="0" tIns="0" rIns="0" bIns="0" anchor="ctr"/>
-          <a:lstStyle/>
-          <a:p>
-            <a:endParaRPr/>
-          </a:p>
-        </p:txBody>
-      </p:sp>
-      <p:sp>
-        <p:nvSpPr>
-          <p:cNvPr id="4" name="PlaceHolder 2"/>
+            <a:ext cx="8228880" cy="1508040"/>
+          </a:xfrm>
+          <a:prstGeom prst="rect">
+            <a:avLst/>
+          </a:prstGeom>
+        </p:spPr>
+        <p:txBody>
+          <a:bodyPr anchor="ctr" bIns="0" lIns="0" rIns="0" tIns="0" wrap="none"/>
+          <a:p>
+            <a:endParaRPr/>
+          </a:p>
+        </p:txBody>
+      </p:sp>
+      <p:sp>
+        <p:nvSpPr>
+          <p:cNvPr id="3" name="PlaceHolder 2"/>
           <p:cNvSpPr>
             <a:spLocks noGrp="1"/>
           </p:cNvSpPr>
@@ -1145,15 +992,14 @@
         <p:spPr>
           <a:xfrm>
             <a:off x="457200" y="1600200"/>
-            <a:ext cx="8229240" cy="5257800"/>
-          </a:xfrm>
-          <a:prstGeom prst="rect">
-            <a:avLst/>
-          </a:prstGeom>
-        </p:spPr>
-        <p:txBody>
-          <a:bodyPr wrap="none" lIns="0" tIns="0" rIns="0" bIns="0" anchor="ctr"/>
-          <a:lstStyle/>
+            <a:ext cx="8228880" cy="5257440"/>
+          </a:xfrm>
+          <a:prstGeom prst="rect">
+            <a:avLst/>
+          </a:prstGeom>
+        </p:spPr>
+        <p:txBody>
+          <a:bodyPr anchor="ctr" bIns="0" lIns="0" rIns="0" tIns="0" wrap="none"/>
           <a:p>
             <a:pPr algn="ctr"/>
             <a:endParaRPr/>
@@ -1162,14 +1008,11 @@
       </p:sp>
     </p:spTree>
   </p:cSld>
-  <p:clrMapOvr>
-    <a:masterClrMapping/>
-  </p:clrMapOvr>
 </p:sldLayout>
 </file>
 
 <file path=ppt/slideLayouts/slideLayout20.xml><?xml version="1.0" encoding="utf-8"?>
-<p:sldLayout xmlns:a="http://schemas.openxmlformats.org/drawingml/2006/main" xmlns:r="http://schemas.openxmlformats.org/officeDocument/2006/relationships" xmlns:p="http://schemas.openxmlformats.org/presentationml/2006/main" type="objAndTwoObj" preserve="1">
+<p:sldLayout xmlns:a="http://schemas.openxmlformats.org/drawingml/2006/main" xmlns:p="http://schemas.openxmlformats.org/presentationml/2006/main" xmlns:r="http://schemas.openxmlformats.org/officeDocument/2006/relationships" preserve="1" type="objAndTwoObj">
   <p:cSld name="Title Content and 2 Content">
     <p:spTree>
       <p:nvGrpSpPr>
@@ -1187,7 +1030,7 @@
       </p:grpSpPr>
       <p:sp>
         <p:nvSpPr>
-          <p:cNvPr id="53" name="PlaceHolder 1"/>
+          <p:cNvPr id="51" name="PlaceHolder 1"/>
           <p:cNvSpPr>
             <a:spLocks noGrp="1"/>
           </p:cNvSpPr>
@@ -1198,23 +1041,22 @@
         <p:spPr>
           <a:xfrm>
             <a:off x="457200" y="92160"/>
-            <a:ext cx="8229240" cy="1508040"/>
-          </a:xfrm>
-          <a:prstGeom prst="rect">
-            <a:avLst/>
-          </a:prstGeom>
-        </p:spPr>
-        <p:txBody>
-          <a:bodyPr wrap="none" lIns="0" tIns="0" rIns="0" bIns="0" anchor="ctr"/>
-          <a:lstStyle/>
-          <a:p>
-            <a:endParaRPr/>
-          </a:p>
-        </p:txBody>
-      </p:sp>
-      <p:sp>
-        <p:nvSpPr>
-          <p:cNvPr id="54" name="PlaceHolder 2"/>
+            <a:ext cx="8228880" cy="1508040"/>
+          </a:xfrm>
+          <a:prstGeom prst="rect">
+            <a:avLst/>
+          </a:prstGeom>
+        </p:spPr>
+        <p:txBody>
+          <a:bodyPr anchor="ctr" bIns="0" lIns="0" rIns="0" tIns="0" wrap="none"/>
+          <a:p>
+            <a:endParaRPr/>
+          </a:p>
+        </p:txBody>
+      </p:sp>
+      <p:sp>
+        <p:nvSpPr>
+          <p:cNvPr id="52" name="PlaceHolder 2"/>
           <p:cNvSpPr>
             <a:spLocks noGrp="1"/>
           </p:cNvSpPr>
@@ -1225,23 +1067,22 @@
         <p:spPr>
           <a:xfrm>
             <a:off x="457200" y="1600200"/>
-            <a:ext cx="4015440" cy="5257440"/>
-          </a:xfrm>
-          <a:prstGeom prst="rect">
-            <a:avLst/>
-          </a:prstGeom>
-        </p:spPr>
-        <p:txBody>
-          <a:bodyPr wrap="none" lIns="0" tIns="0" rIns="0" bIns="0"/>
-          <a:lstStyle/>
-          <a:p>
-            <a:endParaRPr/>
-          </a:p>
-        </p:txBody>
-      </p:sp>
-      <p:sp>
-        <p:nvSpPr>
-          <p:cNvPr id="55" name="PlaceHolder 3"/>
+            <a:ext cx="4015440" cy="5257080"/>
+          </a:xfrm>
+          <a:prstGeom prst="rect">
+            <a:avLst/>
+          </a:prstGeom>
+        </p:spPr>
+        <p:txBody>
+          <a:bodyPr bIns="0" lIns="0" rIns="0" tIns="0" wrap="none"/>
+          <a:p>
+            <a:endParaRPr/>
+          </a:p>
+        </p:txBody>
+      </p:sp>
+      <p:sp>
+        <p:nvSpPr>
+          <p:cNvPr id="53" name="PlaceHolder 3"/>
           <p:cNvSpPr>
             <a:spLocks noGrp="1"/>
           </p:cNvSpPr>
@@ -1259,16 +1100,15 @@
           </a:prstGeom>
         </p:spPr>
         <p:txBody>
-          <a:bodyPr wrap="none" lIns="0" tIns="0" rIns="0" bIns="0"/>
-          <a:lstStyle/>
-          <a:p>
-            <a:endParaRPr/>
-          </a:p>
-        </p:txBody>
-      </p:sp>
-      <p:sp>
-        <p:nvSpPr>
-          <p:cNvPr id="56" name="PlaceHolder 4"/>
+          <a:bodyPr bIns="0" lIns="0" rIns="0" tIns="0" wrap="none"/>
+          <a:p>
+            <a:endParaRPr/>
+          </a:p>
+        </p:txBody>
+      </p:sp>
+      <p:sp>
+        <p:nvSpPr>
+          <p:cNvPr id="54" name="PlaceHolder 4"/>
           <p:cNvSpPr>
             <a:spLocks noGrp="1"/>
           </p:cNvSpPr>
@@ -1286,8 +1126,7 @@
           </a:prstGeom>
         </p:spPr>
         <p:txBody>
-          <a:bodyPr wrap="none" lIns="0" tIns="0" rIns="0" bIns="0"/>
-          <a:lstStyle/>
+          <a:bodyPr bIns="0" lIns="0" rIns="0" tIns="0" wrap="none"/>
           <a:p>
             <a:endParaRPr/>
           </a:p>
@@ -1295,14 +1134,11 @@
       </p:sp>
     </p:spTree>
   </p:cSld>
-  <p:clrMapOvr>
-    <a:masterClrMapping/>
-  </p:clrMapOvr>
 </p:sldLayout>
 </file>
 
 <file path=ppt/slideLayouts/slideLayout21.xml><?xml version="1.0" encoding="utf-8"?>
-<p:sldLayout xmlns:a="http://schemas.openxmlformats.org/drawingml/2006/main" xmlns:r="http://schemas.openxmlformats.org/officeDocument/2006/relationships" xmlns:p="http://schemas.openxmlformats.org/presentationml/2006/main" type="twoObjOverTx" preserve="1">
+<p:sldLayout xmlns:a="http://schemas.openxmlformats.org/drawingml/2006/main" xmlns:p="http://schemas.openxmlformats.org/presentationml/2006/main" xmlns:r="http://schemas.openxmlformats.org/officeDocument/2006/relationships" preserve="1" type="twoObjOverTx">
   <p:cSld name="Title, 2 Content over Content">
     <p:spTree>
       <p:nvGrpSpPr>
@@ -1320,7 +1156,7 @@
       </p:grpSpPr>
       <p:sp>
         <p:nvSpPr>
-          <p:cNvPr id="57" name="PlaceHolder 1"/>
+          <p:cNvPr id="55" name="PlaceHolder 1"/>
           <p:cNvSpPr>
             <a:spLocks noGrp="1"/>
           </p:cNvSpPr>
@@ -1331,23 +1167,22 @@
         <p:spPr>
           <a:xfrm>
             <a:off x="457200" y="92160"/>
-            <a:ext cx="8229240" cy="1508040"/>
-          </a:xfrm>
-          <a:prstGeom prst="rect">
-            <a:avLst/>
-          </a:prstGeom>
-        </p:spPr>
-        <p:txBody>
-          <a:bodyPr wrap="none" lIns="0" tIns="0" rIns="0" bIns="0" anchor="ctr"/>
-          <a:lstStyle/>
-          <a:p>
-            <a:endParaRPr/>
-          </a:p>
-        </p:txBody>
-      </p:sp>
-      <p:sp>
-        <p:nvSpPr>
-          <p:cNvPr id="58" name="PlaceHolder 2"/>
+            <a:ext cx="8228880" cy="1508040"/>
+          </a:xfrm>
+          <a:prstGeom prst="rect">
+            <a:avLst/>
+          </a:prstGeom>
+        </p:spPr>
+        <p:txBody>
+          <a:bodyPr anchor="ctr" bIns="0" lIns="0" rIns="0" tIns="0" wrap="none"/>
+          <a:p>
+            <a:endParaRPr/>
+          </a:p>
+        </p:txBody>
+      </p:sp>
+      <p:sp>
+        <p:nvSpPr>
+          <p:cNvPr id="56" name="PlaceHolder 2"/>
           <p:cNvSpPr>
             <a:spLocks noGrp="1"/>
           </p:cNvSpPr>
@@ -1365,16 +1200,15 @@
           </a:prstGeom>
         </p:spPr>
         <p:txBody>
-          <a:bodyPr wrap="none" lIns="0" tIns="0" rIns="0" bIns="0"/>
-          <a:lstStyle/>
-          <a:p>
-            <a:endParaRPr/>
-          </a:p>
-        </p:txBody>
-      </p:sp>
-      <p:sp>
-        <p:nvSpPr>
-          <p:cNvPr id="59" name="PlaceHolder 3"/>
+          <a:bodyPr bIns="0" lIns="0" rIns="0" tIns="0" wrap="none"/>
+          <a:p>
+            <a:endParaRPr/>
+          </a:p>
+        </p:txBody>
+      </p:sp>
+      <p:sp>
+        <p:nvSpPr>
+          <p:cNvPr id="57" name="PlaceHolder 3"/>
           <p:cNvSpPr>
             <a:spLocks noGrp="1"/>
           </p:cNvSpPr>
@@ -1392,16 +1226,15 @@
           </a:prstGeom>
         </p:spPr>
         <p:txBody>
-          <a:bodyPr wrap="none" lIns="0" tIns="0" rIns="0" bIns="0"/>
-          <a:lstStyle/>
-          <a:p>
-            <a:endParaRPr/>
-          </a:p>
-        </p:txBody>
-      </p:sp>
-      <p:sp>
-        <p:nvSpPr>
-          <p:cNvPr id="60" name="PlaceHolder 4"/>
+          <a:bodyPr bIns="0" lIns="0" rIns="0" tIns="0" wrap="none"/>
+          <a:p>
+            <a:endParaRPr/>
+          </a:p>
+        </p:txBody>
+      </p:sp>
+      <p:sp>
+        <p:nvSpPr>
+          <p:cNvPr id="58" name="PlaceHolder 4"/>
           <p:cNvSpPr>
             <a:spLocks noGrp="1"/>
           </p:cNvSpPr>
@@ -1419,8 +1252,7 @@
           </a:prstGeom>
         </p:spPr>
         <p:txBody>
-          <a:bodyPr wrap="none" lIns="0" tIns="0" rIns="0" bIns="0"/>
-          <a:lstStyle/>
+          <a:bodyPr bIns="0" lIns="0" rIns="0" tIns="0" wrap="none"/>
           <a:p>
             <a:endParaRPr/>
           </a:p>
@@ -1428,14 +1260,11 @@
       </p:sp>
     </p:spTree>
   </p:cSld>
-  <p:clrMapOvr>
-    <a:masterClrMapping/>
-  </p:clrMapOvr>
 </p:sldLayout>
 </file>
 
 <file path=ppt/slideLayouts/slideLayout22.xml><?xml version="1.0" encoding="utf-8"?>
-<p:sldLayout xmlns:a="http://schemas.openxmlformats.org/drawingml/2006/main" xmlns:r="http://schemas.openxmlformats.org/officeDocument/2006/relationships" xmlns:p="http://schemas.openxmlformats.org/presentationml/2006/main" type="objOverTx" preserve="1">
+<p:sldLayout xmlns:a="http://schemas.openxmlformats.org/drawingml/2006/main" xmlns:p="http://schemas.openxmlformats.org/presentationml/2006/main" xmlns:r="http://schemas.openxmlformats.org/officeDocument/2006/relationships" preserve="1" type="objOverTx">
   <p:cSld name="Title, Content over Content">
     <p:spTree>
       <p:nvGrpSpPr>
@@ -1453,7 +1282,7 @@
       </p:grpSpPr>
       <p:sp>
         <p:nvSpPr>
-          <p:cNvPr id="61" name="PlaceHolder 1"/>
+          <p:cNvPr id="59" name="PlaceHolder 1"/>
           <p:cNvSpPr>
             <a:spLocks noGrp="1"/>
           </p:cNvSpPr>
@@ -1464,23 +1293,22 @@
         <p:spPr>
           <a:xfrm>
             <a:off x="457200" y="92160"/>
-            <a:ext cx="8229240" cy="1508040"/>
-          </a:xfrm>
-          <a:prstGeom prst="rect">
-            <a:avLst/>
-          </a:prstGeom>
-        </p:spPr>
-        <p:txBody>
-          <a:bodyPr wrap="none" lIns="0" tIns="0" rIns="0" bIns="0" anchor="ctr"/>
-          <a:lstStyle/>
-          <a:p>
-            <a:endParaRPr/>
-          </a:p>
-        </p:txBody>
-      </p:sp>
-      <p:sp>
-        <p:nvSpPr>
-          <p:cNvPr id="62" name="PlaceHolder 2"/>
+            <a:ext cx="8228880" cy="1508040"/>
+          </a:xfrm>
+          <a:prstGeom prst="rect">
+            <a:avLst/>
+          </a:prstGeom>
+        </p:spPr>
+        <p:txBody>
+          <a:bodyPr anchor="ctr" bIns="0" lIns="0" rIns="0" tIns="0" wrap="none"/>
+          <a:p>
+            <a:endParaRPr/>
+          </a:p>
+        </p:txBody>
+      </p:sp>
+      <p:sp>
+        <p:nvSpPr>
+          <p:cNvPr id="60" name="PlaceHolder 2"/>
           <p:cNvSpPr>
             <a:spLocks noGrp="1"/>
           </p:cNvSpPr>
@@ -1491,23 +1319,22 @@
         <p:spPr>
           <a:xfrm>
             <a:off x="457200" y="1600200"/>
-            <a:ext cx="8229240" cy="2507400"/>
-          </a:xfrm>
-          <a:prstGeom prst="rect">
-            <a:avLst/>
-          </a:prstGeom>
-        </p:spPr>
-        <p:txBody>
-          <a:bodyPr wrap="none" lIns="0" tIns="0" rIns="0" bIns="0"/>
-          <a:lstStyle/>
-          <a:p>
-            <a:endParaRPr/>
-          </a:p>
-        </p:txBody>
-      </p:sp>
-      <p:sp>
-        <p:nvSpPr>
-          <p:cNvPr id="63" name="PlaceHolder 3"/>
+            <a:ext cx="8228880" cy="2507400"/>
+          </a:xfrm>
+          <a:prstGeom prst="rect">
+            <a:avLst/>
+          </a:prstGeom>
+        </p:spPr>
+        <p:txBody>
+          <a:bodyPr bIns="0" lIns="0" rIns="0" tIns="0" wrap="none"/>
+          <a:p>
+            <a:endParaRPr/>
+          </a:p>
+        </p:txBody>
+      </p:sp>
+      <p:sp>
+        <p:nvSpPr>
+          <p:cNvPr id="61" name="PlaceHolder 3"/>
           <p:cNvSpPr>
             <a:spLocks noGrp="1"/>
           </p:cNvSpPr>
@@ -1518,15 +1345,14 @@
         <p:spPr>
           <a:xfrm>
             <a:off x="457200" y="4345920"/>
-            <a:ext cx="8229240" cy="2507400"/>
-          </a:xfrm>
-          <a:prstGeom prst="rect">
-            <a:avLst/>
-          </a:prstGeom>
-        </p:spPr>
-        <p:txBody>
-          <a:bodyPr wrap="none" lIns="0" tIns="0" rIns="0" bIns="0"/>
-          <a:lstStyle/>
+            <a:ext cx="8228880" cy="2507400"/>
+          </a:xfrm>
+          <a:prstGeom prst="rect">
+            <a:avLst/>
+          </a:prstGeom>
+        </p:spPr>
+        <p:txBody>
+          <a:bodyPr bIns="0" lIns="0" rIns="0" tIns="0" wrap="none"/>
           <a:p>
             <a:endParaRPr/>
           </a:p>
@@ -1534,14 +1360,11 @@
       </p:sp>
     </p:spTree>
   </p:cSld>
-  <p:clrMapOvr>
-    <a:masterClrMapping/>
-  </p:clrMapOvr>
 </p:sldLayout>
 </file>
 
 <file path=ppt/slideLayouts/slideLayout23.xml><?xml version="1.0" encoding="utf-8"?>
-<p:sldLayout xmlns:a="http://schemas.openxmlformats.org/drawingml/2006/main" xmlns:r="http://schemas.openxmlformats.org/officeDocument/2006/relationships" xmlns:p="http://schemas.openxmlformats.org/presentationml/2006/main" type="fourObj" preserve="1">
+<p:sldLayout xmlns:a="http://schemas.openxmlformats.org/drawingml/2006/main" xmlns:p="http://schemas.openxmlformats.org/presentationml/2006/main" xmlns:r="http://schemas.openxmlformats.org/officeDocument/2006/relationships" preserve="1" type="fourObj">
   <p:cSld name="Title, 4 Content">
     <p:spTree>
       <p:nvGrpSpPr>
@@ -1559,7 +1382,7 @@
       </p:grpSpPr>
       <p:sp>
         <p:nvSpPr>
-          <p:cNvPr id="64" name="PlaceHolder 1"/>
+          <p:cNvPr id="62" name="PlaceHolder 1"/>
           <p:cNvSpPr>
             <a:spLocks noGrp="1"/>
           </p:cNvSpPr>
@@ -1570,23 +1393,22 @@
         <p:spPr>
           <a:xfrm>
             <a:off x="457200" y="92160"/>
-            <a:ext cx="8229240" cy="1508040"/>
-          </a:xfrm>
-          <a:prstGeom prst="rect">
-            <a:avLst/>
-          </a:prstGeom>
-        </p:spPr>
-        <p:txBody>
-          <a:bodyPr wrap="none" lIns="0" tIns="0" rIns="0" bIns="0" anchor="ctr"/>
-          <a:lstStyle/>
-          <a:p>
-            <a:endParaRPr/>
-          </a:p>
-        </p:txBody>
-      </p:sp>
-      <p:sp>
-        <p:nvSpPr>
-          <p:cNvPr id="65" name="PlaceHolder 2"/>
+            <a:ext cx="8228880" cy="1508040"/>
+          </a:xfrm>
+          <a:prstGeom prst="rect">
+            <a:avLst/>
+          </a:prstGeom>
+        </p:spPr>
+        <p:txBody>
+          <a:bodyPr anchor="ctr" bIns="0" lIns="0" rIns="0" tIns="0" wrap="none"/>
+          <a:p>
+            <a:endParaRPr/>
+          </a:p>
+        </p:txBody>
+      </p:sp>
+      <p:sp>
+        <p:nvSpPr>
+          <p:cNvPr id="63" name="PlaceHolder 2"/>
           <p:cNvSpPr>
             <a:spLocks noGrp="1"/>
           </p:cNvSpPr>
@@ -1604,16 +1426,15 @@
           </a:prstGeom>
         </p:spPr>
         <p:txBody>
-          <a:bodyPr wrap="none" lIns="0" tIns="0" rIns="0" bIns="0"/>
-          <a:lstStyle/>
-          <a:p>
-            <a:endParaRPr/>
-          </a:p>
-        </p:txBody>
-      </p:sp>
-      <p:sp>
-        <p:nvSpPr>
-          <p:cNvPr id="66" name="PlaceHolder 3"/>
+          <a:bodyPr bIns="0" lIns="0" rIns="0" tIns="0" wrap="none"/>
+          <a:p>
+            <a:endParaRPr/>
+          </a:p>
+        </p:txBody>
+      </p:sp>
+      <p:sp>
+        <p:nvSpPr>
+          <p:cNvPr id="64" name="PlaceHolder 3"/>
           <p:cNvSpPr>
             <a:spLocks noGrp="1"/>
           </p:cNvSpPr>
@@ -1631,16 +1452,15 @@
           </a:prstGeom>
         </p:spPr>
         <p:txBody>
-          <a:bodyPr wrap="none" lIns="0" tIns="0" rIns="0" bIns="0"/>
-          <a:lstStyle/>
-          <a:p>
-            <a:endParaRPr/>
-          </a:p>
-        </p:txBody>
-      </p:sp>
-      <p:sp>
-        <p:nvSpPr>
-          <p:cNvPr id="67" name="PlaceHolder 4"/>
+          <a:bodyPr bIns="0" lIns="0" rIns="0" tIns="0" wrap="none"/>
+          <a:p>
+            <a:endParaRPr/>
+          </a:p>
+        </p:txBody>
+      </p:sp>
+      <p:sp>
+        <p:nvSpPr>
+          <p:cNvPr id="65" name="PlaceHolder 4"/>
           <p:cNvSpPr>
             <a:spLocks noGrp="1"/>
           </p:cNvSpPr>
@@ -1658,16 +1478,15 @@
           </a:prstGeom>
         </p:spPr>
         <p:txBody>
-          <a:bodyPr wrap="none" lIns="0" tIns="0" rIns="0" bIns="0"/>
-          <a:lstStyle/>
-          <a:p>
-            <a:endParaRPr/>
-          </a:p>
-        </p:txBody>
-      </p:sp>
-      <p:sp>
-        <p:nvSpPr>
-          <p:cNvPr id="68" name="PlaceHolder 5"/>
+          <a:bodyPr bIns="0" lIns="0" rIns="0" tIns="0" wrap="none"/>
+          <a:p>
+            <a:endParaRPr/>
+          </a:p>
+        </p:txBody>
+      </p:sp>
+      <p:sp>
+        <p:nvSpPr>
+          <p:cNvPr id="66" name="PlaceHolder 5"/>
           <p:cNvSpPr>
             <a:spLocks noGrp="1"/>
           </p:cNvSpPr>
@@ -1685,8 +1504,7 @@
           </a:prstGeom>
         </p:spPr>
         <p:txBody>
-          <a:bodyPr wrap="none" lIns="0" tIns="0" rIns="0" bIns="0"/>
-          <a:lstStyle/>
+          <a:bodyPr bIns="0" lIns="0" rIns="0" tIns="0" wrap="none"/>
           <a:p>
             <a:endParaRPr/>
           </a:p>
@@ -1694,14 +1512,11 @@
       </p:sp>
     </p:spTree>
   </p:cSld>
-  <p:clrMapOvr>
-    <a:masterClrMapping/>
-  </p:clrMapOvr>
 </p:sldLayout>
 </file>
 
 <file path=ppt/slideLayouts/slideLayout24.xml><?xml version="1.0" encoding="utf-8"?>
-<p:sldLayout xmlns:a="http://schemas.openxmlformats.org/drawingml/2006/main" xmlns:r="http://schemas.openxmlformats.org/officeDocument/2006/relationships" xmlns:p="http://schemas.openxmlformats.org/presentationml/2006/main" type="blank" preserve="1">
+<p:sldLayout xmlns:a="http://schemas.openxmlformats.org/drawingml/2006/main" xmlns:p="http://schemas.openxmlformats.org/presentationml/2006/main" xmlns:r="http://schemas.openxmlformats.org/officeDocument/2006/relationships" preserve="1" type="blank">
   <p:cSld name="Title, 6 Content">
     <p:spTree>
       <p:nvGrpSpPr>
@@ -1719,7 +1534,7 @@
       </p:grpSpPr>
       <p:sp>
         <p:nvSpPr>
-          <p:cNvPr id="69" name="PlaceHolder 1"/>
+          <p:cNvPr id="67" name="PlaceHolder 1"/>
           <p:cNvSpPr>
             <a:spLocks noGrp="1"/>
           </p:cNvSpPr>
@@ -1730,23 +1545,22 @@
         <p:spPr>
           <a:xfrm>
             <a:off x="457200" y="92160"/>
-            <a:ext cx="8229240" cy="1508040"/>
-          </a:xfrm>
-          <a:prstGeom prst="rect">
-            <a:avLst/>
-          </a:prstGeom>
-        </p:spPr>
-        <p:txBody>
-          <a:bodyPr wrap="none" lIns="0" tIns="0" rIns="0" bIns="0" anchor="ctr"/>
-          <a:lstStyle/>
-          <a:p>
-            <a:endParaRPr/>
-          </a:p>
-        </p:txBody>
-      </p:sp>
-      <p:sp>
-        <p:nvSpPr>
-          <p:cNvPr id="70" name="PlaceHolder 2"/>
+            <a:ext cx="8228880" cy="1508040"/>
+          </a:xfrm>
+          <a:prstGeom prst="rect">
+            <a:avLst/>
+          </a:prstGeom>
+        </p:spPr>
+        <p:txBody>
+          <a:bodyPr anchor="ctr" bIns="0" lIns="0" rIns="0" tIns="0" wrap="none"/>
+          <a:p>
+            <a:endParaRPr/>
+          </a:p>
+        </p:txBody>
+      </p:sp>
+      <p:sp>
+        <p:nvSpPr>
+          <p:cNvPr id="68" name="PlaceHolder 2"/>
           <p:cNvSpPr>
             <a:spLocks noGrp="1"/>
           </p:cNvSpPr>
@@ -1764,16 +1578,15 @@
           </a:prstGeom>
         </p:spPr>
         <p:txBody>
-          <a:bodyPr wrap="none" lIns="0" tIns="0" rIns="0" bIns="0"/>
-          <a:lstStyle/>
-          <a:p>
-            <a:endParaRPr/>
-          </a:p>
-        </p:txBody>
-      </p:sp>
-      <p:sp>
-        <p:nvSpPr>
-          <p:cNvPr id="71" name="PlaceHolder 3"/>
+          <a:bodyPr bIns="0" lIns="0" rIns="0" tIns="0" wrap="none"/>
+          <a:p>
+            <a:endParaRPr/>
+          </a:p>
+        </p:txBody>
+      </p:sp>
+      <p:sp>
+        <p:nvSpPr>
+          <p:cNvPr id="69" name="PlaceHolder 3"/>
           <p:cNvSpPr>
             <a:spLocks noGrp="1"/>
           </p:cNvSpPr>
@@ -1791,8 +1604,7 @@
           </a:prstGeom>
         </p:spPr>
         <p:txBody>
-          <a:bodyPr wrap="none" lIns="0" tIns="0" rIns="0" bIns="0"/>
-          <a:lstStyle/>
+          <a:bodyPr bIns="0" lIns="0" rIns="0" tIns="0" wrap="none"/>
           <a:p>
             <a:endParaRPr/>
           </a:p>
@@ -1800,7 +1612,7 @@
       </p:sp>
       <p:pic>
         <p:nvPicPr>
-          <p:cNvPr id="72" name="Picture 71"/>
+          <p:cNvPr descr="" id="70" name=""/>
           <p:cNvPicPr/>
           <p:nvPr/>
         </p:nvPicPr>
@@ -1825,12 +1637,12 @@
       </p:pic>
       <p:pic>
         <p:nvPicPr>
-          <p:cNvPr id="73" name="Picture 72"/>
+          <p:cNvPr descr="" id="71" name=""/>
           <p:cNvPicPr/>
           <p:nvPr/>
         </p:nvPicPr>
         <p:blipFill>
-          <a:blip r:embed="rId2"/>
+          <a:blip r:embed="rId3"/>
           <a:stretch>
             <a:fillRect/>
           </a:stretch>
@@ -1850,14 +1662,11 @@
       </p:pic>
     </p:spTree>
   </p:cSld>
-  <p:clrMapOvr>
-    <a:masterClrMapping/>
-  </p:clrMapOvr>
 </p:sldLayout>
 </file>
 
 <file path=ppt/slideLayouts/slideLayout3.xml><?xml version="1.0" encoding="utf-8"?>
-<p:sldLayout xmlns:a="http://schemas.openxmlformats.org/drawingml/2006/main" xmlns:r="http://schemas.openxmlformats.org/officeDocument/2006/relationships" xmlns:p="http://schemas.openxmlformats.org/presentationml/2006/main" type="obj" preserve="1">
+<p:sldLayout xmlns:a="http://schemas.openxmlformats.org/drawingml/2006/main" xmlns:p="http://schemas.openxmlformats.org/presentationml/2006/main" xmlns:r="http://schemas.openxmlformats.org/officeDocument/2006/relationships" preserve="1" type="obj">
   <p:cSld name="Title, Content">
     <p:spTree>
       <p:nvGrpSpPr>
@@ -1875,7 +1684,7 @@
       </p:grpSpPr>
       <p:sp>
         <p:nvSpPr>
-          <p:cNvPr id="5" name="PlaceHolder 1"/>
+          <p:cNvPr id="4" name="PlaceHolder 1"/>
           <p:cNvSpPr>
             <a:spLocks noGrp="1"/>
           </p:cNvSpPr>
@@ -1886,23 +1695,22 @@
         <p:spPr>
           <a:xfrm>
             <a:off x="457200" y="92160"/>
-            <a:ext cx="8229240" cy="1508040"/>
-          </a:xfrm>
-          <a:prstGeom prst="rect">
-            <a:avLst/>
-          </a:prstGeom>
-        </p:spPr>
-        <p:txBody>
-          <a:bodyPr wrap="none" lIns="0" tIns="0" rIns="0" bIns="0" anchor="ctr"/>
-          <a:lstStyle/>
-          <a:p>
-            <a:endParaRPr/>
-          </a:p>
-        </p:txBody>
-      </p:sp>
-      <p:sp>
-        <p:nvSpPr>
-          <p:cNvPr id="6" name="PlaceHolder 2"/>
+            <a:ext cx="8228880" cy="1508040"/>
+          </a:xfrm>
+          <a:prstGeom prst="rect">
+            <a:avLst/>
+          </a:prstGeom>
+        </p:spPr>
+        <p:txBody>
+          <a:bodyPr anchor="ctr" bIns="0" lIns="0" rIns="0" tIns="0" wrap="none"/>
+          <a:p>
+            <a:endParaRPr/>
+          </a:p>
+        </p:txBody>
+      </p:sp>
+      <p:sp>
+        <p:nvSpPr>
+          <p:cNvPr id="5" name="PlaceHolder 2"/>
           <p:cNvSpPr>
             <a:spLocks noGrp="1"/>
           </p:cNvSpPr>
@@ -1913,15 +1721,14 @@
         <p:spPr>
           <a:xfrm>
             <a:off x="457200" y="1600200"/>
-            <a:ext cx="8229240" cy="5257440"/>
-          </a:xfrm>
-          <a:prstGeom prst="rect">
-            <a:avLst/>
-          </a:prstGeom>
-        </p:spPr>
-        <p:txBody>
-          <a:bodyPr wrap="none" lIns="0" tIns="0" rIns="0" bIns="0"/>
-          <a:lstStyle/>
+            <a:ext cx="8228880" cy="5257080"/>
+          </a:xfrm>
+          <a:prstGeom prst="rect">
+            <a:avLst/>
+          </a:prstGeom>
+        </p:spPr>
+        <p:txBody>
+          <a:bodyPr bIns="0" lIns="0" rIns="0" tIns="0" wrap="none"/>
           <a:p>
             <a:endParaRPr/>
           </a:p>
@@ -1929,14 +1736,11 @@
       </p:sp>
     </p:spTree>
   </p:cSld>
-  <p:clrMapOvr>
-    <a:masterClrMapping/>
-  </p:clrMapOvr>
 </p:sldLayout>
 </file>
 
 <file path=ppt/slideLayouts/slideLayout4.xml><?xml version="1.0" encoding="utf-8"?>
-<p:sldLayout xmlns:a="http://schemas.openxmlformats.org/drawingml/2006/main" xmlns:r="http://schemas.openxmlformats.org/officeDocument/2006/relationships" xmlns:p="http://schemas.openxmlformats.org/presentationml/2006/main" type="twoObj" preserve="1">
+<p:sldLayout xmlns:a="http://schemas.openxmlformats.org/drawingml/2006/main" xmlns:p="http://schemas.openxmlformats.org/presentationml/2006/main" xmlns:r="http://schemas.openxmlformats.org/officeDocument/2006/relationships" preserve="1" type="twoObj">
   <p:cSld name="Title, 2 Content">
     <p:spTree>
       <p:nvGrpSpPr>
@@ -1954,7 +1758,7 @@
       </p:grpSpPr>
       <p:sp>
         <p:nvSpPr>
-          <p:cNvPr id="7" name="PlaceHolder 1"/>
+          <p:cNvPr id="6" name="PlaceHolder 1"/>
           <p:cNvSpPr>
             <a:spLocks noGrp="1"/>
           </p:cNvSpPr>
@@ -1965,23 +1769,22 @@
         <p:spPr>
           <a:xfrm>
             <a:off x="457200" y="92160"/>
-            <a:ext cx="8229240" cy="1508040"/>
-          </a:xfrm>
-          <a:prstGeom prst="rect">
-            <a:avLst/>
-          </a:prstGeom>
-        </p:spPr>
-        <p:txBody>
-          <a:bodyPr wrap="none" lIns="0" tIns="0" rIns="0" bIns="0" anchor="ctr"/>
-          <a:lstStyle/>
-          <a:p>
-            <a:endParaRPr/>
-          </a:p>
-        </p:txBody>
-      </p:sp>
-      <p:sp>
-        <p:nvSpPr>
-          <p:cNvPr id="8" name="PlaceHolder 2"/>
+            <a:ext cx="8228880" cy="1508040"/>
+          </a:xfrm>
+          <a:prstGeom prst="rect">
+            <a:avLst/>
+          </a:prstGeom>
+        </p:spPr>
+        <p:txBody>
+          <a:bodyPr anchor="ctr" bIns="0" lIns="0" rIns="0" tIns="0" wrap="none"/>
+          <a:p>
+            <a:endParaRPr/>
+          </a:p>
+        </p:txBody>
+      </p:sp>
+      <p:sp>
+        <p:nvSpPr>
+          <p:cNvPr id="7" name="PlaceHolder 2"/>
           <p:cNvSpPr>
             <a:spLocks noGrp="1"/>
           </p:cNvSpPr>
@@ -1992,23 +1795,22 @@
         <p:spPr>
           <a:xfrm>
             <a:off x="457200" y="1600200"/>
-            <a:ext cx="4015440" cy="5257440"/>
-          </a:xfrm>
-          <a:prstGeom prst="rect">
-            <a:avLst/>
-          </a:prstGeom>
-        </p:spPr>
-        <p:txBody>
-          <a:bodyPr wrap="none" lIns="0" tIns="0" rIns="0" bIns="0"/>
-          <a:lstStyle/>
-          <a:p>
-            <a:endParaRPr/>
-          </a:p>
-        </p:txBody>
-      </p:sp>
-      <p:sp>
-        <p:nvSpPr>
-          <p:cNvPr id="9" name="PlaceHolder 3"/>
+            <a:ext cx="4015440" cy="5257080"/>
+          </a:xfrm>
+          <a:prstGeom prst="rect">
+            <a:avLst/>
+          </a:prstGeom>
+        </p:spPr>
+        <p:txBody>
+          <a:bodyPr bIns="0" lIns="0" rIns="0" tIns="0" wrap="none"/>
+          <a:p>
+            <a:endParaRPr/>
+          </a:p>
+        </p:txBody>
+      </p:sp>
+      <p:sp>
+        <p:nvSpPr>
+          <p:cNvPr id="8" name="PlaceHolder 3"/>
           <p:cNvSpPr>
             <a:spLocks noGrp="1"/>
           </p:cNvSpPr>
@@ -2019,15 +1821,14 @@
         <p:spPr>
           <a:xfrm>
             <a:off x="4673520" y="1600200"/>
-            <a:ext cx="4015440" cy="5257440"/>
-          </a:xfrm>
-          <a:prstGeom prst="rect">
-            <a:avLst/>
-          </a:prstGeom>
-        </p:spPr>
-        <p:txBody>
-          <a:bodyPr wrap="none" lIns="0" tIns="0" rIns="0" bIns="0"/>
-          <a:lstStyle/>
+            <a:ext cx="4015440" cy="5257080"/>
+          </a:xfrm>
+          <a:prstGeom prst="rect">
+            <a:avLst/>
+          </a:prstGeom>
+        </p:spPr>
+        <p:txBody>
+          <a:bodyPr bIns="0" lIns="0" rIns="0" tIns="0" wrap="none"/>
           <a:p>
             <a:endParaRPr/>
           </a:p>
@@ -2035,14 +1836,11 @@
       </p:sp>
     </p:spTree>
   </p:cSld>
-  <p:clrMapOvr>
-    <a:masterClrMapping/>
-  </p:clrMapOvr>
 </p:sldLayout>
 </file>
 
 <file path=ppt/slideLayouts/slideLayout5.xml><?xml version="1.0" encoding="utf-8"?>
-<p:sldLayout xmlns:a="http://schemas.openxmlformats.org/drawingml/2006/main" xmlns:r="http://schemas.openxmlformats.org/officeDocument/2006/relationships" xmlns:p="http://schemas.openxmlformats.org/presentationml/2006/main" type="titleOnly" preserve="1">
+<p:sldLayout xmlns:a="http://schemas.openxmlformats.org/drawingml/2006/main" xmlns:p="http://schemas.openxmlformats.org/presentationml/2006/main" xmlns:r="http://schemas.openxmlformats.org/officeDocument/2006/relationships" preserve="1" type="titleOnly">
   <p:cSld name="Title Only">
     <p:spTree>
       <p:nvGrpSpPr>
@@ -2060,7 +1858,7 @@
       </p:grpSpPr>
       <p:sp>
         <p:nvSpPr>
-          <p:cNvPr id="10" name="PlaceHolder 1"/>
+          <p:cNvPr id="9" name="PlaceHolder 1"/>
           <p:cNvSpPr>
             <a:spLocks noGrp="1"/>
           </p:cNvSpPr>
@@ -2071,15 +1869,14 @@
         <p:spPr>
           <a:xfrm>
             <a:off x="457200" y="92160"/>
-            <a:ext cx="8229240" cy="1508040"/>
-          </a:xfrm>
-          <a:prstGeom prst="rect">
-            <a:avLst/>
-          </a:prstGeom>
-        </p:spPr>
-        <p:txBody>
-          <a:bodyPr wrap="none" lIns="0" tIns="0" rIns="0" bIns="0" anchor="ctr"/>
-          <a:lstStyle/>
+            <a:ext cx="8228880" cy="1508040"/>
+          </a:xfrm>
+          <a:prstGeom prst="rect">
+            <a:avLst/>
+          </a:prstGeom>
+        </p:spPr>
+        <p:txBody>
+          <a:bodyPr anchor="ctr" bIns="0" lIns="0" rIns="0" tIns="0" wrap="none"/>
           <a:p>
             <a:endParaRPr/>
           </a:p>
@@ -2087,14 +1884,11 @@
       </p:sp>
     </p:spTree>
   </p:cSld>
-  <p:clrMapOvr>
-    <a:masterClrMapping/>
-  </p:clrMapOvr>
 </p:sldLayout>
 </file>
 
 <file path=ppt/slideLayouts/slideLayout6.xml><?xml version="1.0" encoding="utf-8"?>
-<p:sldLayout xmlns:a="http://schemas.openxmlformats.org/drawingml/2006/main" xmlns:r="http://schemas.openxmlformats.org/officeDocument/2006/relationships" xmlns:p="http://schemas.openxmlformats.org/presentationml/2006/main" type="objOnly" preserve="1">
+<p:sldLayout xmlns:a="http://schemas.openxmlformats.org/drawingml/2006/main" xmlns:p="http://schemas.openxmlformats.org/presentationml/2006/main" xmlns:r="http://schemas.openxmlformats.org/officeDocument/2006/relationships" preserve="1" type="objOnly">
   <p:cSld name="Centered Text">
     <p:spTree>
       <p:nvGrpSpPr>
@@ -2112,7 +1906,7 @@
       </p:grpSpPr>
       <p:sp>
         <p:nvSpPr>
-          <p:cNvPr id="11" name="PlaceHolder 1"/>
+          <p:cNvPr id="10" name="PlaceHolder 1"/>
           <p:cNvSpPr>
             <a:spLocks noGrp="1"/>
           </p:cNvSpPr>
@@ -2123,15 +1917,14 @@
         <p:spPr>
           <a:xfrm>
             <a:off x="457200" y="92160"/>
-            <a:ext cx="8229240" cy="6765480"/>
-          </a:xfrm>
-          <a:prstGeom prst="rect">
-            <a:avLst/>
-          </a:prstGeom>
-        </p:spPr>
-        <p:txBody>
-          <a:bodyPr wrap="none" lIns="0" tIns="0" rIns="0" bIns="0" anchor="ctr"/>
-          <a:lstStyle/>
+            <a:ext cx="8228880" cy="6765120"/>
+          </a:xfrm>
+          <a:prstGeom prst="rect">
+            <a:avLst/>
+          </a:prstGeom>
+        </p:spPr>
+        <p:txBody>
+          <a:bodyPr anchor="ctr" bIns="0" lIns="0" rIns="0" tIns="0" wrap="none"/>
           <a:p>
             <a:pPr algn="ctr"/>
             <a:endParaRPr/>
@@ -2140,14 +1933,11 @@
       </p:sp>
     </p:spTree>
   </p:cSld>
-  <p:clrMapOvr>
-    <a:masterClrMapping/>
-  </p:clrMapOvr>
 </p:sldLayout>
 </file>
 
 <file path=ppt/slideLayouts/slideLayout7.xml><?xml version="1.0" encoding="utf-8"?>
-<p:sldLayout xmlns:a="http://schemas.openxmlformats.org/drawingml/2006/main" xmlns:r="http://schemas.openxmlformats.org/officeDocument/2006/relationships" xmlns:p="http://schemas.openxmlformats.org/presentationml/2006/main" type="twoObjAndObj" preserve="1">
+<p:sldLayout xmlns:a="http://schemas.openxmlformats.org/drawingml/2006/main" xmlns:p="http://schemas.openxmlformats.org/presentationml/2006/main" xmlns:r="http://schemas.openxmlformats.org/officeDocument/2006/relationships" preserve="1" type="twoObjAndObj">
   <p:cSld name="Title, 2 Content and Content">
     <p:spTree>
       <p:nvGrpSpPr>
@@ -2165,7 +1955,7 @@
       </p:grpSpPr>
       <p:sp>
         <p:nvSpPr>
-          <p:cNvPr id="12" name="PlaceHolder 1"/>
+          <p:cNvPr id="11" name="PlaceHolder 1"/>
           <p:cNvSpPr>
             <a:spLocks noGrp="1"/>
           </p:cNvSpPr>
@@ -2176,23 +1966,22 @@
         <p:spPr>
           <a:xfrm>
             <a:off x="457200" y="92160"/>
-            <a:ext cx="8229240" cy="1508040"/>
-          </a:xfrm>
-          <a:prstGeom prst="rect">
-            <a:avLst/>
-          </a:prstGeom>
-        </p:spPr>
-        <p:txBody>
-          <a:bodyPr wrap="none" lIns="0" tIns="0" rIns="0" bIns="0" anchor="ctr"/>
-          <a:lstStyle/>
-          <a:p>
-            <a:endParaRPr/>
-          </a:p>
-        </p:txBody>
-      </p:sp>
-      <p:sp>
-        <p:nvSpPr>
-          <p:cNvPr id="13" name="PlaceHolder 2"/>
+            <a:ext cx="8228880" cy="1508040"/>
+          </a:xfrm>
+          <a:prstGeom prst="rect">
+            <a:avLst/>
+          </a:prstGeom>
+        </p:spPr>
+        <p:txBody>
+          <a:bodyPr anchor="ctr" bIns="0" lIns="0" rIns="0" tIns="0" wrap="none"/>
+          <a:p>
+            <a:endParaRPr/>
+          </a:p>
+        </p:txBody>
+      </p:sp>
+      <p:sp>
+        <p:nvSpPr>
+          <p:cNvPr id="12" name="PlaceHolder 2"/>
           <p:cNvSpPr>
             <a:spLocks noGrp="1"/>
           </p:cNvSpPr>
@@ -2210,16 +1999,15 @@
           </a:prstGeom>
         </p:spPr>
         <p:txBody>
-          <a:bodyPr wrap="none" lIns="0" tIns="0" rIns="0" bIns="0"/>
-          <a:lstStyle/>
-          <a:p>
-            <a:endParaRPr/>
-          </a:p>
-        </p:txBody>
-      </p:sp>
-      <p:sp>
-        <p:nvSpPr>
-          <p:cNvPr id="14" name="PlaceHolder 3"/>
+          <a:bodyPr bIns="0" lIns="0" rIns="0" tIns="0" wrap="none"/>
+          <a:p>
+            <a:endParaRPr/>
+          </a:p>
+        </p:txBody>
+      </p:sp>
+      <p:sp>
+        <p:nvSpPr>
+          <p:cNvPr id="13" name="PlaceHolder 3"/>
           <p:cNvSpPr>
             <a:spLocks noGrp="1"/>
           </p:cNvSpPr>
@@ -2237,16 +2025,15 @@
           </a:prstGeom>
         </p:spPr>
         <p:txBody>
-          <a:bodyPr wrap="none" lIns="0" tIns="0" rIns="0" bIns="0"/>
-          <a:lstStyle/>
-          <a:p>
-            <a:endParaRPr/>
-          </a:p>
-        </p:txBody>
-      </p:sp>
-      <p:sp>
-        <p:nvSpPr>
-          <p:cNvPr id="15" name="PlaceHolder 4"/>
+          <a:bodyPr bIns="0" lIns="0" rIns="0" tIns="0" wrap="none"/>
+          <a:p>
+            <a:endParaRPr/>
+          </a:p>
+        </p:txBody>
+      </p:sp>
+      <p:sp>
+        <p:nvSpPr>
+          <p:cNvPr id="14" name="PlaceHolder 4"/>
           <p:cNvSpPr>
             <a:spLocks noGrp="1"/>
           </p:cNvSpPr>
@@ -2257,15 +2044,14 @@
         <p:spPr>
           <a:xfrm>
             <a:off x="4673520" y="1600200"/>
-            <a:ext cx="4015440" cy="5257440"/>
-          </a:xfrm>
-          <a:prstGeom prst="rect">
-            <a:avLst/>
-          </a:prstGeom>
-        </p:spPr>
-        <p:txBody>
-          <a:bodyPr wrap="none" lIns="0" tIns="0" rIns="0" bIns="0"/>
-          <a:lstStyle/>
+            <a:ext cx="4015440" cy="5257080"/>
+          </a:xfrm>
+          <a:prstGeom prst="rect">
+            <a:avLst/>
+          </a:prstGeom>
+        </p:spPr>
+        <p:txBody>
+          <a:bodyPr bIns="0" lIns="0" rIns="0" tIns="0" wrap="none"/>
           <a:p>
             <a:endParaRPr/>
           </a:p>
@@ -2273,14 +2059,11 @@
       </p:sp>
     </p:spTree>
   </p:cSld>
-  <p:clrMapOvr>
-    <a:masterClrMapping/>
-  </p:clrMapOvr>
 </p:sldLayout>
 </file>
 
 <file path=ppt/slideLayouts/slideLayout8.xml><?xml version="1.0" encoding="utf-8"?>
-<p:sldLayout xmlns:a="http://schemas.openxmlformats.org/drawingml/2006/main" xmlns:r="http://schemas.openxmlformats.org/officeDocument/2006/relationships" xmlns:p="http://schemas.openxmlformats.org/presentationml/2006/main" type="objAndTwoObj" preserve="1">
+<p:sldLayout xmlns:a="http://schemas.openxmlformats.org/drawingml/2006/main" xmlns:p="http://schemas.openxmlformats.org/presentationml/2006/main" xmlns:r="http://schemas.openxmlformats.org/officeDocument/2006/relationships" preserve="1" type="objAndTwoObj">
   <p:cSld name="Title Content and 2 Content">
     <p:spTree>
       <p:nvGrpSpPr>
@@ -2298,7 +2081,7 @@
       </p:grpSpPr>
       <p:sp>
         <p:nvSpPr>
-          <p:cNvPr id="16" name="PlaceHolder 1"/>
+          <p:cNvPr id="15" name="PlaceHolder 1"/>
           <p:cNvSpPr>
             <a:spLocks noGrp="1"/>
           </p:cNvSpPr>
@@ -2309,23 +2092,22 @@
         <p:spPr>
           <a:xfrm>
             <a:off x="457200" y="92160"/>
-            <a:ext cx="8229240" cy="1508040"/>
-          </a:xfrm>
-          <a:prstGeom prst="rect">
-            <a:avLst/>
-          </a:prstGeom>
-        </p:spPr>
-        <p:txBody>
-          <a:bodyPr wrap="none" lIns="0" tIns="0" rIns="0" bIns="0" anchor="ctr"/>
-          <a:lstStyle/>
-          <a:p>
-            <a:endParaRPr/>
-          </a:p>
-        </p:txBody>
-      </p:sp>
-      <p:sp>
-        <p:nvSpPr>
-          <p:cNvPr id="17" name="PlaceHolder 2"/>
+            <a:ext cx="8228880" cy="1508040"/>
+          </a:xfrm>
+          <a:prstGeom prst="rect">
+            <a:avLst/>
+          </a:prstGeom>
+        </p:spPr>
+        <p:txBody>
+          <a:bodyPr anchor="ctr" bIns="0" lIns="0" rIns="0" tIns="0" wrap="none"/>
+          <a:p>
+            <a:endParaRPr/>
+          </a:p>
+        </p:txBody>
+      </p:sp>
+      <p:sp>
+        <p:nvSpPr>
+          <p:cNvPr id="16" name="PlaceHolder 2"/>
           <p:cNvSpPr>
             <a:spLocks noGrp="1"/>
           </p:cNvSpPr>
@@ -2336,23 +2118,22 @@
         <p:spPr>
           <a:xfrm>
             <a:off x="457200" y="1600200"/>
-            <a:ext cx="4015440" cy="5257440"/>
-          </a:xfrm>
-          <a:prstGeom prst="rect">
-            <a:avLst/>
-          </a:prstGeom>
-        </p:spPr>
-        <p:txBody>
-          <a:bodyPr wrap="none" lIns="0" tIns="0" rIns="0" bIns="0"/>
-          <a:lstStyle/>
-          <a:p>
-            <a:endParaRPr/>
-          </a:p>
-        </p:txBody>
-      </p:sp>
-      <p:sp>
-        <p:nvSpPr>
-          <p:cNvPr id="18" name="PlaceHolder 3"/>
+            <a:ext cx="4015440" cy="5257080"/>
+          </a:xfrm>
+          <a:prstGeom prst="rect">
+            <a:avLst/>
+          </a:prstGeom>
+        </p:spPr>
+        <p:txBody>
+          <a:bodyPr bIns="0" lIns="0" rIns="0" tIns="0" wrap="none"/>
+          <a:p>
+            <a:endParaRPr/>
+          </a:p>
+        </p:txBody>
+      </p:sp>
+      <p:sp>
+        <p:nvSpPr>
+          <p:cNvPr id="17" name="PlaceHolder 3"/>
           <p:cNvSpPr>
             <a:spLocks noGrp="1"/>
           </p:cNvSpPr>
@@ -2370,16 +2151,15 @@
           </a:prstGeom>
         </p:spPr>
         <p:txBody>
-          <a:bodyPr wrap="none" lIns="0" tIns="0" rIns="0" bIns="0"/>
-          <a:lstStyle/>
-          <a:p>
-            <a:endParaRPr/>
-          </a:p>
-        </p:txBody>
-      </p:sp>
-      <p:sp>
-        <p:nvSpPr>
-          <p:cNvPr id="19" name="PlaceHolder 4"/>
+          <a:bodyPr bIns="0" lIns="0" rIns="0" tIns="0" wrap="none"/>
+          <a:p>
+            <a:endParaRPr/>
+          </a:p>
+        </p:txBody>
+      </p:sp>
+      <p:sp>
+        <p:nvSpPr>
+          <p:cNvPr id="18" name="PlaceHolder 4"/>
           <p:cNvSpPr>
             <a:spLocks noGrp="1"/>
           </p:cNvSpPr>
@@ -2397,8 +2177,7 @@
           </a:prstGeom>
         </p:spPr>
         <p:txBody>
-          <a:bodyPr wrap="none" lIns="0" tIns="0" rIns="0" bIns="0"/>
-          <a:lstStyle/>
+          <a:bodyPr bIns="0" lIns="0" rIns="0" tIns="0" wrap="none"/>
           <a:p>
             <a:endParaRPr/>
           </a:p>
@@ -2406,14 +2185,11 @@
       </p:sp>
     </p:spTree>
   </p:cSld>
-  <p:clrMapOvr>
-    <a:masterClrMapping/>
-  </p:clrMapOvr>
 </p:sldLayout>
 </file>
 
 <file path=ppt/slideLayouts/slideLayout9.xml><?xml version="1.0" encoding="utf-8"?>
-<p:sldLayout xmlns:a="http://schemas.openxmlformats.org/drawingml/2006/main" xmlns:r="http://schemas.openxmlformats.org/officeDocument/2006/relationships" xmlns:p="http://schemas.openxmlformats.org/presentationml/2006/main" type="twoObjOverTx" preserve="1">
+<p:sldLayout xmlns:a="http://schemas.openxmlformats.org/drawingml/2006/main" xmlns:p="http://schemas.openxmlformats.org/presentationml/2006/main" xmlns:r="http://schemas.openxmlformats.org/officeDocument/2006/relationships" preserve="1" type="twoObjOverTx">
   <p:cSld name="Title, 2 Content over Content">
     <p:spTree>
       <p:nvGrpSpPr>
@@ -2431,7 +2207,7 @@
       </p:grpSpPr>
       <p:sp>
         <p:nvSpPr>
-          <p:cNvPr id="20" name="PlaceHolder 1"/>
+          <p:cNvPr id="19" name="PlaceHolder 1"/>
           <p:cNvSpPr>
             <a:spLocks noGrp="1"/>
           </p:cNvSpPr>
@@ -2442,23 +2218,22 @@
         <p:spPr>
           <a:xfrm>
             <a:off x="457200" y="92160"/>
-            <a:ext cx="8229240" cy="1508040"/>
-          </a:xfrm>
-          <a:prstGeom prst="rect">
-            <a:avLst/>
-          </a:prstGeom>
-        </p:spPr>
-        <p:txBody>
-          <a:bodyPr wrap="none" lIns="0" tIns="0" rIns="0" bIns="0" anchor="ctr"/>
-          <a:lstStyle/>
-          <a:p>
-            <a:endParaRPr/>
-          </a:p>
-        </p:txBody>
-      </p:sp>
-      <p:sp>
-        <p:nvSpPr>
-          <p:cNvPr id="21" name="PlaceHolder 2"/>
+            <a:ext cx="8228880" cy="1508040"/>
+          </a:xfrm>
+          <a:prstGeom prst="rect">
+            <a:avLst/>
+          </a:prstGeom>
+        </p:spPr>
+        <p:txBody>
+          <a:bodyPr anchor="ctr" bIns="0" lIns="0" rIns="0" tIns="0" wrap="none"/>
+          <a:p>
+            <a:endParaRPr/>
+          </a:p>
+        </p:txBody>
+      </p:sp>
+      <p:sp>
+        <p:nvSpPr>
+          <p:cNvPr id="20" name="PlaceHolder 2"/>
           <p:cNvSpPr>
             <a:spLocks noGrp="1"/>
           </p:cNvSpPr>
@@ -2476,16 +2251,15 @@
           </a:prstGeom>
         </p:spPr>
         <p:txBody>
-          <a:bodyPr wrap="none" lIns="0" tIns="0" rIns="0" bIns="0"/>
-          <a:lstStyle/>
-          <a:p>
-            <a:endParaRPr/>
-          </a:p>
-        </p:txBody>
-      </p:sp>
-      <p:sp>
-        <p:nvSpPr>
-          <p:cNvPr id="22" name="PlaceHolder 3"/>
+          <a:bodyPr bIns="0" lIns="0" rIns="0" tIns="0" wrap="none"/>
+          <a:p>
+            <a:endParaRPr/>
+          </a:p>
+        </p:txBody>
+      </p:sp>
+      <p:sp>
+        <p:nvSpPr>
+          <p:cNvPr id="21" name="PlaceHolder 3"/>
           <p:cNvSpPr>
             <a:spLocks noGrp="1"/>
           </p:cNvSpPr>
@@ -2503,16 +2277,15 @@
           </a:prstGeom>
         </p:spPr>
         <p:txBody>
-          <a:bodyPr wrap="none" lIns="0" tIns="0" rIns="0" bIns="0"/>
-          <a:lstStyle/>
-          <a:p>
-            <a:endParaRPr/>
-          </a:p>
-        </p:txBody>
-      </p:sp>
-      <p:sp>
-        <p:nvSpPr>
-          <p:cNvPr id="23" name="PlaceHolder 4"/>
+          <a:bodyPr bIns="0" lIns="0" rIns="0" tIns="0" wrap="none"/>
+          <a:p>
+            <a:endParaRPr/>
+          </a:p>
+        </p:txBody>
+      </p:sp>
+      <p:sp>
+        <p:nvSpPr>
+          <p:cNvPr id="22" name="PlaceHolder 4"/>
           <p:cNvSpPr>
             <a:spLocks noGrp="1"/>
           </p:cNvSpPr>
@@ -2530,8 +2303,7 @@
           </a:prstGeom>
         </p:spPr>
         <p:txBody>
-          <a:bodyPr wrap="none" lIns="0" tIns="0" rIns="0" bIns="0"/>
-          <a:lstStyle/>
+          <a:bodyPr bIns="0" lIns="0" rIns="0" tIns="0" wrap="none"/>
           <a:p>
             <a:endParaRPr/>
           </a:p>
@@ -2539,24 +2311,20 @@
       </p:sp>
     </p:spTree>
   </p:cSld>
-  <p:clrMapOvr>
-    <a:masterClrMapping/>
-  </p:clrMapOvr>
 </p:sldLayout>
 </file>
 
 <file path=ppt/slideMasters/slideMaster1.xml><?xml version="1.0" encoding="utf-8"?>
-<p:sldMaster xmlns:a="http://schemas.openxmlformats.org/drawingml/2006/main" xmlns:r="http://schemas.openxmlformats.org/officeDocument/2006/relationships" xmlns:p="http://schemas.openxmlformats.org/presentationml/2006/main">
+<p:sldMaster xmlns:a="http://schemas.openxmlformats.org/drawingml/2006/main" xmlns:p="http://schemas.openxmlformats.org/presentationml/2006/main" xmlns:r="http://schemas.openxmlformats.org/officeDocument/2006/relationships">
   <p:cSld>
     <p:bg>
       <p:bgPr>
         <a:blipFill>
-          <a:blip r:embed="rId14"/>
+          <a:blip r:embed="rId2"/>
           <a:stretch>
             <a:fillRect/>
           </a:stretch>
         </a:blipFill>
-        <a:effectLst/>
       </p:bgPr>
     </p:bg>
     <p:spTree>
@@ -2575,7 +2343,7 @@
       </p:grpSpPr>
       <p:sp>
         <p:nvSpPr>
-          <p:cNvPr id="3" name="PlaceHolder 1"/>
+          <p:cNvPr id="0" name="PlaceHolder 1"/>
           <p:cNvSpPr>
             <a:spLocks noGrp="1"/>
           </p:cNvSpPr>
@@ -2585,36 +2353,27 @@
         </p:nvSpPr>
         <p:spPr>
           <a:xfrm>
-            <a:off x="685800" y="1844640"/>
-            <a:ext cx="7772040" cy="2041200"/>
-          </a:xfrm>
-          <a:prstGeom prst="rect">
-            <a:avLst/>
-          </a:prstGeom>
-        </p:spPr>
-        <p:txBody>
-          <a:bodyPr lIns="45720" tIns="45000" rIns="45720" bIns="45000" anchor="ctr"/>
-          <a:lstStyle/>
-          <a:p>
-            <a:pPr>
-              <a:lnSpc>
-                <a:spcPct val="100000"/>
-              </a:lnSpc>
-            </a:pPr>
-            <a:r>
-              <a:rPr lang="en-US" sz="4400">
-                <a:latin typeface="Calibri"/>
-                <a:ea typeface="Calibri"/>
-              </a:rPr>
-              <a:t>Click to edit the title text formatTitle Text</a:t>
-            </a:r>
-            <a:endParaRPr/>
-          </a:p>
-        </p:txBody>
-      </p:sp>
-      <p:sp>
-        <p:nvSpPr>
-          <p:cNvPr id="4" name="PlaceHolder 2"/>
+            <a:off x="457200" y="92160"/>
+            <a:ext cx="8228880" cy="1507680"/>
+          </a:xfrm>
+          <a:prstGeom prst="rect">
+            <a:avLst/>
+          </a:prstGeom>
+        </p:spPr>
+        <p:txBody>
+          <a:bodyPr anchor="ctr" bIns="0" lIns="0" rIns="0" tIns="0" wrap="none"/>
+          <a:p>
+            <a:r>
+              <a:rPr lang="en-US"/>
+              <a:t>Click to edit the title text format</a:t>
+            </a:r>
+            <a:endParaRPr/>
+          </a:p>
+        </p:txBody>
+      </p:sp>
+      <p:sp>
+        <p:nvSpPr>
+          <p:cNvPr id="1" name="PlaceHolder 2"/>
           <p:cNvSpPr>
             <a:spLocks noGrp="1"/>
           </p:cNvSpPr>
@@ -2624,16 +2383,15 @@
         </p:nvSpPr>
         <p:spPr>
           <a:xfrm>
-            <a:off x="1371600" y="3886200"/>
-            <a:ext cx="6400440" cy="2971440"/>
-          </a:xfrm>
-          <a:prstGeom prst="rect">
-            <a:avLst/>
-          </a:prstGeom>
-        </p:spPr>
-        <p:txBody>
-          <a:bodyPr lIns="45720" tIns="45000" rIns="45720" bIns="45000"/>
-          <a:lstStyle/>
+            <a:off x="457200" y="1600200"/>
+            <a:ext cx="8228880" cy="5257080"/>
+          </a:xfrm>
+          <a:prstGeom prst="rect">
+            <a:avLst/>
+          </a:prstGeom>
+        </p:spPr>
+        <p:txBody>
+          <a:bodyPr bIns="0" lIns="0" rIns="0" tIns="0" wrap="none"/>
           <a:p>
             <a:pPr>
               <a:buSzPct val="25000"/>
@@ -2641,13 +2399,7 @@
               <a:buChar char=""/>
             </a:pPr>
             <a:r>
-              <a:rPr lang="en-US" sz="3200">
-                <a:solidFill>
-                  <a:srgbClr val="888888"/>
-                </a:solidFill>
-                <a:latin typeface="Calibri"/>
-                <a:ea typeface="Calibri"/>
-              </a:rPr>
+              <a:rPr lang="en-US"/>
               <a:t>Click to edit the outline text format</a:t>
             </a:r>
             <a:endParaRPr/>
@@ -2659,13 +2411,7 @@
               <a:buChar char=""/>
             </a:pPr>
             <a:r>
-              <a:rPr lang="en-US" sz="3200">
-                <a:solidFill>
-                  <a:srgbClr val="888888"/>
-                </a:solidFill>
-                <a:latin typeface="Calibri"/>
-                <a:ea typeface="Calibri"/>
-              </a:rPr>
+              <a:rPr lang="en-US"/>
               <a:t>Second Outline Level</a:t>
             </a:r>
             <a:endParaRPr/>
@@ -2677,13 +2423,7 @@
               <a:buChar char=""/>
             </a:pPr>
             <a:r>
-              <a:rPr lang="en-US" sz="3200">
-                <a:solidFill>
-                  <a:srgbClr val="888888"/>
-                </a:solidFill>
-                <a:latin typeface="Calibri"/>
-                <a:ea typeface="Calibri"/>
-              </a:rPr>
+              <a:rPr lang="en-US"/>
               <a:t>Third Outline Level</a:t>
             </a:r>
             <a:endParaRPr/>
@@ -2695,13 +2435,7 @@
               <a:buChar char=""/>
             </a:pPr>
             <a:r>
-              <a:rPr lang="en-US" sz="3200">
-                <a:solidFill>
-                  <a:srgbClr val="888888"/>
-                </a:solidFill>
-                <a:latin typeface="Calibri"/>
-                <a:ea typeface="Calibri"/>
-              </a:rPr>
+              <a:rPr lang="en-US"/>
               <a:t>Fourth Outline Level</a:t>
             </a:r>
             <a:endParaRPr/>
@@ -2713,13 +2447,7 @@
               <a:buChar char=""/>
             </a:pPr>
             <a:r>
-              <a:rPr lang="en-US" sz="3200">
-                <a:solidFill>
-                  <a:srgbClr val="888888"/>
-                </a:solidFill>
-                <a:latin typeface="Calibri"/>
-                <a:ea typeface="Calibri"/>
-              </a:rPr>
+              <a:rPr lang="en-US"/>
               <a:t>Fifth Outline Level</a:t>
             </a:r>
             <a:endParaRPr/>
@@ -2731,168 +2459,56 @@
               <a:buChar char=""/>
             </a:pPr>
             <a:r>
-              <a:rPr lang="en-US" sz="3200">
-                <a:solidFill>
-                  <a:srgbClr val="888888"/>
-                </a:solidFill>
-                <a:latin typeface="Calibri"/>
-                <a:ea typeface="Calibri"/>
-              </a:rPr>
+              <a:rPr lang="en-US"/>
               <a:t>Sixth Outline Level</a:t>
             </a:r>
             <a:endParaRPr/>
           </a:p>
           <a:p>
-            <a:pPr>
-              <a:lnSpc>
-                <a:spcPct val="100000"/>
-              </a:lnSpc>
-            </a:pPr>
-            <a:r>
-              <a:rPr lang="en-US" sz="3200">
-                <a:solidFill>
-                  <a:srgbClr val="888888"/>
-                </a:solidFill>
-                <a:latin typeface="Calibri"/>
-                <a:ea typeface="Calibri"/>
-              </a:rPr>
-              <a:t>Seventh Outline LevelBody Level One</a:t>
-            </a:r>
-            <a:endParaRPr/>
-          </a:p>
-          <a:p>
-            <a:r>
-              <a:rPr lang="en-US" sz="3200">
-                <a:solidFill>
-                  <a:srgbClr val="888888"/>
-                </a:solidFill>
-                <a:latin typeface="Calibri"/>
-                <a:ea typeface="Calibri"/>
-              </a:rPr>
-              <a:t>Body Level Two</a:t>
-            </a:r>
-            <a:endParaRPr/>
-          </a:p>
-          <a:p>
-            <a:r>
-              <a:rPr lang="en-US" sz="3200">
-                <a:solidFill>
-                  <a:srgbClr val="888888"/>
-                </a:solidFill>
-                <a:latin typeface="Calibri"/>
-                <a:ea typeface="Calibri"/>
-              </a:rPr>
-              <a:t>Body Level Three</a:t>
-            </a:r>
-            <a:endParaRPr/>
-          </a:p>
-          <a:p>
-            <a:r>
-              <a:rPr lang="en-US" sz="3200">
-                <a:solidFill>
-                  <a:srgbClr val="888888"/>
-                </a:solidFill>
-                <a:latin typeface="Calibri"/>
-                <a:ea typeface="Calibri"/>
-              </a:rPr>
-              <a:t>Body Level Four</a:t>
-            </a:r>
-            <a:endParaRPr/>
-          </a:p>
-          <a:p>
-            <a:r>
-              <a:rPr lang="en-US" sz="3200">
-                <a:solidFill>
-                  <a:srgbClr val="888888"/>
-                </a:solidFill>
-                <a:latin typeface="Calibri"/>
-                <a:ea typeface="Calibri"/>
-              </a:rPr>
-              <a:t>Body Level Five</a:t>
-            </a:r>
-            <a:endParaRPr/>
-          </a:p>
-        </p:txBody>
-      </p:sp>
-      <p:sp>
-        <p:nvSpPr>
-          <p:cNvPr id="2" name="PlaceHolder 3"/>
-          <p:cNvSpPr>
-            <a:spLocks noGrp="1"/>
-          </p:cNvSpPr>
-          <p:nvPr>
-            <p:ph type="sldNum"/>
-          </p:nvPr>
-        </p:nvSpPr>
-        <p:spPr>
-          <a:xfrm>
-            <a:off x="6553080" y="6404400"/>
-            <a:ext cx="2133360" cy="268920"/>
-          </a:xfrm>
-          <a:prstGeom prst="rect">
-            <a:avLst/>
-          </a:prstGeom>
-        </p:spPr>
-        <p:txBody>
-          <a:bodyPr lIns="45720" tIns="45000" rIns="45720" bIns="45000" anchor="ctr"/>
-          <a:lstStyle/>
-          <a:p>
-            <a:pPr>
-              <a:lnSpc>
-                <a:spcPct val="100000"/>
-              </a:lnSpc>
-            </a:pPr>
-            <a:fld id="{E53D4E61-8A29-468A-AC57-8C23490A27CA}" type="slidenum">
-              <a:rPr lang="en-US" sz="1200">
-                <a:solidFill>
-                  <a:srgbClr val="888888"/>
-                </a:solidFill>
-                <a:latin typeface="Calibri"/>
-                <a:ea typeface="Calibri"/>
-              </a:rPr>
-              <a:t>‹#›</a:t>
-            </a:fld>
+            <a:pPr lvl="6">
+              <a:buSzPct val="25000"/>
+              <a:buFont typeface="StarSymbol"/>
+              <a:buChar char=""/>
+            </a:pPr>
+            <a:r>
+              <a:rPr lang="en-US"/>
+              <a:t>Seventh Outline Level</a:t>
+            </a:r>
             <a:endParaRPr/>
           </a:p>
         </p:txBody>
       </p:sp>
     </p:spTree>
   </p:cSld>
-  <p:clrMap bg1="lt1" tx1="dk1" bg2="lt2" tx2="dk2" accent1="accent1" accent2="accent2" accent3="accent3" accent4="accent4" accent5="accent5" accent6="accent6" hlink="hlink" folHlink="folHlink"/>
+  <p:clrMap accent1="accent1" accent2="accent2" accent3="accent3" accent4="accent4" accent5="accent5" accent6="accent6" bg1="lt1" bg2="lt2" folHlink="folHlink" hlink="hlink" tx1="dk1" tx2="dk2"/>
   <p:sldLayoutIdLst>
-    <p:sldLayoutId id="2147483649" r:id="rId1"/>
-    <p:sldLayoutId id="2147483650" r:id="rId2"/>
-    <p:sldLayoutId id="2147483651" r:id="rId3"/>
-    <p:sldLayoutId id="2147483652" r:id="rId4"/>
-    <p:sldLayoutId id="2147483653" r:id="rId5"/>
-    <p:sldLayoutId id="2147483654" r:id="rId6"/>
-    <p:sldLayoutId id="2147483655" r:id="rId7"/>
-    <p:sldLayoutId id="2147483656" r:id="rId8"/>
-    <p:sldLayoutId id="2147483657" r:id="rId9"/>
-    <p:sldLayoutId id="2147483658" r:id="rId10"/>
-    <p:sldLayoutId id="2147483659" r:id="rId11"/>
-    <p:sldLayoutId id="2147483660" r:id="rId12"/>
+    <p:sldLayoutId id="2147483649" r:id="rId3"/>
+    <p:sldLayoutId id="2147483650" r:id="rId4"/>
+    <p:sldLayoutId id="2147483651" r:id="rId5"/>
+    <p:sldLayoutId id="2147483652" r:id="rId6"/>
+    <p:sldLayoutId id="2147483653" r:id="rId7"/>
+    <p:sldLayoutId id="2147483654" r:id="rId8"/>
+    <p:sldLayoutId id="2147483655" r:id="rId9"/>
+    <p:sldLayoutId id="2147483656" r:id="rId10"/>
+    <p:sldLayoutId id="2147483657" r:id="rId11"/>
+    <p:sldLayoutId id="2147483658" r:id="rId12"/>
+    <p:sldLayoutId id="2147483659" r:id="rId13"/>
+    <p:sldLayoutId id="2147483660" r:id="rId14"/>
   </p:sldLayoutIdLst>
-  <p:txStyles>
-    <p:titleStyle/>
-    <p:bodyStyle/>
-    <p:otherStyle/>
-  </p:txStyles>
 </p:sldMaster>
 </file>
 
 <file path=ppt/slideMasters/slideMaster2.xml><?xml version="1.0" encoding="utf-8"?>
-<p:sldMaster xmlns:a="http://schemas.openxmlformats.org/drawingml/2006/main" xmlns:r="http://schemas.openxmlformats.org/officeDocument/2006/relationships" xmlns:p="http://schemas.openxmlformats.org/presentationml/2006/main">
+<p:sldMaster xmlns:a="http://schemas.openxmlformats.org/drawingml/2006/main" xmlns:p="http://schemas.openxmlformats.org/presentationml/2006/main" xmlns:r="http://schemas.openxmlformats.org/officeDocument/2006/relationships">
   <p:cSld>
     <p:bg>
       <p:bgPr>
         <a:blipFill>
-          <a:blip r:embed="rId14"/>
+          <a:blip r:embed="rId2"/>
           <a:stretch>
             <a:fillRect/>
           </a:stretch>
         </a:blipFill>
-        <a:effectLst/>
       </p:bgPr>
     </p:bg>
     <p:spTree>
@@ -2911,7 +2527,7 @@
       </p:grpSpPr>
       <p:sp>
         <p:nvSpPr>
-          <p:cNvPr id="37" name="PlaceHolder 1"/>
+          <p:cNvPr id="36" name="PlaceHolder 1"/>
           <p:cNvSpPr>
             <a:spLocks noGrp="1"/>
           </p:cNvSpPr>
@@ -2922,35 +2538,26 @@
         <p:spPr>
           <a:xfrm>
             <a:off x="457200" y="92160"/>
-            <a:ext cx="8229240" cy="1507680"/>
-          </a:xfrm>
-          <a:prstGeom prst="rect">
-            <a:avLst/>
-          </a:prstGeom>
-        </p:spPr>
-        <p:txBody>
-          <a:bodyPr lIns="45720" tIns="45000" rIns="45720" bIns="45000" anchor="ctr"/>
-          <a:lstStyle/>
-          <a:p>
-            <a:pPr>
-              <a:lnSpc>
-                <a:spcPct val="100000"/>
-              </a:lnSpc>
-            </a:pPr>
-            <a:r>
-              <a:rPr lang="en-US" sz="4400">
-                <a:latin typeface="Calibri"/>
-                <a:ea typeface="Calibri"/>
-              </a:rPr>
-              <a:t>Click to edit the title text formatTitle Text</a:t>
-            </a:r>
-            <a:endParaRPr/>
-          </a:p>
-        </p:txBody>
-      </p:sp>
-      <p:sp>
-        <p:nvSpPr>
-          <p:cNvPr id="38" name="PlaceHolder 2"/>
+            <a:ext cx="8228880" cy="1507680"/>
+          </a:xfrm>
+          <a:prstGeom prst="rect">
+            <a:avLst/>
+          </a:prstGeom>
+        </p:spPr>
+        <p:txBody>
+          <a:bodyPr anchor="ctr" bIns="0" lIns="0" rIns="0" tIns="0" wrap="none"/>
+          <a:p>
+            <a:r>
+              <a:rPr lang="en-US"/>
+              <a:t>Click to edit the title text format</a:t>
+            </a:r>
+            <a:endParaRPr/>
+          </a:p>
+        </p:txBody>
+      </p:sp>
+      <p:sp>
+        <p:nvSpPr>
+          <p:cNvPr id="37" name="PlaceHolder 2"/>
           <p:cNvSpPr>
             <a:spLocks noGrp="1"/>
           </p:cNvSpPr>
@@ -2961,15 +2568,14 @@
         <p:spPr>
           <a:xfrm>
             <a:off x="457200" y="1600200"/>
-            <a:ext cx="8229240" cy="5257440"/>
-          </a:xfrm>
-          <a:prstGeom prst="rect">
-            <a:avLst/>
-          </a:prstGeom>
-        </p:spPr>
-        <p:txBody>
-          <a:bodyPr lIns="45720" tIns="45000" rIns="45720" bIns="45000"/>
-          <a:lstStyle/>
+            <a:ext cx="8228880" cy="5257080"/>
+          </a:xfrm>
+          <a:prstGeom prst="rect">
+            <a:avLst/>
+          </a:prstGeom>
+        </p:spPr>
+        <p:txBody>
+          <a:bodyPr bIns="0" lIns="0" rIns="0" tIns="0" wrap="none"/>
           <a:p>
             <a:pPr>
               <a:buSzPct val="25000"/>
@@ -2977,10 +2583,7 @@
               <a:buChar char=""/>
             </a:pPr>
             <a:r>
-              <a:rPr lang="en-US" sz="3200">
-                <a:latin typeface="Calibri"/>
-                <a:ea typeface="Calibri"/>
-              </a:rPr>
+              <a:rPr lang="en-US"/>
               <a:t>Click to edit the outline text format</a:t>
             </a:r>
             <a:endParaRPr/>
@@ -2992,10 +2595,7 @@
               <a:buChar char=""/>
             </a:pPr>
             <a:r>
-              <a:rPr lang="en-US" sz="3200">
-                <a:latin typeface="Calibri"/>
-                <a:ea typeface="Calibri"/>
-              </a:rPr>
+              <a:rPr lang="en-US"/>
               <a:t>Second Outline Level</a:t>
             </a:r>
             <a:endParaRPr/>
@@ -3007,10 +2607,7 @@
               <a:buChar char=""/>
             </a:pPr>
             <a:r>
-              <a:rPr lang="en-US" sz="3200">
-                <a:latin typeface="Calibri"/>
-                <a:ea typeface="Calibri"/>
-              </a:rPr>
+              <a:rPr lang="en-US"/>
               <a:t>Third Outline Level</a:t>
             </a:r>
             <a:endParaRPr/>
@@ -3022,10 +2619,7 @@
               <a:buChar char=""/>
             </a:pPr>
             <a:r>
-              <a:rPr lang="en-US" sz="3200">
-                <a:latin typeface="Calibri"/>
-                <a:ea typeface="Calibri"/>
-              </a:rPr>
+              <a:rPr lang="en-US"/>
               <a:t>Fourth Outline Level</a:t>
             </a:r>
             <a:endParaRPr/>
@@ -3037,10 +2631,7 @@
               <a:buChar char=""/>
             </a:pPr>
             <a:r>
-              <a:rPr lang="en-US" sz="3200">
-                <a:latin typeface="Calibri"/>
-                <a:ea typeface="Calibri"/>
-              </a:rPr>
+              <a:rPr lang="en-US"/>
               <a:t>Fifth Outline Level</a:t>
             </a:r>
             <a:endParaRPr/>
@@ -3052,170 +2643,47 @@
               <a:buChar char=""/>
             </a:pPr>
             <a:r>
-              <a:rPr lang="en-US" sz="3200">
-                <a:latin typeface="Calibri"/>
-                <a:ea typeface="Calibri"/>
-              </a:rPr>
+              <a:rPr lang="en-US"/>
               <a:t>Sixth Outline Level</a:t>
             </a:r>
             <a:endParaRPr/>
           </a:p>
           <a:p>
-            <a:pPr>
-              <a:lnSpc>
-                <a:spcPct val="100000"/>
-              </a:lnSpc>
-              <a:buFont typeface="Arial"/>
-              <a:buChar char="•"/>
-            </a:pPr>
-            <a:r>
-              <a:rPr lang="en-US" sz="3200">
-                <a:latin typeface="Calibri"/>
-                <a:ea typeface="Calibri"/>
-              </a:rPr>
-              <a:t>Seventh Outline LevelBody Level One</a:t>
-            </a:r>
-            <a:endParaRPr/>
-          </a:p>
-          <a:p>
-            <a:pPr lvl="1">
-              <a:lnSpc>
-                <a:spcPct val="100000"/>
-              </a:lnSpc>
-              <a:buFont typeface="Arial"/>
-              <a:buChar char="–"/>
-            </a:pPr>
-            <a:r>
-              <a:rPr lang="en-US" sz="3200">
-                <a:latin typeface="Calibri"/>
-                <a:ea typeface="Calibri"/>
-              </a:rPr>
-              <a:t>Body Level Two</a:t>
-            </a:r>
-            <a:endParaRPr/>
-          </a:p>
-          <a:p>
-            <a:pPr lvl="2">
-              <a:lnSpc>
-                <a:spcPct val="100000"/>
-              </a:lnSpc>
-              <a:buFont typeface="Arial"/>
-              <a:buChar char="•"/>
-            </a:pPr>
-            <a:r>
-              <a:rPr lang="en-US" sz="3200">
-                <a:latin typeface="Calibri"/>
-                <a:ea typeface="Calibri"/>
-              </a:rPr>
-              <a:t>Body Level Three</a:t>
-            </a:r>
-            <a:endParaRPr/>
-          </a:p>
-          <a:p>
-            <a:pPr lvl="3">
-              <a:lnSpc>
-                <a:spcPct val="100000"/>
-              </a:lnSpc>
-              <a:buFont typeface="Arial"/>
-              <a:buChar char="–"/>
-            </a:pPr>
-            <a:r>
-              <a:rPr lang="en-US" sz="3200">
-                <a:latin typeface="Calibri"/>
-                <a:ea typeface="Calibri"/>
-              </a:rPr>
-              <a:t>Body Level Four</a:t>
-            </a:r>
-            <a:endParaRPr/>
-          </a:p>
-          <a:p>
-            <a:pPr lvl="4">
-              <a:lnSpc>
-                <a:spcPct val="100000"/>
-              </a:lnSpc>
-              <a:buFont typeface="Arial"/>
-              <a:buChar char="»"/>
-            </a:pPr>
-            <a:r>
-              <a:rPr lang="en-US" sz="3200">
-                <a:latin typeface="Calibri"/>
-                <a:ea typeface="Calibri"/>
-              </a:rPr>
-              <a:t>Body Level Five</a:t>
-            </a:r>
-            <a:endParaRPr/>
-          </a:p>
-        </p:txBody>
-      </p:sp>
-      <p:sp>
-        <p:nvSpPr>
-          <p:cNvPr id="39" name="PlaceHolder 3"/>
-          <p:cNvSpPr>
-            <a:spLocks noGrp="1"/>
-          </p:cNvSpPr>
-          <p:nvPr>
-            <p:ph type="sldNum"/>
-          </p:nvPr>
-        </p:nvSpPr>
-        <p:spPr>
-          <a:xfrm>
-            <a:off x="6553080" y="6404400"/>
-            <a:ext cx="2133360" cy="268920"/>
-          </a:xfrm>
-          <a:prstGeom prst="rect">
-            <a:avLst/>
-          </a:prstGeom>
-        </p:spPr>
-        <p:txBody>
-          <a:bodyPr lIns="45720" tIns="45000" rIns="45720" bIns="45000" anchor="ctr"/>
-          <a:lstStyle/>
-          <a:p>
-            <a:pPr>
-              <a:lnSpc>
-                <a:spcPct val="100000"/>
-              </a:lnSpc>
-            </a:pPr>
-            <a:fld id="{B1589DF1-D938-4256-B3F5-D8F3BA57E106}" type="slidenum">
-              <a:rPr lang="en-US" sz="1200">
-                <a:solidFill>
-                  <a:srgbClr val="888888"/>
-                </a:solidFill>
-                <a:latin typeface="Calibri"/>
-                <a:ea typeface="Calibri"/>
-              </a:rPr>
-              <a:t>‹#›</a:t>
-            </a:fld>
+            <a:pPr lvl="6">
+              <a:buSzPct val="25000"/>
+              <a:buFont typeface="StarSymbol"/>
+              <a:buChar char=""/>
+            </a:pPr>
+            <a:r>
+              <a:rPr lang="en-US"/>
+              <a:t>Seventh Outline Level</a:t>
+            </a:r>
             <a:endParaRPr/>
           </a:p>
         </p:txBody>
       </p:sp>
     </p:spTree>
   </p:cSld>
-  <p:clrMap bg1="lt1" tx1="dk1" bg2="lt2" tx2="dk2" accent1="accent1" accent2="accent2" accent3="accent3" accent4="accent4" accent5="accent5" accent6="accent6" hlink="hlink" folHlink="folHlink"/>
+  <p:clrMap accent1="accent1" accent2="accent2" accent3="accent3" accent4="accent4" accent5="accent5" accent6="accent6" bg1="lt1" bg2="lt2" folHlink="folHlink" hlink="hlink" tx1="dk1" tx2="dk2"/>
   <p:sldLayoutIdLst>
-    <p:sldLayoutId id="2147483662" r:id="rId1"/>
-    <p:sldLayoutId id="2147483663" r:id="rId2"/>
-    <p:sldLayoutId id="2147483664" r:id="rId3"/>
-    <p:sldLayoutId id="2147483665" r:id="rId4"/>
-    <p:sldLayoutId id="2147483666" r:id="rId5"/>
-    <p:sldLayoutId id="2147483667" r:id="rId6"/>
-    <p:sldLayoutId id="2147483668" r:id="rId7"/>
-    <p:sldLayoutId id="2147483669" r:id="rId8"/>
-    <p:sldLayoutId id="2147483670" r:id="rId9"/>
-    <p:sldLayoutId id="2147483671" r:id="rId10"/>
-    <p:sldLayoutId id="2147483672" r:id="rId11"/>
-    <p:sldLayoutId id="2147483673" r:id="rId12"/>
+    <p:sldLayoutId id="2147483662" r:id="rId3"/>
+    <p:sldLayoutId id="2147483663" r:id="rId4"/>
+    <p:sldLayoutId id="2147483664" r:id="rId5"/>
+    <p:sldLayoutId id="2147483665" r:id="rId6"/>
+    <p:sldLayoutId id="2147483666" r:id="rId7"/>
+    <p:sldLayoutId id="2147483667" r:id="rId8"/>
+    <p:sldLayoutId id="2147483668" r:id="rId9"/>
+    <p:sldLayoutId id="2147483669" r:id="rId10"/>
+    <p:sldLayoutId id="2147483670" r:id="rId11"/>
+    <p:sldLayoutId id="2147483671" r:id="rId12"/>
+    <p:sldLayoutId id="2147483672" r:id="rId13"/>
+    <p:sldLayoutId id="2147483673" r:id="rId14"/>
   </p:sldLayoutIdLst>
-  <p:txStyles>
-    <p:titleStyle/>
-    <p:bodyStyle/>
-    <p:otherStyle/>
-  </p:txStyles>
 </p:sldMaster>
 </file>
 
 <file path=ppt/slides/slide1.xml><?xml version="1.0" encoding="utf-8"?>
-<p:sld xmlns:a="http://schemas.openxmlformats.org/drawingml/2006/main" xmlns:r="http://schemas.openxmlformats.org/officeDocument/2006/relationships" xmlns:p="http://schemas.openxmlformats.org/presentationml/2006/main">
+<p:sld xmlns:a="http://schemas.openxmlformats.org/drawingml/2006/main" xmlns:p="http://schemas.openxmlformats.org/presentationml/2006/main" xmlns:r="http://schemas.openxmlformats.org/officeDocument/2006/relationships">
   <p:cSld>
     <p:spTree>
       <p:nvGrpSpPr>
@@ -3233,22 +2701,38 @@
       </p:grpSpPr>
       <p:sp>
         <p:nvSpPr>
-          <p:cNvPr id="74" name="TextShape 1"/>
-          <p:cNvSpPr txBox="1"/>
+          <p:cNvPr id="72" name="CustomShape 1"/>
+          <p:cNvSpPr/>
           <p:nvPr/>
         </p:nvSpPr>
         <p:spPr>
           <a:xfrm>
             <a:off x="0" y="285840"/>
-            <a:ext cx="9143640" cy="3071520"/>
-          </a:xfrm>
-          <a:prstGeom prst="rect">
-            <a:avLst/>
-          </a:prstGeom>
-        </p:spPr>
-        <p:txBody>
-          <a:bodyPr lIns="45720" tIns="45000" rIns="45720" bIns="45000" anchor="ctr"/>
-          <a:lstStyle/>
+            <a:ext cx="9143280" cy="3071160"/>
+          </a:xfrm>
+          <a:prstGeom prst="rect">
+            <a:avLst/>
+          </a:prstGeom>
+          <a:noFill/>
+          <a:ln>
+            <a:noFill/>
+          </a:ln>
+        </p:spPr>
+        <p:txBody>
+          <a:bodyPr anchor="ctr" bIns="45000" lIns="45720" rIns="45720" tIns="45000"/>
+          <a:p>
+            <a:r>
+              <a:rPr b="1" lang="en-US" sz="5400">
+                <a:solidFill>
+                  <a:srgbClr val="ffffff"/>
+                </a:solidFill>
+                <a:latin typeface="Times New Roman"/>
+                <a:ea typeface="Times New Roman"/>
+              </a:rPr>
+              <a:t>Visualizing and Clustering Climate Change</a:t>
+            </a:r>
+            <a:endParaRPr/>
+          </a:p>
           <a:p>
             <a:pPr algn="ctr">
               <a:lnSpc>
@@ -3256,48 +2740,40 @@
               </a:lnSpc>
             </a:pPr>
             <a:r>
-              <a:rPr lang="en-US" sz="5400" b="1" dirty="0">
+              <a:rPr b="1" lang="en-US" sz="4000">
                 <a:solidFill>
-                  <a:srgbClr val="FFFFFF"/>
-                </a:solidFill>
-                <a:latin typeface="Times New Roman"/>
-                <a:ea typeface="Times New Roman"/>
-              </a:rPr>
-              <a:t>Visualizing and Clustering Climate Change
-</a:t>
-            </a:r>
-            <a:r>
-              <a:rPr lang="en-US" sz="4000" b="1" dirty="0">
-                <a:solidFill>
-                  <a:srgbClr val="FFFFFF"/>
+                  <a:srgbClr val="ffffff"/>
                 </a:solidFill>
                 <a:latin typeface="Times New Roman"/>
                 <a:ea typeface="Times New Roman"/>
               </a:rPr>
               <a:t>Milestone 3</a:t>
             </a:r>
-            <a:endParaRPr dirty="0"/>
-          </a:p>
-        </p:txBody>
-      </p:sp>
-      <p:sp>
-        <p:nvSpPr>
-          <p:cNvPr id="75" name="TextShape 2"/>
-          <p:cNvSpPr txBox="1"/>
+            <a:endParaRPr/>
+          </a:p>
+        </p:txBody>
+      </p:sp>
+      <p:sp>
+        <p:nvSpPr>
+          <p:cNvPr id="73" name="CustomShape 2"/>
+          <p:cNvSpPr/>
           <p:nvPr/>
         </p:nvSpPr>
         <p:spPr>
           <a:xfrm>
             <a:off x="1000080" y="3605400"/>
-            <a:ext cx="7357680" cy="1752120"/>
-          </a:xfrm>
-          <a:prstGeom prst="rect">
-            <a:avLst/>
-          </a:prstGeom>
-        </p:spPr>
-        <p:txBody>
-          <a:bodyPr lIns="45720" tIns="45000" rIns="45720" bIns="45000"/>
-          <a:lstStyle/>
+            <a:ext cx="7357320" cy="1751760"/>
+          </a:xfrm>
+          <a:prstGeom prst="rect">
+            <a:avLst/>
+          </a:prstGeom>
+          <a:noFill/>
+          <a:ln>
+            <a:noFill/>
+          </a:ln>
+        </p:spPr>
+        <p:txBody>
+          <a:bodyPr bIns="45000" lIns="45720" rIns="45720" tIns="45000"/>
           <a:p>
             <a:pPr algn="ctr">
               <a:lnSpc>
@@ -3305,26 +2781,16 @@
               </a:lnSpc>
             </a:pPr>
             <a:r>
-              <a:rPr lang="en-US" sz="3420" b="1" dirty="0">
+              <a:rPr b="1" lang="en-US" sz="3420">
                 <a:solidFill>
-                  <a:srgbClr val="FFFFFF"/>
+                  <a:srgbClr val="ffffff"/>
                 </a:solidFill>
                 <a:latin typeface="Times New Roman"/>
                 <a:ea typeface="Times New Roman"/>
               </a:rPr>
-              <a:t>Lei </a:t>
-            </a:r>
-            <a:r>
-              <a:rPr lang="en-US" sz="3420" b="1" dirty="0" err="1">
-                <a:solidFill>
-                  <a:srgbClr val="FFFFFF"/>
-                </a:solidFill>
-                <a:latin typeface="Times New Roman"/>
-                <a:ea typeface="Times New Roman"/>
-              </a:rPr>
-              <a:t>Zhong</a:t>
-            </a:r>
-            <a:endParaRPr dirty="0"/>
+              <a:t>Lei Zhong</a:t>
+            </a:r>
+            <a:endParaRPr/>
           </a:p>
           <a:p>
             <a:pPr algn="ctr">
@@ -3333,16 +2799,16 @@
               </a:lnSpc>
             </a:pPr>
             <a:r>
-              <a:rPr lang="en-US" sz="3420" b="1" dirty="0">
+              <a:rPr b="1" lang="en-US" sz="3420">
                 <a:solidFill>
-                  <a:srgbClr val="FFFFFF"/>
+                  <a:srgbClr val="ffffff"/>
                 </a:solidFill>
                 <a:latin typeface="Times New Roman"/>
                 <a:ea typeface="Times New Roman"/>
               </a:rPr>
               <a:t>Hantian Zhang</a:t>
             </a:r>
-            <a:endParaRPr dirty="0"/>
+            <a:endParaRPr/>
           </a:p>
           <a:p>
             <a:pPr algn="ctr">
@@ -3351,39 +2817,26 @@
               </a:lnSpc>
             </a:pPr>
             <a:r>
-              <a:rPr lang="en-US" sz="3420" b="1" dirty="0" err="1">
+              <a:rPr b="1" lang="en-US" sz="3420">
                 <a:solidFill>
-                  <a:srgbClr val="FFFFFF"/>
+                  <a:srgbClr val="ffffff"/>
                 </a:solidFill>
                 <a:latin typeface="Times New Roman"/>
                 <a:ea typeface="Times New Roman"/>
               </a:rPr>
-              <a:t>Jian</a:t>
-            </a:r>
-            <a:r>
-              <a:rPr lang="en-US" sz="3420" b="1" dirty="0">
-                <a:solidFill>
-                  <a:srgbClr val="FFFFFF"/>
-                </a:solidFill>
-                <a:latin typeface="Times New Roman"/>
-                <a:ea typeface="Times New Roman"/>
-              </a:rPr>
-              <a:t> Zhang</a:t>
-            </a:r>
-            <a:endParaRPr dirty="0"/>
+              <a:t>Jian Zhang</a:t>
+            </a:r>
+            <a:endParaRPr/>
           </a:p>
         </p:txBody>
       </p:sp>
     </p:spTree>
   </p:cSld>
-  <p:clrMapOvr>
-    <a:masterClrMapping/>
-  </p:clrMapOvr>
 </p:sld>
 </file>
 
 <file path=ppt/slides/slide2.xml><?xml version="1.0" encoding="utf-8"?>
-<p:sld xmlns:a="http://schemas.openxmlformats.org/drawingml/2006/main" xmlns:r="http://schemas.openxmlformats.org/officeDocument/2006/relationships" xmlns:p="http://schemas.openxmlformats.org/presentationml/2006/main">
+<p:sld xmlns:a="http://schemas.openxmlformats.org/drawingml/2006/main" xmlns:p="http://schemas.openxmlformats.org/presentationml/2006/main" xmlns:r="http://schemas.openxmlformats.org/officeDocument/2006/relationships">
   <p:cSld>
     <p:spTree>
       <p:nvGrpSpPr>
@@ -3401,22 +2854,25 @@
       </p:grpSpPr>
       <p:sp>
         <p:nvSpPr>
-          <p:cNvPr id="76" name="TextShape 1"/>
-          <p:cNvSpPr txBox="1"/>
+          <p:cNvPr id="74" name="CustomShape 1"/>
+          <p:cNvSpPr/>
           <p:nvPr/>
         </p:nvSpPr>
         <p:spPr>
           <a:xfrm>
             <a:off x="457200" y="274680"/>
-            <a:ext cx="5757480" cy="653760"/>
-          </a:xfrm>
-          <a:prstGeom prst="rect">
-            <a:avLst/>
-          </a:prstGeom>
-        </p:spPr>
-        <p:txBody>
-          <a:bodyPr lIns="45720" tIns="45000" rIns="45720" bIns="45000" anchor="ctr"/>
-          <a:lstStyle/>
+            <a:ext cx="5757120" cy="653400"/>
+          </a:xfrm>
+          <a:prstGeom prst="rect">
+            <a:avLst/>
+          </a:prstGeom>
+          <a:noFill/>
+          <a:ln>
+            <a:noFill/>
+          </a:ln>
+        </p:spPr>
+        <p:txBody>
+          <a:bodyPr anchor="ctr" bIns="45000" lIns="45720" rIns="45720" tIns="45000"/>
           <a:p>
             <a:pPr>
               <a:lnSpc>
@@ -3424,9 +2880,9 @@
               </a:lnSpc>
             </a:pPr>
             <a:r>
-              <a:rPr lang="en-US" sz="3920" b="1">
+              <a:rPr b="1" lang="en-US" sz="3920">
                 <a:solidFill>
-                  <a:srgbClr val="FFFFFF"/>
+                  <a:srgbClr val="ffffff"/>
                 </a:solidFill>
                 <a:latin typeface="Times New Roman"/>
                 <a:ea typeface="Times New Roman"/>
@@ -3439,14 +2895,14 @@
       </p:sp>
       <p:sp>
         <p:nvSpPr>
-          <p:cNvPr id="77" name="CustomShape 2"/>
+          <p:cNvPr id="75" name="CustomShape 2"/>
           <p:cNvSpPr/>
           <p:nvPr/>
         </p:nvSpPr>
         <p:spPr>
           <a:xfrm>
             <a:off x="429120" y="1920240"/>
-            <a:ext cx="8214840" cy="5145480"/>
+            <a:ext cx="8214480" cy="5145120"/>
           </a:xfrm>
           <a:prstGeom prst="rect">
             <a:avLst/>
@@ -3457,10 +2913,9 @@
           </a:ln>
         </p:spPr>
         <p:txBody>
-          <a:bodyPr lIns="45720" rIns="45720"/>
-          <a:lstStyle/>
-          <a:p>
-            <a:pPr marL="342900" indent="-342900">
+          <a:bodyPr bIns="45000" lIns="45720" rIns="45720" tIns="45000"/>
+          <a:p>
+            <a:pPr>
               <a:lnSpc>
                 <a:spcPct val="100000"/>
               </a:lnSpc>
@@ -3468,19 +2923,19 @@
               <a:buChar char="•"/>
             </a:pPr>
             <a:r>
-              <a:rPr lang="en-US" sz="2400" b="1" dirty="0">
+              <a:rPr b="1" lang="en-US" sz="2400">
                 <a:solidFill>
-                  <a:srgbClr val="FFFFFF"/>
+                  <a:srgbClr val="ffffff"/>
                 </a:solidFill>
                 <a:latin typeface="Times New Roman"/>
                 <a:ea typeface="Calibri"/>
               </a:rPr>
               <a:t>All the data separated by years.</a:t>
             </a:r>
-            <a:endParaRPr dirty="0"/>
-          </a:p>
-          <a:p>
-            <a:pPr marL="342900" indent="-342900">
+            <a:endParaRPr/>
+          </a:p>
+          <a:p>
+            <a:pPr>
               <a:lnSpc>
                 <a:spcPct val="100000"/>
               </a:lnSpc>
@@ -3488,20 +2943,19 @@
               <a:buChar char="•"/>
             </a:pPr>
             <a:r>
-              <a:rPr lang="en-US" sz="2400" b="1" dirty="0">
+              <a:rPr b="1" lang="en-US" sz="2400">
                 <a:solidFill>
-                  <a:srgbClr val="FFFFFF"/>
+                  <a:srgbClr val="ffffff"/>
                 </a:solidFill>
                 <a:latin typeface="Times New Roman"/>
                 <a:ea typeface="Calibri"/>
               </a:rPr>
-              <a:t>a table consists of rows and column. 
-Rows are sorted by station id, date, code and number. </a:t>
-            </a:r>
-            <a:endParaRPr dirty="0"/>
-          </a:p>
-          <a:p>
-            <a:pPr marL="342900" indent="-342900">
+              <a:t>a table consists of rows and column. </a:t>
+            </a:r>
+            <a:endParaRPr/>
+          </a:p>
+          <a:p>
+            <a:pPr>
               <a:lnSpc>
                 <a:spcPct val="100000"/>
               </a:lnSpc>
@@ -3509,59 +2963,19 @@
               <a:buChar char="•"/>
             </a:pPr>
             <a:r>
-              <a:rPr lang="en-US" sz="2400" b="1" dirty="0">
+              <a:rPr b="1" lang="en-US" sz="2400">
                 <a:solidFill>
-                  <a:srgbClr val="FFFFFF"/>
+                  <a:srgbClr val="ffffff"/>
                 </a:solidFill>
                 <a:latin typeface="Times New Roman"/>
                 <a:ea typeface="Calibri"/>
               </a:rPr>
-              <a:t>We use </a:t>
-            </a:r>
-            <a:r>
-              <a:rPr lang="en-US" sz="2400" b="1" dirty="0" err="1">
-                <a:solidFill>
-                  <a:srgbClr val="FFFFFF"/>
-                </a:solidFill>
-                <a:latin typeface="Times New Roman"/>
-                <a:ea typeface="Calibri"/>
-              </a:rPr>
-              <a:t>Hadoop</a:t>
-            </a:r>
-            <a:r>
-              <a:rPr lang="en-US" sz="2400" b="1" dirty="0">
-                <a:solidFill>
-                  <a:srgbClr val="FFFFFF"/>
-                </a:solidFill>
-                <a:latin typeface="Times New Roman"/>
-                <a:ea typeface="Calibri"/>
-              </a:rPr>
-              <a:t> </a:t>
-            </a:r>
-            <a:r>
-              <a:rPr lang="en-US" sz="2400" b="1" dirty="0" err="1">
-                <a:solidFill>
-                  <a:srgbClr val="FFFFFF"/>
-                </a:solidFill>
-                <a:latin typeface="Times New Roman"/>
-                <a:ea typeface="Calibri"/>
-              </a:rPr>
-              <a:t>MapReduce</a:t>
-            </a:r>
-            <a:r>
-              <a:rPr lang="en-US" sz="2400" b="1" dirty="0">
-                <a:solidFill>
-                  <a:srgbClr val="FFFFFF"/>
-                </a:solidFill>
-                <a:latin typeface="Times New Roman"/>
-                <a:ea typeface="Calibri"/>
-              </a:rPr>
-              <a:t> to do our tasks. </a:t>
-            </a:r>
-            <a:endParaRPr dirty="0"/>
-          </a:p>
-          <a:p>
-            <a:pPr marL="342900" indent="-342900">
+              <a:t>Rows are sorted by station id, date, code and number. </a:t>
+            </a:r>
+            <a:endParaRPr/>
+          </a:p>
+          <a:p>
+            <a:pPr>
               <a:lnSpc>
                 <a:spcPct val="100000"/>
               </a:lnSpc>
@@ -3569,19 +2983,39 @@
               <a:buChar char="•"/>
             </a:pPr>
             <a:r>
-              <a:rPr lang="en-US" sz="2400" b="1" dirty="0">
+              <a:rPr b="1" lang="en-US" sz="2400">
                 <a:solidFill>
-                  <a:srgbClr val="FFFFFF"/>
+                  <a:srgbClr val="ffffff"/>
+                </a:solidFill>
+                <a:latin typeface="Times New Roman"/>
+                <a:ea typeface="Calibri"/>
+              </a:rPr>
+              <a:t>We use Hadoop MapReduce to do our tasks. </a:t>
+            </a:r>
+            <a:endParaRPr/>
+          </a:p>
+          <a:p>
+            <a:pPr>
+              <a:lnSpc>
+                <a:spcPct val="100000"/>
+              </a:lnSpc>
+              <a:buFont typeface="Arial"/>
+              <a:buChar char="•"/>
+            </a:pPr>
+            <a:r>
+              <a:rPr b="1" lang="en-US" sz="2400">
+                <a:solidFill>
+                  <a:srgbClr val="ffffff"/>
                 </a:solidFill>
                 <a:latin typeface="Times New Roman"/>
                 <a:ea typeface="Calibri"/>
               </a:rPr>
               <a:t>We use multiple keys: station id, year, month. </a:t>
             </a:r>
-            <a:endParaRPr dirty="0"/>
-          </a:p>
-          <a:p>
-            <a:pPr marL="342900" indent="-342900">
+            <a:endParaRPr/>
+          </a:p>
+          <a:p>
+            <a:pPr>
               <a:lnSpc>
                 <a:spcPct val="100000"/>
               </a:lnSpc>
@@ -3589,79 +3023,19 @@
               <a:buChar char="•"/>
             </a:pPr>
             <a:r>
-              <a:rPr lang="en-US" sz="2400" b="1" dirty="0">
+              <a:rPr b="1" lang="en-US" sz="2400">
                 <a:solidFill>
-                  <a:srgbClr val="FFFFFF"/>
+                  <a:srgbClr val="ffffff"/>
                 </a:solidFill>
                 <a:latin typeface="Times New Roman"/>
                 <a:ea typeface="Calibri"/>
               </a:rPr>
-              <a:t>Our programming model is  </a:t>
-            </a:r>
-            <a:r>
-              <a:rPr lang="en-US" sz="2400" b="1" dirty="0" err="1">
-                <a:solidFill>
-                  <a:srgbClr val="FFFFFF"/>
-                </a:solidFill>
-                <a:latin typeface="Times New Roman"/>
-                <a:ea typeface="Calibri"/>
-              </a:rPr>
-              <a:t>Hadoop</a:t>
-            </a:r>
-            <a:r>
-              <a:rPr lang="en-US" sz="2400" b="1" dirty="0">
-                <a:solidFill>
-                  <a:srgbClr val="FFFFFF"/>
-                </a:solidFill>
-                <a:latin typeface="Times New Roman"/>
-                <a:ea typeface="Calibri"/>
-              </a:rPr>
-              <a:t> </a:t>
-            </a:r>
-            <a:r>
-              <a:rPr lang="en-US" sz="2400" b="1" dirty="0" err="1">
-                <a:solidFill>
-                  <a:srgbClr val="FFFFFF"/>
-                </a:solidFill>
-                <a:latin typeface="Times New Roman"/>
-                <a:ea typeface="Calibri"/>
-              </a:rPr>
-              <a:t>MapReduce</a:t>
-            </a:r>
-            <a:r>
-              <a:rPr lang="en-US" sz="2400" b="1" dirty="0">
-                <a:solidFill>
-                  <a:srgbClr val="FFFFFF"/>
-                </a:solidFill>
-                <a:latin typeface="Times New Roman"/>
-                <a:ea typeface="Calibri"/>
-              </a:rPr>
-              <a:t> and </a:t>
-            </a:r>
-            <a:r>
-              <a:rPr lang="en-US" sz="2400" b="1" dirty="0" err="1">
-                <a:solidFill>
-                  <a:srgbClr val="FFFFFF"/>
-                </a:solidFill>
-                <a:latin typeface="Times New Roman"/>
-                <a:ea typeface="Calibri"/>
-              </a:rPr>
-              <a:t>Hadoop</a:t>
-            </a:r>
-            <a:r>
-              <a:rPr lang="en-US" sz="2400" b="1" dirty="0">
-                <a:solidFill>
-                  <a:srgbClr val="FFFFFF"/>
-                </a:solidFill>
-                <a:latin typeface="Times New Roman"/>
-                <a:ea typeface="Calibri"/>
-              </a:rPr>
-              <a:t> HDFS.</a:t>
-            </a:r>
-            <a:endParaRPr dirty="0"/>
-          </a:p>
-          <a:p>
-            <a:pPr marL="342900" indent="-342900">
+              <a:t>Our programming model is  Hadoop MapReduce and Hadoop HDFS.</a:t>
+            </a:r>
+            <a:endParaRPr/>
+          </a:p>
+          <a:p>
+            <a:pPr>
               <a:lnSpc>
                 <a:spcPct val="100000"/>
               </a:lnSpc>
@@ -3669,60 +3043,37 @@
               <a:buChar char="•"/>
             </a:pPr>
             <a:r>
-              <a:rPr lang="en-US" sz="2400" b="1" dirty="0">
+              <a:rPr b="1" lang="en-US" sz="2400">
                 <a:solidFill>
-                  <a:srgbClr val="FFFFFF"/>
+                  <a:srgbClr val="ffffff"/>
                 </a:solidFill>
                 <a:latin typeface="Times New Roman"/>
                 <a:ea typeface="Calibri"/>
               </a:rPr>
-              <a:t>We use </a:t>
-            </a:r>
-            <a:r>
-              <a:rPr lang="en-US" sz="2400" b="1" dirty="0" err="1">
-                <a:solidFill>
-                  <a:srgbClr val="FFFFFF"/>
-                </a:solidFill>
-                <a:latin typeface="Times New Roman"/>
-                <a:ea typeface="Calibri"/>
-              </a:rPr>
-              <a:t>boto's</a:t>
-            </a:r>
-            <a:r>
-              <a:rPr lang="en-US" sz="2400" b="1" dirty="0">
-                <a:solidFill>
-                  <a:srgbClr val="FFFFFF"/>
-                </a:solidFill>
-                <a:latin typeface="Times New Roman"/>
-                <a:ea typeface="Calibri"/>
-              </a:rPr>
-              <a:t> interface to upload the 300 years data to the S3 system and each intermediate results would all be stored in S3.</a:t>
-            </a:r>
-            <a:endParaRPr dirty="0"/>
+              <a:t>We use boto's interface to upload the 300 years data to the S3 system and each intermediate results would all be stored in S3.</a:t>
+            </a:r>
+            <a:endParaRPr/>
           </a:p>
         </p:txBody>
       </p:sp>
     </p:spTree>
   </p:cSld>
-  <p:clrMapOvr>
-    <a:masterClrMapping/>
-  </p:clrMapOvr>
   <p:timing>
     <p:tnLst>
       <p:par>
-        <p:cTn xmlns:p14="http://schemas.microsoft.com/office/powerpoint/2010/main" id="1" dur="indefinite" restart="never" nodeType="tmRoot">
+        <p:cTn dur="indefinite" id="1" nodeType="tmRoot" restart="never">
           <p:childTnLst>
             <p:seq>
               <p:cTn id="2" nodeType="mainSeq"/>
               <p:prevCondLst>
-                <p:cond evt="onPrev" delay="0">
+                <p:cond delay="0" evt="onPrev">
                   <p:tgtEl>
                     <p:sldTgt/>
                   </p:tgtEl>
                 </p:cond>
               </p:prevCondLst>
               <p:nextCondLst>
-                <p:cond evt="onNext" delay="0">
+                <p:cond delay="0" evt="onNext">
                   <p:tgtEl>
                     <p:sldTgt/>
                   </p:tgtEl>
@@ -3738,7 +3089,7 @@
 </file>
 
 <file path=ppt/slides/slide3.xml><?xml version="1.0" encoding="utf-8"?>
-<p:sld xmlns:a="http://schemas.openxmlformats.org/drawingml/2006/main" xmlns:r="http://schemas.openxmlformats.org/officeDocument/2006/relationships" xmlns:p="http://schemas.openxmlformats.org/presentationml/2006/main">
+<p:sld xmlns:a="http://schemas.openxmlformats.org/drawingml/2006/main" xmlns:p="http://schemas.openxmlformats.org/presentationml/2006/main" xmlns:r="http://schemas.openxmlformats.org/officeDocument/2006/relationships">
   <p:cSld>
     <p:spTree>
       <p:nvGrpSpPr>
@@ -3756,21 +3107,21 @@
       </p:grpSpPr>
       <p:pic>
         <p:nvPicPr>
-          <p:cNvPr id="78" name="Content Placeholder 3"/>
+          <p:cNvPr descr="" id="76" name="Content Placeholder 3"/>
           <p:cNvPicPr/>
           <p:nvPr/>
         </p:nvPicPr>
         <p:blipFill>
-          <a:blip r:embed="rId2"/>
-          <a:srcRect t="-12720" b="-12720"/>
+          <a:blip r:embed="rId1"/>
+          <a:srcRect b="-12714" l="0" r="0" t="-12714"/>
           <a:stretch>
             <a:fillRect/>
           </a:stretch>
         </p:blipFill>
         <p:spPr>
           <a:xfrm>
-            <a:off x="457200" y="390172"/>
-            <a:ext cx="8229240" cy="5257440"/>
+            <a:off x="457200" y="390240"/>
+            <a:ext cx="8228880" cy="5257080"/>
           </a:xfrm>
           <a:prstGeom prst="rect">
             <a:avLst/>
@@ -3782,22 +3133,25 @@
       </p:pic>
       <p:sp>
         <p:nvSpPr>
-          <p:cNvPr id="79" name="TextShape 1"/>
-          <p:cNvSpPr txBox="1"/>
+          <p:cNvPr id="77" name="CustomShape 1"/>
+          <p:cNvSpPr/>
           <p:nvPr/>
         </p:nvSpPr>
         <p:spPr>
           <a:xfrm>
             <a:off x="457200" y="274680"/>
-            <a:ext cx="5757480" cy="653760"/>
-          </a:xfrm>
-          <a:prstGeom prst="rect">
-            <a:avLst/>
-          </a:prstGeom>
-        </p:spPr>
-        <p:txBody>
-          <a:bodyPr lIns="45720" tIns="45000" rIns="45720" bIns="45000" anchor="ctr"/>
-          <a:lstStyle/>
+            <a:ext cx="5757120" cy="653400"/>
+          </a:xfrm>
+          <a:prstGeom prst="rect">
+            <a:avLst/>
+          </a:prstGeom>
+          <a:noFill/>
+          <a:ln>
+            <a:noFill/>
+          </a:ln>
+        </p:spPr>
+        <p:txBody>
+          <a:bodyPr anchor="ctr" bIns="45000" lIns="45720" rIns="45720" tIns="45000"/>
           <a:p>
             <a:pPr>
               <a:lnSpc>
@@ -3807,27 +3161,27 @@
             <a:r>
               <a:rPr lang="en-US" sz="3500">
                 <a:solidFill>
-                  <a:srgbClr val="FFFFFF"/>
+                  <a:srgbClr val="ffffff"/>
                 </a:solidFill>
                 <a:latin typeface="Times New Roman"/>
                 <a:ea typeface="Times New Roman"/>
               </a:rPr>
-              <a:t>System Atchitecture</a:t>
-            </a:r>
-            <a:endParaRPr/>
-          </a:p>
-        </p:txBody>
-      </p:sp>
-      <p:sp>
-        <p:nvSpPr>
-          <p:cNvPr id="4" name="CustomShape 2"/>
+              <a:t>System Architecture</a:t>
+            </a:r>
+            <a:endParaRPr/>
+          </a:p>
+        </p:txBody>
+      </p:sp>
+      <p:sp>
+        <p:nvSpPr>
+          <p:cNvPr id="78" name="CustomShape 2"/>
           <p:cNvSpPr/>
           <p:nvPr/>
         </p:nvSpPr>
         <p:spPr>
           <a:xfrm>
-            <a:off x="428759" y="5145480"/>
-            <a:ext cx="8461897" cy="1554840"/>
+            <a:off x="428760" y="5145480"/>
+            <a:ext cx="8461440" cy="1554480"/>
           </a:xfrm>
           <a:prstGeom prst="rect">
             <a:avLst/>
@@ -3838,8 +3192,7 @@
           </a:ln>
         </p:spPr>
         <p:txBody>
-          <a:bodyPr lIns="45720" rIns="45720"/>
-          <a:lstStyle/>
+          <a:bodyPr bIns="45000" lIns="45720" rIns="45720" tIns="45000"/>
           <a:p>
             <a:pPr>
               <a:lnSpc>
@@ -3847,99 +3200,19 @@
               </a:lnSpc>
             </a:pPr>
             <a:r>
-              <a:rPr lang="en-US" altLang="zh-CN" sz="2400" b="1" dirty="0" smtClean="0">
+              <a:rPr b="1" lang="en-US" sz="2400">
                 <a:solidFill>
-                  <a:srgbClr val="FFFFFF"/>
+                  <a:srgbClr val="ffffff"/>
                 </a:solidFill>
                 <a:latin typeface="Times New Roman"/>
                 <a:ea typeface="Calibri"/>
               </a:rPr>
-              <a:t>Updates</a:t>
-            </a:r>
-            <a:r>
-              <a:rPr lang="zh-CN" altLang="en-US" sz="2400" b="1" dirty="0" smtClean="0">
-                <a:solidFill>
-                  <a:srgbClr val="FFFFFF"/>
-                </a:solidFill>
-                <a:latin typeface="Times New Roman"/>
-                <a:ea typeface="Calibri"/>
-              </a:rPr>
-              <a:t> </a:t>
-            </a:r>
-            <a:r>
-              <a:rPr lang="en-US" altLang="zh-CN" sz="2400" b="1" dirty="0" smtClean="0">
-                <a:solidFill>
-                  <a:srgbClr val="FFFFFF"/>
-                </a:solidFill>
-                <a:latin typeface="Times New Roman"/>
-                <a:ea typeface="Calibri"/>
-              </a:rPr>
-              <a:t>to</a:t>
-            </a:r>
-            <a:r>
-              <a:rPr lang="zh-CN" altLang="en-US" sz="2400" b="1" dirty="0" smtClean="0">
-                <a:solidFill>
-                  <a:srgbClr val="FFFFFF"/>
-                </a:solidFill>
-                <a:latin typeface="Times New Roman"/>
-                <a:ea typeface="Calibri"/>
-              </a:rPr>
-              <a:t> </a:t>
-            </a:r>
-            <a:r>
-              <a:rPr lang="en-US" altLang="zh-CN" sz="2400" b="1" dirty="0" smtClean="0">
-                <a:solidFill>
-                  <a:srgbClr val="FFFFFF"/>
-                </a:solidFill>
-                <a:latin typeface="Times New Roman"/>
-                <a:ea typeface="Calibri"/>
-              </a:rPr>
-              <a:t>the</a:t>
-            </a:r>
-            <a:r>
-              <a:rPr lang="zh-CN" altLang="en-US" sz="2400" b="1" dirty="0" smtClean="0">
-                <a:solidFill>
-                  <a:srgbClr val="FFFFFF"/>
-                </a:solidFill>
-                <a:latin typeface="Times New Roman"/>
-                <a:ea typeface="Calibri"/>
-              </a:rPr>
-              <a:t> </a:t>
-            </a:r>
-            <a:r>
-              <a:rPr lang="en-US" altLang="zh-CN" sz="2400" b="1" dirty="0" smtClean="0">
-                <a:solidFill>
-                  <a:srgbClr val="FFFFFF"/>
-                </a:solidFill>
-                <a:latin typeface="Times New Roman"/>
-                <a:ea typeface="Calibri"/>
-              </a:rPr>
-              <a:t>previous</a:t>
-            </a:r>
-            <a:r>
-              <a:rPr lang="zh-CN" altLang="en-US" sz="2400" b="1" dirty="0" smtClean="0">
-                <a:solidFill>
-                  <a:srgbClr val="FFFFFF"/>
-                </a:solidFill>
-                <a:latin typeface="Times New Roman"/>
-                <a:ea typeface="Calibri"/>
-              </a:rPr>
-              <a:t> </a:t>
-            </a:r>
-            <a:r>
-              <a:rPr lang="en-US" altLang="zh-CN" sz="2400" b="1" dirty="0" smtClean="0">
-                <a:solidFill>
-                  <a:srgbClr val="FFFFFF"/>
-                </a:solidFill>
-                <a:latin typeface="Times New Roman"/>
-                <a:ea typeface="Calibri"/>
-              </a:rPr>
-              <a:t>milestone:</a:t>
-            </a:r>
-            <a:endParaRPr dirty="0"/>
-          </a:p>
-          <a:p>
-            <a:pPr marL="342900" indent="-342900">
+              <a:t>Updates to the previous milestone:</a:t>
+            </a:r>
+            <a:endParaRPr/>
+          </a:p>
+          <a:p>
+            <a:pPr>
               <a:lnSpc>
                 <a:spcPct val="100000"/>
               </a:lnSpc>
@@ -3947,199 +3220,19 @@
               <a:buChar char="•"/>
             </a:pPr>
             <a:r>
-              <a:rPr lang="en-US" sz="2400" b="1" dirty="0" smtClean="0">
+              <a:rPr b="1" lang="en-US" sz="2400">
                 <a:solidFill>
-                  <a:srgbClr val="FFFFFF"/>
+                  <a:srgbClr val="ffffff"/>
                 </a:solidFill>
                 <a:latin typeface="Times New Roman"/>
                 <a:ea typeface="Calibri"/>
               </a:rPr>
-              <a:t>Uses</a:t>
-            </a:r>
-            <a:r>
-              <a:rPr lang="zh-CN" altLang="en-US" sz="2400" b="1" dirty="0" smtClean="0">
-                <a:solidFill>
-                  <a:srgbClr val="FFFFFF"/>
-                </a:solidFill>
-                <a:latin typeface="Times New Roman"/>
-                <a:ea typeface="Calibri"/>
-              </a:rPr>
-              <a:t> </a:t>
-            </a:r>
-            <a:r>
-              <a:rPr lang="en-US" altLang="zh-CN" sz="2400" b="1" dirty="0" smtClean="0">
-                <a:solidFill>
-                  <a:srgbClr val="FFFFFF"/>
-                </a:solidFill>
-                <a:latin typeface="Times New Roman"/>
-                <a:ea typeface="Calibri"/>
-              </a:rPr>
-              <a:t>Amazon</a:t>
-            </a:r>
-            <a:r>
-              <a:rPr lang="zh-CN" altLang="en-US" sz="2400" b="1" dirty="0" smtClean="0">
-                <a:solidFill>
-                  <a:srgbClr val="FFFFFF"/>
-                </a:solidFill>
-                <a:latin typeface="Times New Roman"/>
-                <a:ea typeface="Calibri"/>
-              </a:rPr>
-              <a:t> </a:t>
-            </a:r>
-            <a:r>
-              <a:rPr lang="en-US" altLang="zh-CN" sz="2400" b="1" dirty="0" smtClean="0">
-                <a:solidFill>
-                  <a:srgbClr val="FFFFFF"/>
-                </a:solidFill>
-                <a:latin typeface="Times New Roman"/>
-                <a:ea typeface="Calibri"/>
-              </a:rPr>
-              <a:t>EMR</a:t>
-            </a:r>
-            <a:r>
-              <a:rPr lang="zh-CN" altLang="en-US" sz="2400" b="1" dirty="0" smtClean="0">
-                <a:solidFill>
-                  <a:srgbClr val="FFFFFF"/>
-                </a:solidFill>
-                <a:latin typeface="Times New Roman"/>
-                <a:ea typeface="Calibri"/>
-              </a:rPr>
-              <a:t> </a:t>
-            </a:r>
-            <a:r>
-              <a:rPr lang="en-US" altLang="zh-CN" sz="2400" b="1" dirty="0" smtClean="0">
-                <a:solidFill>
-                  <a:srgbClr val="FFFFFF"/>
-                </a:solidFill>
-                <a:latin typeface="Times New Roman"/>
-                <a:ea typeface="Calibri"/>
-              </a:rPr>
-              <a:t>to</a:t>
-            </a:r>
-            <a:r>
-              <a:rPr lang="zh-CN" altLang="en-US" sz="2400" b="1" dirty="0" smtClean="0">
-                <a:solidFill>
-                  <a:srgbClr val="FFFFFF"/>
-                </a:solidFill>
-                <a:latin typeface="Times New Roman"/>
-                <a:ea typeface="Calibri"/>
-              </a:rPr>
-              <a:t> </a:t>
-            </a:r>
-            <a:r>
-              <a:rPr lang="en-US" altLang="zh-CN" sz="2400" b="1" dirty="0" smtClean="0">
-                <a:solidFill>
-                  <a:srgbClr val="FFFFFF"/>
-                </a:solidFill>
-                <a:latin typeface="Times New Roman"/>
-                <a:ea typeface="Calibri"/>
-              </a:rPr>
-              <a:t>extract</a:t>
-            </a:r>
-            <a:r>
-              <a:rPr lang="zh-CN" altLang="en-US" sz="2400" b="1" dirty="0" smtClean="0">
-                <a:solidFill>
-                  <a:srgbClr val="FFFFFF"/>
-                </a:solidFill>
-                <a:latin typeface="Times New Roman"/>
-                <a:ea typeface="Calibri"/>
-              </a:rPr>
-              <a:t> </a:t>
-            </a:r>
-            <a:r>
-              <a:rPr lang="en-US" altLang="zh-CN" sz="2400" b="1" dirty="0" smtClean="0">
-                <a:solidFill>
-                  <a:srgbClr val="FFFFFF"/>
-                </a:solidFill>
-                <a:latin typeface="Times New Roman"/>
-                <a:ea typeface="Calibri"/>
-              </a:rPr>
-              <a:t>features</a:t>
-            </a:r>
-            <a:r>
-              <a:rPr lang="zh-CN" altLang="en-US" sz="2400" b="1" dirty="0" smtClean="0">
-                <a:solidFill>
-                  <a:srgbClr val="FFFFFF"/>
-                </a:solidFill>
-                <a:latin typeface="Times New Roman"/>
-                <a:ea typeface="Calibri"/>
-              </a:rPr>
-              <a:t> </a:t>
-            </a:r>
-            <a:r>
-              <a:rPr lang="en-US" altLang="zh-CN" sz="2400" b="1" dirty="0" smtClean="0">
-                <a:solidFill>
-                  <a:srgbClr val="FFFFFF"/>
-                </a:solidFill>
-                <a:latin typeface="Times New Roman"/>
-                <a:ea typeface="Calibri"/>
-              </a:rPr>
-              <a:t>from</a:t>
-            </a:r>
-            <a:r>
-              <a:rPr lang="zh-CN" altLang="en-US" sz="2400" b="1" dirty="0" smtClean="0">
-                <a:solidFill>
-                  <a:srgbClr val="FFFFFF"/>
-                </a:solidFill>
-                <a:latin typeface="Times New Roman"/>
-                <a:ea typeface="Calibri"/>
-              </a:rPr>
-              <a:t> </a:t>
-            </a:r>
-            <a:r>
-              <a:rPr lang="en-US" altLang="zh-CN" sz="2400" b="1" dirty="0" smtClean="0">
-                <a:solidFill>
-                  <a:srgbClr val="FFFFFF"/>
-                </a:solidFill>
-                <a:latin typeface="Times New Roman"/>
-                <a:ea typeface="Calibri"/>
-              </a:rPr>
-              <a:t>~100G</a:t>
-            </a:r>
-            <a:r>
-              <a:rPr lang="zh-CN" altLang="en-US" sz="2400" b="1" dirty="0" smtClean="0">
-                <a:solidFill>
-                  <a:srgbClr val="FFFFFF"/>
-                </a:solidFill>
-                <a:latin typeface="Times New Roman"/>
-                <a:ea typeface="Calibri"/>
-              </a:rPr>
-              <a:t> </a:t>
-            </a:r>
-            <a:r>
-              <a:rPr lang="en-US" altLang="zh-CN" sz="2400" b="1" dirty="0" smtClean="0">
-                <a:solidFill>
-                  <a:srgbClr val="FFFFFF"/>
-                </a:solidFill>
-                <a:latin typeface="Times New Roman"/>
-                <a:ea typeface="Calibri"/>
-              </a:rPr>
-              <a:t>raw</a:t>
-            </a:r>
-            <a:r>
-              <a:rPr lang="zh-CN" altLang="en-US" sz="2400" b="1" dirty="0" smtClean="0">
-                <a:solidFill>
-                  <a:srgbClr val="FFFFFF"/>
-                </a:solidFill>
-                <a:latin typeface="Times New Roman"/>
-                <a:ea typeface="Calibri"/>
-              </a:rPr>
-              <a:t> </a:t>
-            </a:r>
-            <a:r>
-              <a:rPr lang="en-US" altLang="zh-CN" sz="2400" b="1" dirty="0" smtClean="0">
-                <a:solidFill>
-                  <a:srgbClr val="FFFFFF"/>
-                </a:solidFill>
-                <a:latin typeface="Times New Roman"/>
-                <a:ea typeface="Calibri"/>
-              </a:rPr>
-              <a:t>data</a:t>
-            </a:r>
-            <a:endParaRPr dirty="0" smtClean="0"/>
-          </a:p>
-          <a:p>
-            <a:pPr marL="342900" indent="-342900">
+              <a:t>Uses Amazon EMR to extract features from ~100G raw data</a:t>
+            </a:r>
+            <a:endParaRPr/>
+          </a:p>
+          <a:p>
+            <a:pPr>
               <a:lnSpc>
                 <a:spcPct val="100000"/>
               </a:lnSpc>
@@ -4147,118 +3240,19 @@
               <a:buChar char="•"/>
             </a:pPr>
             <a:r>
-              <a:rPr lang="en-US" altLang="zh-CN" sz="2400" b="1" dirty="0" smtClean="0">
+              <a:rPr b="1" lang="en-US" sz="2400">
                 <a:solidFill>
-                  <a:srgbClr val="FFFFFF"/>
+                  <a:srgbClr val="ffffff"/>
                 </a:solidFill>
                 <a:latin typeface="Times New Roman"/>
                 <a:ea typeface="Calibri"/>
               </a:rPr>
-              <a:t>~3M</a:t>
-            </a:r>
-            <a:r>
-              <a:rPr lang="zh-CN" altLang="en-US" sz="2400" b="1" dirty="0" smtClean="0">
-                <a:solidFill>
-                  <a:srgbClr val="FFFFFF"/>
-                </a:solidFill>
-                <a:latin typeface="Times New Roman"/>
-                <a:ea typeface="Calibri"/>
-              </a:rPr>
-              <a:t> </a:t>
-            </a:r>
-            <a:r>
-              <a:rPr lang="en-US" altLang="zh-CN" sz="2400" b="1" dirty="0" smtClean="0">
-                <a:solidFill>
-                  <a:srgbClr val="FFFFFF"/>
-                </a:solidFill>
-                <a:latin typeface="Times New Roman"/>
-                <a:ea typeface="Calibri"/>
-              </a:rPr>
-              <a:t>data</a:t>
-            </a:r>
-            <a:r>
-              <a:rPr lang="zh-CN" altLang="en-US" sz="2400" b="1" dirty="0" smtClean="0">
-                <a:solidFill>
-                  <a:srgbClr val="FFFFFF"/>
-                </a:solidFill>
-                <a:latin typeface="Times New Roman"/>
-                <a:ea typeface="Calibri"/>
-              </a:rPr>
-              <a:t> </a:t>
-            </a:r>
-            <a:r>
-              <a:rPr lang="en-US" altLang="zh-CN" sz="2400" b="1" dirty="0" smtClean="0">
-                <a:solidFill>
-                  <a:srgbClr val="FFFFFF"/>
-                </a:solidFill>
-                <a:latin typeface="Times New Roman"/>
-                <a:ea typeface="Calibri"/>
-              </a:rPr>
-              <a:t>points</a:t>
-            </a:r>
-            <a:r>
-              <a:rPr lang="zh-CN" altLang="en-US" sz="2400" b="1" dirty="0" smtClean="0">
-                <a:solidFill>
-                  <a:srgbClr val="FFFFFF"/>
-                </a:solidFill>
-                <a:latin typeface="Times New Roman"/>
-                <a:ea typeface="Calibri"/>
-              </a:rPr>
-              <a:t> </a:t>
-            </a:r>
-            <a:r>
-              <a:rPr lang="en-US" altLang="zh-CN" sz="2400" b="1" dirty="0" smtClean="0">
-                <a:solidFill>
-                  <a:srgbClr val="FFFFFF"/>
-                </a:solidFill>
-                <a:latin typeface="Times New Roman"/>
-                <a:ea typeface="Calibri"/>
-              </a:rPr>
-              <a:t>in</a:t>
-            </a:r>
-            <a:r>
-              <a:rPr lang="zh-CN" altLang="en-US" sz="2400" b="1" dirty="0" smtClean="0">
-                <a:solidFill>
-                  <a:srgbClr val="FFFFFF"/>
-                </a:solidFill>
-                <a:latin typeface="Times New Roman"/>
-                <a:ea typeface="Calibri"/>
-              </a:rPr>
-              <a:t> </a:t>
-            </a:r>
-            <a:r>
-              <a:rPr lang="en-US" altLang="zh-CN" sz="2400" b="1" dirty="0" smtClean="0">
-                <a:solidFill>
-                  <a:srgbClr val="FFFFFF"/>
-                </a:solidFill>
-                <a:latin typeface="Times New Roman"/>
-                <a:ea typeface="Calibri"/>
-              </a:rPr>
-              <a:t>total,</a:t>
-            </a:r>
-            <a:r>
-              <a:rPr lang="zh-CN" altLang="en-US" sz="2400" b="1" dirty="0" smtClean="0">
-                <a:solidFill>
-                  <a:srgbClr val="FFFFFF"/>
-                </a:solidFill>
-                <a:latin typeface="Times New Roman"/>
-                <a:ea typeface="Calibri"/>
-              </a:rPr>
-              <a:t> </a:t>
-            </a:r>
-            <a:r>
-              <a:rPr lang="en-US" altLang="zh-CN" sz="2400" b="1" dirty="0" smtClean="0">
-                <a:solidFill>
-                  <a:srgbClr val="FFFFFF"/>
-                </a:solidFill>
-                <a:latin typeface="Times New Roman"/>
-                <a:ea typeface="Calibri"/>
-              </a:rPr>
-              <a:t>unable to run k-means on all data</a:t>
-            </a:r>
-          </a:p>
-          <a:p>
-            <a:pPr marL="342900" indent="-342900">
+              <a:t>~3M data points in total, unable to run k-means on all data</a:t>
+            </a:r>
+            <a:endParaRPr/>
+          </a:p>
+          <a:p>
+            <a:pPr>
               <a:lnSpc>
                 <a:spcPct val="100000"/>
               </a:lnSpc>
@@ -4266,109 +3260,53 @@
               <a:buChar char="•"/>
             </a:pPr>
             <a:r>
-              <a:rPr lang="en-US" sz="2400" b="1" dirty="0" smtClean="0">
+              <a:rPr b="1" lang="en-US" sz="2400">
                 <a:solidFill>
-                  <a:srgbClr val="FFFFFF"/>
+                  <a:srgbClr val="ffffff"/>
                 </a:solidFill>
                 <a:latin typeface="Times New Roman"/>
                 <a:ea typeface="Calibri"/>
               </a:rPr>
-              <a:t>Uses</a:t>
-            </a:r>
-            <a:r>
-              <a:rPr lang="zh-CN" altLang="en-US" sz="2400" b="1" dirty="0" smtClean="0">
-                <a:solidFill>
-                  <a:srgbClr val="FFFFFF"/>
-                </a:solidFill>
-                <a:latin typeface="Times New Roman"/>
-                <a:ea typeface="Calibri"/>
-              </a:rPr>
-              <a:t> </a:t>
-            </a:r>
-            <a:r>
-              <a:rPr lang="en-US" altLang="zh-CN" sz="2400" b="1" dirty="0" err="1" smtClean="0">
-                <a:solidFill>
-                  <a:srgbClr val="FFFFFF"/>
-                </a:solidFill>
-                <a:latin typeface="Times New Roman"/>
-                <a:ea typeface="Calibri"/>
-              </a:rPr>
-              <a:t>coreset</a:t>
-            </a:r>
-            <a:r>
-              <a:rPr lang="zh-CN" altLang="en-US" sz="2400" b="1" dirty="0" smtClean="0">
-                <a:solidFill>
-                  <a:srgbClr val="FFFFFF"/>
-                </a:solidFill>
-                <a:latin typeface="Times New Roman"/>
-                <a:ea typeface="Calibri"/>
-              </a:rPr>
-              <a:t> </a:t>
-            </a:r>
-            <a:r>
-              <a:rPr lang="en-US" altLang="zh-CN" sz="2400" b="1" dirty="0" smtClean="0">
-                <a:solidFill>
-                  <a:srgbClr val="FFFFFF"/>
-                </a:solidFill>
-                <a:latin typeface="Times New Roman"/>
-                <a:ea typeface="Calibri"/>
-              </a:rPr>
-              <a:t>sampling</a:t>
-            </a:r>
-            <a:r>
-              <a:rPr lang="zh-CN" altLang="en-US" sz="2400" b="1" dirty="0" smtClean="0">
-                <a:solidFill>
-                  <a:srgbClr val="FFFFFF"/>
-                </a:solidFill>
-                <a:latin typeface="Times New Roman"/>
-                <a:ea typeface="Calibri"/>
-              </a:rPr>
-              <a:t> </a:t>
-            </a:r>
-            <a:r>
-              <a:rPr lang="en-US" altLang="zh-CN" sz="2400" b="1" dirty="0" smtClean="0">
-                <a:solidFill>
-                  <a:srgbClr val="FFFFFF"/>
-                </a:solidFill>
-                <a:latin typeface="Times New Roman"/>
-                <a:ea typeface="Calibri"/>
-              </a:rPr>
-              <a:t>for</a:t>
-            </a:r>
-            <a:r>
-              <a:rPr lang="zh-CN" altLang="en-US" sz="2400" b="1" dirty="0" smtClean="0">
-                <a:solidFill>
-                  <a:srgbClr val="FFFFFF"/>
-                </a:solidFill>
-                <a:latin typeface="Times New Roman"/>
-                <a:ea typeface="Calibri"/>
-              </a:rPr>
-              <a:t> </a:t>
-            </a:r>
-            <a:r>
-              <a:rPr lang="en-US" altLang="zh-CN" sz="2400" b="1" dirty="0" smtClean="0">
-                <a:solidFill>
-                  <a:srgbClr val="FFFFFF"/>
-                </a:solidFill>
-                <a:latin typeface="Times New Roman"/>
-                <a:ea typeface="Calibri"/>
-              </a:rPr>
-              <a:t>k-means clustering</a:t>
-            </a:r>
-            <a:endParaRPr dirty="0"/>
+              <a:t>Uses coreset sampling for k-means clustering</a:t>
+            </a:r>
+            <a:endParaRPr/>
           </a:p>
         </p:txBody>
       </p:sp>
     </p:spTree>
   </p:cSld>
-  <p:clrMapOvr>
-    <a:masterClrMapping/>
-  </p:clrMapOvr>
+  <p:timing>
+    <p:tnLst>
+      <p:par>
+        <p:cTn dur="indefinite" id="3" nodeType="tmRoot" restart="never">
+          <p:childTnLst>
+            <p:seq>
+              <p:cTn id="4" nodeType="mainSeq"/>
+              <p:prevCondLst>
+                <p:cond delay="0" evt="onPrev">
+                  <p:tgtEl>
+                    <p:sldTgt/>
+                  </p:tgtEl>
+                </p:cond>
+              </p:prevCondLst>
+              <p:nextCondLst>
+                <p:cond delay="0" evt="onNext">
+                  <p:tgtEl>
+                    <p:sldTgt/>
+                  </p:tgtEl>
+                </p:cond>
+              </p:nextCondLst>
+            </p:seq>
+          </p:childTnLst>
+        </p:cTn>
+      </p:par>
+    </p:tnLst>
+  </p:timing>
 </p:sld>
 </file>
 
 <file path=ppt/slides/slide4.xml><?xml version="1.0" encoding="utf-8"?>
-<p:sld xmlns:a="http://schemas.openxmlformats.org/drawingml/2006/main" xmlns:r="http://schemas.openxmlformats.org/officeDocument/2006/relationships" xmlns:p="http://schemas.openxmlformats.org/presentationml/2006/main">
+<p:sld xmlns:a="http://schemas.openxmlformats.org/drawingml/2006/main" xmlns:p="http://schemas.openxmlformats.org/presentationml/2006/main" xmlns:r="http://schemas.openxmlformats.org/officeDocument/2006/relationships">
   <p:cSld>
     <p:spTree>
       <p:nvGrpSpPr>
@@ -4386,22 +3324,25 @@
       </p:grpSpPr>
       <p:sp>
         <p:nvSpPr>
-          <p:cNvPr id="80" name="TextShape 1"/>
-          <p:cNvSpPr txBox="1"/>
+          <p:cNvPr id="79" name="CustomShape 1"/>
+          <p:cNvSpPr/>
           <p:nvPr/>
         </p:nvSpPr>
         <p:spPr>
           <a:xfrm>
             <a:off x="457200" y="274680"/>
-            <a:ext cx="5757480" cy="653760"/>
-          </a:xfrm>
-          <a:prstGeom prst="rect">
-            <a:avLst/>
-          </a:prstGeom>
-        </p:spPr>
-        <p:txBody>
-          <a:bodyPr lIns="45720" tIns="45000" rIns="45720" bIns="45000" anchor="ctr"/>
-          <a:lstStyle/>
+            <a:ext cx="5757120" cy="653400"/>
+          </a:xfrm>
+          <a:prstGeom prst="rect">
+            <a:avLst/>
+          </a:prstGeom>
+          <a:noFill/>
+          <a:ln>
+            <a:noFill/>
+          </a:ln>
+        </p:spPr>
+        <p:txBody>
+          <a:bodyPr anchor="ctr" bIns="45000" lIns="45720" rIns="45720" tIns="45000"/>
           <a:p>
             <a:pPr>
               <a:lnSpc>
@@ -4409,9 +3350,9 @@
               </a:lnSpc>
             </a:pPr>
             <a:r>
-              <a:rPr lang="en-US" sz="3920" b="1">
+              <a:rPr b="1" lang="en-US" sz="3920">
                 <a:solidFill>
-                  <a:srgbClr val="FFFFFF"/>
+                  <a:srgbClr val="ffffff"/>
                 </a:solidFill>
                 <a:latin typeface="Times New Roman"/>
                 <a:ea typeface="Times New Roman"/>
@@ -4424,7 +3365,32 @@
       </p:sp>
       <p:pic>
         <p:nvPicPr>
-          <p:cNvPr id="81" name="Picture 6"/>
+          <p:cNvPr descr="" id="80" name="Picture 6"/>
+          <p:cNvPicPr/>
+          <p:nvPr/>
+        </p:nvPicPr>
+        <p:blipFill>
+          <a:blip r:embed="rId1"/>
+          <a:stretch>
+            <a:fillRect/>
+          </a:stretch>
+        </p:blipFill>
+        <p:spPr>
+          <a:xfrm>
+            <a:off x="1143000" y="928800"/>
+            <a:ext cx="3319560" cy="1760040"/>
+          </a:xfrm>
+          <a:prstGeom prst="rect">
+            <a:avLst/>
+          </a:prstGeom>
+          <a:ln>
+            <a:noFill/>
+          </a:ln>
+        </p:spPr>
+      </p:pic>
+      <p:pic>
+        <p:nvPicPr>
+          <p:cNvPr descr="" id="81" name="Picture 7"/>
           <p:cNvPicPr/>
           <p:nvPr/>
         </p:nvPicPr>
@@ -4436,8 +3402,8 @@
         </p:blipFill>
         <p:spPr>
           <a:xfrm>
-            <a:off x="1143000" y="928800"/>
-            <a:ext cx="3319920" cy="1760400"/>
+            <a:off x="4696200" y="928800"/>
+            <a:ext cx="3304080" cy="1742400"/>
           </a:xfrm>
           <a:prstGeom prst="rect">
             <a:avLst/>
@@ -4449,7 +3415,7 @@
       </p:pic>
       <p:pic>
         <p:nvPicPr>
-          <p:cNvPr id="82" name="Picture 7"/>
+          <p:cNvPr descr="" id="82" name="Picture 8"/>
           <p:cNvPicPr/>
           <p:nvPr/>
         </p:nvPicPr>
@@ -4461,8 +3427,8 @@
         </p:blipFill>
         <p:spPr>
           <a:xfrm>
-            <a:off x="4696200" y="928800"/>
-            <a:ext cx="3304440" cy="1742760"/>
+            <a:off x="1143000" y="3022920"/>
+            <a:ext cx="3319560" cy="1762920"/>
           </a:xfrm>
           <a:prstGeom prst="rect">
             <a:avLst/>
@@ -4474,7 +3440,7 @@
       </p:pic>
       <p:pic>
         <p:nvPicPr>
-          <p:cNvPr id="83" name="Picture 8"/>
+          <p:cNvPr descr="" id="83" name="Picture 9"/>
           <p:cNvPicPr/>
           <p:nvPr/>
         </p:nvPicPr>
@@ -4486,8 +3452,8 @@
         </p:blipFill>
         <p:spPr>
           <a:xfrm>
-            <a:off x="1143000" y="3022920"/>
-            <a:ext cx="3319920" cy="1763280"/>
+            <a:off x="4682880" y="3022920"/>
+            <a:ext cx="3285360" cy="1742400"/>
           </a:xfrm>
           <a:prstGeom prst="rect">
             <a:avLst/>
@@ -4497,41 +3463,16 @@
           </a:ln>
         </p:spPr>
       </p:pic>
-      <p:pic>
-        <p:nvPicPr>
-          <p:cNvPr id="84" name="Picture 9"/>
-          <p:cNvPicPr/>
-          <p:nvPr/>
-        </p:nvPicPr>
-        <p:blipFill>
-          <a:blip r:embed="rId5"/>
-          <a:stretch>
-            <a:fillRect/>
-          </a:stretch>
-        </p:blipFill>
-        <p:spPr>
-          <a:xfrm>
-            <a:off x="4682880" y="3022920"/>
-            <a:ext cx="3285720" cy="1742760"/>
-          </a:xfrm>
-          <a:prstGeom prst="rect">
-            <a:avLst/>
-          </a:prstGeom>
-          <a:ln>
-            <a:noFill/>
-          </a:ln>
-        </p:spPr>
-      </p:pic>
-      <p:sp>
-        <p:nvSpPr>
-          <p:cNvPr id="85" name="CustomShape 2"/>
+      <p:sp>
+        <p:nvSpPr>
+          <p:cNvPr id="84" name="CustomShape 2"/>
           <p:cNvSpPr/>
           <p:nvPr/>
         </p:nvSpPr>
         <p:spPr>
           <a:xfrm>
             <a:off x="428760" y="5145480"/>
-            <a:ext cx="8214840" cy="1554840"/>
+            <a:ext cx="8214480" cy="1554480"/>
           </a:xfrm>
           <a:prstGeom prst="rect">
             <a:avLst/>
@@ -4542,8 +3483,7 @@
           </a:ln>
         </p:spPr>
         <p:txBody>
-          <a:bodyPr lIns="45720" rIns="45720"/>
-          <a:lstStyle/>
+          <a:bodyPr bIns="45000" lIns="45720" rIns="45720" tIns="45000"/>
           <a:p>
             <a:pPr>
               <a:lnSpc>
@@ -4551,16 +3491,16 @@
               </a:lnSpc>
             </a:pPr>
             <a:r>
-              <a:rPr lang="en-US" sz="2400" b="1" dirty="0">
+              <a:rPr b="1" lang="en-US" sz="2400">
                 <a:solidFill>
-                  <a:srgbClr val="FFFFFF"/>
+                  <a:srgbClr val="ffffff"/>
                 </a:solidFill>
                 <a:latin typeface="Times New Roman"/>
                 <a:ea typeface="Calibri"/>
               </a:rPr>
               <a:t>Analysis on Results</a:t>
             </a:r>
-            <a:endParaRPr dirty="0"/>
+            <a:endParaRPr/>
           </a:p>
           <a:p>
             <a:pPr>
@@ -4571,16 +3511,16 @@
               <a:buAutoNum type="arabicPeriod"/>
             </a:pPr>
             <a:r>
-              <a:rPr lang="en-US" sz="2400" b="1" dirty="0">
+              <a:rPr b="1" lang="en-US" sz="2400">
                 <a:solidFill>
-                  <a:srgbClr val="FFFFFF"/>
+                  <a:srgbClr val="ffffff"/>
                 </a:solidFill>
                 <a:latin typeface="Times New Roman"/>
                 <a:ea typeface="Calibri"/>
               </a:rPr>
               <a:t>Only 3 big clusters</a:t>
             </a:r>
-            <a:endParaRPr dirty="0"/>
+            <a:endParaRPr/>
           </a:p>
           <a:p>
             <a:pPr>
@@ -4591,16 +3531,16 @@
               <a:buAutoNum type="arabicPeriod"/>
             </a:pPr>
             <a:r>
-              <a:rPr lang="en-US" sz="2400" b="1" dirty="0">
+              <a:rPr b="1" lang="en-US" sz="2400">
                 <a:solidFill>
-                  <a:srgbClr val="FFFFFF"/>
+                  <a:srgbClr val="ffffff"/>
                 </a:solidFill>
                 <a:latin typeface="Times New Roman"/>
                 <a:ea typeface="Calibri"/>
               </a:rPr>
               <a:t>Lack of preserved points in areas other than the US</a:t>
             </a:r>
-            <a:endParaRPr dirty="0"/>
+            <a:endParaRPr/>
           </a:p>
           <a:p>
             <a:pPr>
@@ -4609,49 +3549,29 @@
               </a:lnSpc>
             </a:pPr>
             <a:r>
-              <a:rPr lang="en-US" sz="2400" b="1" dirty="0">
+              <a:rPr b="1" lang="en-US" sz="2400">
                 <a:solidFill>
-                  <a:srgbClr val="FFFFFF"/>
+                  <a:srgbClr val="ffffff"/>
                 </a:solidFill>
                 <a:latin typeface="Times New Roman"/>
                 <a:ea typeface="Calibri"/>
               </a:rPr>
-              <a:t>3</a:t>
-            </a:r>
-            <a:r>
-              <a:rPr lang="en-US" sz="2400" b="1" dirty="0" smtClean="0">
-                <a:solidFill>
-                  <a:srgbClr val="FFFFFF"/>
-                </a:solidFill>
-                <a:latin typeface="Times New Roman"/>
-                <a:ea typeface="Calibri"/>
-              </a:rPr>
-              <a:t>.Big </a:t>
-            </a:r>
-            <a:r>
-              <a:rPr lang="en-US" sz="2400" b="1" dirty="0">
-                <a:solidFill>
-                  <a:srgbClr val="FFFFFF"/>
-                </a:solidFill>
-                <a:latin typeface="Times New Roman"/>
-                <a:ea typeface="Calibri"/>
-              </a:rPr>
-              <a:t>clusters covering the same areas</a:t>
-            </a:r>
-            <a:endParaRPr dirty="0"/>
-          </a:p>
-        </p:txBody>
-      </p:sp>
-      <p:sp>
-        <p:nvSpPr>
-          <p:cNvPr id="86" name="CustomShape 3"/>
+              <a:t>3.Big clusters covering the same areas</a:t>
+            </a:r>
+            <a:endParaRPr/>
+          </a:p>
+        </p:txBody>
+      </p:sp>
+      <p:sp>
+        <p:nvSpPr>
+          <p:cNvPr id="85" name="CustomShape 3"/>
           <p:cNvSpPr/>
           <p:nvPr/>
         </p:nvSpPr>
         <p:spPr>
           <a:xfrm>
             <a:off x="2500200" y="2643120"/>
-            <a:ext cx="1499760" cy="366120"/>
+            <a:ext cx="1499400" cy="365760"/>
           </a:xfrm>
           <a:prstGeom prst="rect">
             <a:avLst/>
@@ -4662,8 +3582,7 @@
           </a:ln>
         </p:spPr>
         <p:txBody>
-          <a:bodyPr lIns="45720" rIns="45720"/>
-          <a:lstStyle/>
+          <a:bodyPr bIns="45000" lIns="45720" rIns="45720" tIns="45000"/>
           <a:p>
             <a:pPr>
               <a:lnSpc>
@@ -4673,7 +3592,7 @@
             <a:r>
               <a:rPr lang="en-US">
                 <a:solidFill>
-                  <a:srgbClr val="FFFFFF"/>
+                  <a:srgbClr val="ffffff"/>
                 </a:solidFill>
                 <a:latin typeface="Calibri"/>
                 <a:ea typeface="Calibri"/>
@@ -4686,14 +3605,14 @@
       </p:sp>
       <p:sp>
         <p:nvSpPr>
-          <p:cNvPr id="87" name="CustomShape 4"/>
+          <p:cNvPr id="86" name="CustomShape 4"/>
           <p:cNvSpPr/>
           <p:nvPr/>
         </p:nvSpPr>
         <p:spPr>
           <a:xfrm>
             <a:off x="6143760" y="4786200"/>
-            <a:ext cx="1499760" cy="366120"/>
+            <a:ext cx="1499400" cy="365760"/>
           </a:xfrm>
           <a:prstGeom prst="rect">
             <a:avLst/>
@@ -4704,8 +3623,7 @@
           </a:ln>
         </p:spPr>
         <p:txBody>
-          <a:bodyPr lIns="45720" rIns="45720"/>
-          <a:lstStyle/>
+          <a:bodyPr bIns="45000" lIns="45720" rIns="45720" tIns="45000"/>
           <a:p>
             <a:pPr>
               <a:lnSpc>
@@ -4715,7 +3633,7 @@
             <a:r>
               <a:rPr lang="en-US">
                 <a:solidFill>
-                  <a:srgbClr val="FFFFFF"/>
+                  <a:srgbClr val="ffffff"/>
                 </a:solidFill>
                 <a:latin typeface="Calibri"/>
                 <a:ea typeface="Calibri"/>
@@ -4728,14 +3646,14 @@
       </p:sp>
       <p:sp>
         <p:nvSpPr>
-          <p:cNvPr id="88" name="CustomShape 5"/>
+          <p:cNvPr id="87" name="CustomShape 5"/>
           <p:cNvSpPr/>
           <p:nvPr/>
         </p:nvSpPr>
         <p:spPr>
           <a:xfrm>
             <a:off x="6143760" y="2643120"/>
-            <a:ext cx="1499760" cy="366120"/>
+            <a:ext cx="1499400" cy="365760"/>
           </a:xfrm>
           <a:prstGeom prst="rect">
             <a:avLst/>
@@ -4746,8 +3664,7 @@
           </a:ln>
         </p:spPr>
         <p:txBody>
-          <a:bodyPr lIns="45720" rIns="45720"/>
-          <a:lstStyle/>
+          <a:bodyPr bIns="45000" lIns="45720" rIns="45720" tIns="45000"/>
           <a:p>
             <a:pPr>
               <a:lnSpc>
@@ -4757,7 +3674,7 @@
             <a:r>
               <a:rPr lang="en-US">
                 <a:solidFill>
-                  <a:srgbClr val="FFFFFF"/>
+                  <a:srgbClr val="ffffff"/>
                 </a:solidFill>
                 <a:latin typeface="Calibri"/>
                 <a:ea typeface="Calibri"/>
@@ -4770,14 +3687,14 @@
       </p:sp>
       <p:sp>
         <p:nvSpPr>
-          <p:cNvPr id="89" name="CustomShape 6"/>
+          <p:cNvPr id="88" name="CustomShape 6"/>
           <p:cNvSpPr/>
           <p:nvPr/>
         </p:nvSpPr>
         <p:spPr>
           <a:xfrm>
             <a:off x="2500200" y="4786200"/>
-            <a:ext cx="1499760" cy="366120"/>
+            <a:ext cx="1499400" cy="365760"/>
           </a:xfrm>
           <a:prstGeom prst="rect">
             <a:avLst/>
@@ -4788,8 +3705,7 @@
           </a:ln>
         </p:spPr>
         <p:txBody>
-          <a:bodyPr lIns="45720" rIns="45720"/>
-          <a:lstStyle/>
+          <a:bodyPr bIns="45000" lIns="45720" rIns="45720" tIns="45000"/>
           <a:p>
             <a:pPr>
               <a:lnSpc>
@@ -4799,7 +3715,7 @@
             <a:r>
               <a:rPr lang="en-US">
                 <a:solidFill>
-                  <a:srgbClr val="FFFFFF"/>
+                  <a:srgbClr val="ffffff"/>
                 </a:solidFill>
                 <a:latin typeface="Calibri"/>
                 <a:ea typeface="Calibri"/>
@@ -4812,25 +3728,22 @@
       </p:sp>
     </p:spTree>
   </p:cSld>
-  <p:clrMapOvr>
-    <a:masterClrMapping/>
-  </p:clrMapOvr>
   <p:timing>
     <p:tnLst>
       <p:par>
-        <p:cTn xmlns:p14="http://schemas.microsoft.com/office/powerpoint/2010/main" id="1" dur="indefinite" restart="never" nodeType="tmRoot">
+        <p:cTn dur="indefinite" id="5" nodeType="tmRoot" restart="never">
           <p:childTnLst>
             <p:seq>
-              <p:cTn id="2" nodeType="mainSeq"/>
+              <p:cTn id="6" nodeType="mainSeq"/>
               <p:prevCondLst>
-                <p:cond evt="onPrev" delay="0">
+                <p:cond delay="0" evt="onPrev">
                   <p:tgtEl>
                     <p:sldTgt/>
                   </p:tgtEl>
                 </p:cond>
               </p:prevCondLst>
               <p:nextCondLst>
-                <p:cond evt="onNext" delay="0">
+                <p:cond delay="0" evt="onNext">
                   <p:tgtEl>
                     <p:sldTgt/>
                   </p:tgtEl>
@@ -4846,7 +3759,7 @@
 </file>
 
 <file path=ppt/slides/slide5.xml><?xml version="1.0" encoding="utf-8"?>
-<p:sld xmlns:a="http://schemas.openxmlformats.org/drawingml/2006/main" xmlns:r="http://schemas.openxmlformats.org/officeDocument/2006/relationships" xmlns:p="http://schemas.openxmlformats.org/presentationml/2006/main">
+<p:sld xmlns:a="http://schemas.openxmlformats.org/drawingml/2006/main" xmlns:p="http://schemas.openxmlformats.org/presentationml/2006/main" xmlns:r="http://schemas.openxmlformats.org/officeDocument/2006/relationships">
   <p:cSld>
     <p:spTree>
       <p:nvGrpSpPr>
@@ -4864,22 +3777,25 @@
       </p:grpSpPr>
       <p:sp>
         <p:nvSpPr>
-          <p:cNvPr id="90" name="TextShape 1"/>
-          <p:cNvSpPr txBox="1"/>
+          <p:cNvPr id="89" name="CustomShape 1"/>
+          <p:cNvSpPr/>
           <p:nvPr/>
         </p:nvSpPr>
         <p:spPr>
           <a:xfrm>
-            <a:off x="457200" y="288190"/>
-            <a:ext cx="6920154" cy="653760"/>
-          </a:xfrm>
-          <a:prstGeom prst="rect">
-            <a:avLst/>
-          </a:prstGeom>
-        </p:spPr>
-        <p:txBody>
-          <a:bodyPr lIns="45720" tIns="45000" rIns="45720" bIns="45000" anchor="ctr"/>
-          <a:lstStyle/>
+            <a:off x="457200" y="288360"/>
+            <a:ext cx="6919920" cy="653400"/>
+          </a:xfrm>
+          <a:prstGeom prst="rect">
+            <a:avLst/>
+          </a:prstGeom>
+          <a:noFill/>
+          <a:ln>
+            <a:noFill/>
+          </a:ln>
+        </p:spPr>
+        <p:txBody>
+          <a:bodyPr anchor="ctr" bIns="45000" lIns="45720" rIns="45720" tIns="45000"/>
           <a:p>
             <a:pPr>
               <a:lnSpc>
@@ -4887,22 +3803,47 @@
               </a:lnSpc>
             </a:pPr>
             <a:r>
-              <a:rPr lang="en-US" sz="3920" b="1" dirty="0">
+              <a:rPr b="1" lang="en-US" sz="3920">
                 <a:solidFill>
-                  <a:srgbClr val="FFFFFF"/>
+                  <a:srgbClr val="ffffff"/>
                 </a:solidFill>
                 <a:latin typeface="Times New Roman"/>
                 <a:ea typeface="Times New Roman"/>
               </a:rPr>
               <a:t>Analysis on Results (Cont.)</a:t>
             </a:r>
-            <a:endParaRPr dirty="0"/>
+            <a:endParaRPr/>
           </a:p>
         </p:txBody>
       </p:sp>
       <p:pic>
         <p:nvPicPr>
-          <p:cNvPr id="91" name="Picture 8"/>
+          <p:cNvPr descr="" id="90" name="Picture 8"/>
+          <p:cNvPicPr/>
+          <p:nvPr/>
+        </p:nvPicPr>
+        <p:blipFill>
+          <a:blip r:embed="rId1"/>
+          <a:stretch>
+            <a:fillRect/>
+          </a:stretch>
+        </p:blipFill>
+        <p:spPr>
+          <a:xfrm>
+            <a:off x="1143000" y="1256760"/>
+            <a:ext cx="3319560" cy="1762920"/>
+          </a:xfrm>
+          <a:prstGeom prst="rect">
+            <a:avLst/>
+          </a:prstGeom>
+          <a:ln>
+            <a:noFill/>
+          </a:ln>
+        </p:spPr>
+      </p:pic>
+      <p:pic>
+        <p:nvPicPr>
+          <p:cNvPr descr="" id="91" name="Picture 9"/>
           <p:cNvPicPr/>
           <p:nvPr/>
         </p:nvPicPr>
@@ -4914,8 +3855,8 @@
         </p:blipFill>
         <p:spPr>
           <a:xfrm>
-            <a:off x="1143000" y="1256770"/>
-            <a:ext cx="3319920" cy="1763280"/>
+            <a:off x="4682880" y="1270440"/>
+            <a:ext cx="3285360" cy="1742400"/>
           </a:xfrm>
           <a:prstGeom prst="rect">
             <a:avLst/>
@@ -4925,41 +3866,16 @@
           </a:ln>
         </p:spPr>
       </p:pic>
-      <p:pic>
-        <p:nvPicPr>
-          <p:cNvPr id="92" name="Picture 9"/>
-          <p:cNvPicPr/>
-          <p:nvPr/>
-        </p:nvPicPr>
-        <p:blipFill>
-          <a:blip r:embed="rId3"/>
-          <a:stretch>
-            <a:fillRect/>
-          </a:stretch>
-        </p:blipFill>
-        <p:spPr>
-          <a:xfrm>
-            <a:off x="4682880" y="1270280"/>
-            <a:ext cx="3285720" cy="1742760"/>
-          </a:xfrm>
-          <a:prstGeom prst="rect">
-            <a:avLst/>
-          </a:prstGeom>
-          <a:ln>
-            <a:noFill/>
-          </a:ln>
-        </p:spPr>
-      </p:pic>
-      <p:sp>
-        <p:nvSpPr>
-          <p:cNvPr id="93" name="CustomShape 2"/>
+      <p:sp>
+        <p:nvSpPr>
+          <p:cNvPr id="92" name="CustomShape 2"/>
           <p:cNvSpPr/>
           <p:nvPr/>
         </p:nvSpPr>
         <p:spPr>
           <a:xfrm>
-            <a:off x="571320" y="3286079"/>
-            <a:ext cx="8214840" cy="3036587"/>
+            <a:off x="571320" y="3286080"/>
+            <a:ext cx="8214480" cy="3036240"/>
           </a:xfrm>
           <a:prstGeom prst="rect">
             <a:avLst/>
@@ -4970,8 +3886,7 @@
           </a:ln>
         </p:spPr>
         <p:txBody>
-          <a:bodyPr lIns="45720" rIns="45720"/>
-          <a:lstStyle/>
+          <a:bodyPr bIns="45000" lIns="45720" rIns="45720" tIns="45000"/>
           <a:p>
             <a:pPr>
               <a:lnSpc>
@@ -4979,19 +3894,19 @@
               </a:lnSpc>
             </a:pPr>
             <a:r>
-              <a:rPr lang="en-US" sz="2400" b="1" dirty="0">
+              <a:rPr b="1" lang="en-US" sz="2400">
                 <a:solidFill>
-                  <a:srgbClr val="FFFFFF"/>
+                  <a:srgbClr val="ffffff"/>
                 </a:solidFill>
                 <a:latin typeface="Times New Roman"/>
                 <a:ea typeface="Calibri"/>
               </a:rPr>
               <a:t>Possible Solutions</a:t>
             </a:r>
-            <a:endParaRPr dirty="0"/>
-          </a:p>
-          <a:p>
-            <a:pPr marL="457200" indent="-457200">
+            <a:endParaRPr/>
+          </a:p>
+          <a:p>
+            <a:pPr>
               <a:lnSpc>
                 <a:spcPct val="100000"/>
               </a:lnSpc>
@@ -4999,83 +3914,19 @@
               <a:buChar char="•"/>
             </a:pPr>
             <a:r>
-              <a:rPr lang="en-US" sz="2400" b="1" dirty="0">
+              <a:rPr b="1" lang="en-US" sz="2400">
                 <a:solidFill>
-                  <a:srgbClr val="FFFFFF"/>
+                  <a:srgbClr val="ffffff"/>
                 </a:solidFill>
                 <a:latin typeface="Times New Roman"/>
                 <a:ea typeface="Calibri"/>
               </a:rPr>
-              <a:t>Only 3 big </a:t>
-            </a:r>
-            <a:r>
-              <a:rPr lang="en-US" sz="2400" b="1" dirty="0" smtClean="0">
-                <a:solidFill>
-                  <a:srgbClr val="FFFFFF"/>
-                </a:solidFill>
-                <a:latin typeface="Times New Roman"/>
-                <a:ea typeface="Calibri"/>
-              </a:rPr>
-              <a:t>clusters</a:t>
-            </a:r>
-            <a:endParaRPr dirty="0" smtClean="0"/>
-          </a:p>
-          <a:p>
-            <a:pPr marL="800100" lvl="1" indent="-342900">
-              <a:buFont typeface="Arial"/>
-              <a:buChar char="•"/>
-            </a:pPr>
-            <a:r>
-              <a:rPr lang="en-US" sz="2400" b="1" dirty="0" smtClean="0">
-                <a:solidFill>
-                  <a:srgbClr val="FFFFFF"/>
-                </a:solidFill>
-                <a:latin typeface="Times New Roman"/>
-                <a:ea typeface="Calibri"/>
-              </a:rPr>
-              <a:t>	Investigate distribution of weights for </a:t>
-            </a:r>
-            <a:r>
-              <a:rPr lang="en-US" sz="2400" b="1" dirty="0" err="1" smtClean="0">
-                <a:solidFill>
-                  <a:srgbClr val="FFFFFF"/>
-                </a:solidFill>
-                <a:latin typeface="Times New Roman"/>
-                <a:ea typeface="Calibri"/>
-              </a:rPr>
-              <a:t>coreset</a:t>
-            </a:r>
-            <a:r>
-              <a:rPr lang="en-US" sz="2400" b="1" dirty="0" smtClean="0">
-                <a:solidFill>
-                  <a:srgbClr val="FFFFFF"/>
-                </a:solidFill>
-                <a:latin typeface="Times New Roman"/>
-                <a:ea typeface="Calibri"/>
-              </a:rPr>
-              <a:t> points</a:t>
-            </a:r>
-            <a:endParaRPr dirty="0" smtClean="0"/>
-          </a:p>
-          <a:p>
-            <a:pPr marL="800100" lvl="1" indent="-342900">
-              <a:buFont typeface="Arial"/>
-              <a:buChar char="•"/>
-            </a:pPr>
-            <a:r>
-              <a:rPr lang="en-US" sz="2400" b="1" dirty="0" smtClean="0">
-                <a:solidFill>
-                  <a:srgbClr val="FFFFFF"/>
-                </a:solidFill>
-                <a:latin typeface="Times New Roman"/>
-                <a:ea typeface="Calibri"/>
-              </a:rPr>
-              <a:t>	Possibly update our sampling strategy </a:t>
-            </a:r>
-            <a:endParaRPr dirty="0" smtClean="0"/>
-          </a:p>
-          <a:p>
-            <a:pPr marL="457200" indent="-457200">
+              <a:t>Only 3 big clusters</a:t>
+            </a:r>
+            <a:endParaRPr/>
+          </a:p>
+          <a:p>
+            <a:pPr lvl="1">
               <a:lnSpc>
                 <a:spcPct val="100000"/>
               </a:lnSpc>
@@ -5083,56 +3934,109 @@
               <a:buChar char="•"/>
             </a:pPr>
             <a:r>
-              <a:rPr lang="en-US" sz="2400" b="1" dirty="0">
+              <a:rPr b="1" lang="en-US" sz="2400">
                 <a:solidFill>
-                  <a:srgbClr val="FFFFFF"/>
+                  <a:srgbClr val="ffffff"/>
+                </a:solidFill>
+                <a:latin typeface="Times New Roman"/>
+                <a:ea typeface="Calibri"/>
+              </a:rPr>
+              <a:t>	</a:t>
+            </a:r>
+            <a:r>
+              <a:rPr b="1" lang="en-US" sz="2400">
+                <a:solidFill>
+                  <a:srgbClr val="ffffff"/>
+                </a:solidFill>
+                <a:latin typeface="Times New Roman"/>
+                <a:ea typeface="Calibri"/>
+              </a:rPr>
+              <a:t>Investigate distribution of weights for coreset points</a:t>
+            </a:r>
+            <a:endParaRPr/>
+          </a:p>
+          <a:p>
+            <a:pPr lvl="1">
+              <a:lnSpc>
+                <a:spcPct val="100000"/>
+              </a:lnSpc>
+              <a:buFont typeface="Arial"/>
+              <a:buChar char="•"/>
+            </a:pPr>
+            <a:r>
+              <a:rPr b="1" lang="en-US" sz="2400">
+                <a:solidFill>
+                  <a:srgbClr val="ffffff"/>
+                </a:solidFill>
+                <a:latin typeface="Times New Roman"/>
+                <a:ea typeface="Calibri"/>
+              </a:rPr>
+              <a:t>	</a:t>
+            </a:r>
+            <a:r>
+              <a:rPr b="1" lang="en-US" sz="2400">
+                <a:solidFill>
+                  <a:srgbClr val="ffffff"/>
+                </a:solidFill>
+                <a:latin typeface="Times New Roman"/>
+                <a:ea typeface="Calibri"/>
+              </a:rPr>
+              <a:t>Possibly update our sampling strategy </a:t>
+            </a:r>
+            <a:endParaRPr/>
+          </a:p>
+          <a:p>
+            <a:pPr>
+              <a:lnSpc>
+                <a:spcPct val="100000"/>
+              </a:lnSpc>
+              <a:buFont typeface="Arial"/>
+              <a:buChar char="•"/>
+            </a:pPr>
+            <a:r>
+              <a:rPr b="1" lang="en-US" sz="2400">
+                <a:solidFill>
+                  <a:srgbClr val="ffffff"/>
                 </a:solidFill>
                 <a:latin typeface="Times New Roman"/>
                 <a:ea typeface="Calibri"/>
               </a:rPr>
               <a:t>Lack of preserved points in areas other than the US</a:t>
             </a:r>
-            <a:endParaRPr dirty="0"/>
-          </a:p>
-          <a:p>
-            <a:pPr marL="800100" lvl="1" indent="-342900">
+            <a:endParaRPr/>
+          </a:p>
+          <a:p>
+            <a:pPr lvl="1">
+              <a:lnSpc>
+                <a:spcPct val="100000"/>
+              </a:lnSpc>
               <a:buFont typeface="Arial"/>
               <a:buChar char="•"/>
             </a:pPr>
             <a:r>
-              <a:rPr lang="en-US" sz="2400" b="1" smtClean="0">
+              <a:rPr b="1" lang="en-US" sz="2400">
                 <a:solidFill>
-                  <a:srgbClr val="FFFFFF"/>
+                  <a:srgbClr val="ffffff"/>
                 </a:solidFill>
                 <a:latin typeface="Times New Roman"/>
                 <a:ea typeface="Calibri"/>
               </a:rPr>
-              <a:t>Adjust </a:t>
-            </a:r>
-            <a:r>
-              <a:rPr lang="en-US" sz="2400" b="1" dirty="0" smtClean="0">
-                <a:solidFill>
-                  <a:srgbClr val="FFFFFF"/>
-                </a:solidFill>
-                <a:latin typeface="Times New Roman"/>
-                <a:ea typeface="Calibri"/>
-              </a:rPr>
-              <a:t>threshold of number of missing features for invalid data elimination</a:t>
-            </a:r>
-            <a:endParaRPr dirty="0"/>
-          </a:p>
-        </p:txBody>
-      </p:sp>
-      <p:sp>
-        <p:nvSpPr>
-          <p:cNvPr id="94" name="CustomShape 3"/>
+              <a:t>Adjust threshold of number of missing features for invalid data elimination</a:t>
+            </a:r>
+            <a:endParaRPr/>
+          </a:p>
+        </p:txBody>
+      </p:sp>
+      <p:sp>
+        <p:nvSpPr>
+          <p:cNvPr id="93" name="CustomShape 3"/>
           <p:cNvSpPr/>
           <p:nvPr/>
         </p:nvSpPr>
         <p:spPr>
           <a:xfrm>
-            <a:off x="6062017" y="3013040"/>
-            <a:ext cx="1499760" cy="366120"/>
+            <a:off x="6062040" y="3013200"/>
+            <a:ext cx="1499400" cy="365760"/>
           </a:xfrm>
           <a:prstGeom prst="rect">
             <a:avLst/>
@@ -5143,8 +4047,7 @@
           </a:ln>
         </p:spPr>
         <p:txBody>
-          <a:bodyPr lIns="45720" rIns="45720"/>
-          <a:lstStyle/>
+          <a:bodyPr bIns="45000" lIns="45720" rIns="45720" tIns="45000"/>
           <a:p>
             <a:pPr>
               <a:lnSpc>
@@ -5152,29 +4055,29 @@
               </a:lnSpc>
             </a:pPr>
             <a:r>
-              <a:rPr lang="en-US" dirty="0">
+              <a:rPr lang="en-US">
                 <a:solidFill>
-                  <a:srgbClr val="FFFFFF"/>
+                  <a:srgbClr val="ffffff"/>
                 </a:solidFill>
                 <a:latin typeface="Calibri"/>
                 <a:ea typeface="Calibri"/>
               </a:rPr>
               <a:t>2013</a:t>
             </a:r>
-            <a:endParaRPr dirty="0"/>
-          </a:p>
-        </p:txBody>
-      </p:sp>
-      <p:sp>
-        <p:nvSpPr>
-          <p:cNvPr id="95" name="CustomShape 4"/>
+            <a:endParaRPr/>
+          </a:p>
+        </p:txBody>
+      </p:sp>
+      <p:sp>
+        <p:nvSpPr>
+          <p:cNvPr id="94" name="CustomShape 4"/>
           <p:cNvSpPr/>
           <p:nvPr/>
         </p:nvSpPr>
         <p:spPr>
           <a:xfrm>
-            <a:off x="2392107" y="3020050"/>
-            <a:ext cx="1499760" cy="366120"/>
+            <a:off x="2392200" y="3020040"/>
+            <a:ext cx="1499400" cy="365760"/>
           </a:xfrm>
           <a:prstGeom prst="rect">
             <a:avLst/>
@@ -5185,8 +4088,7 @@
           </a:ln>
         </p:spPr>
         <p:txBody>
-          <a:bodyPr lIns="45720" rIns="45720"/>
-          <a:lstStyle/>
+          <a:bodyPr bIns="45000" lIns="45720" rIns="45720" tIns="45000"/>
           <a:p>
             <a:pPr>
               <a:lnSpc>
@@ -5194,40 +4096,37 @@
               </a:lnSpc>
             </a:pPr>
             <a:r>
-              <a:rPr lang="en-US" dirty="0">
+              <a:rPr lang="en-US">
                 <a:solidFill>
-                  <a:srgbClr val="FFFFFF"/>
+                  <a:srgbClr val="ffffff"/>
                 </a:solidFill>
                 <a:latin typeface="Calibri"/>
                 <a:ea typeface="Calibri"/>
               </a:rPr>
               <a:t>2003</a:t>
             </a:r>
-            <a:endParaRPr dirty="0"/>
+            <a:endParaRPr/>
           </a:p>
         </p:txBody>
       </p:sp>
     </p:spTree>
   </p:cSld>
-  <p:clrMapOvr>
-    <a:masterClrMapping/>
-  </p:clrMapOvr>
   <p:timing>
     <p:tnLst>
       <p:par>
-        <p:cTn xmlns:p14="http://schemas.microsoft.com/office/powerpoint/2010/main" id="1" dur="indefinite" restart="never" nodeType="tmRoot">
+        <p:cTn dur="indefinite" id="7" nodeType="tmRoot" restart="never">
           <p:childTnLst>
             <p:seq>
-              <p:cTn id="2" nodeType="mainSeq"/>
+              <p:cTn id="8" nodeType="mainSeq"/>
               <p:prevCondLst>
-                <p:cond evt="onPrev" delay="0">
+                <p:cond delay="0" evt="onPrev">
                   <p:tgtEl>
                     <p:sldTgt/>
                   </p:tgtEl>
                 </p:cond>
               </p:prevCondLst>
               <p:nextCondLst>
-                <p:cond evt="onNext" delay="0">
+                <p:cond delay="0" evt="onNext">
                   <p:tgtEl>
                     <p:sldTgt/>
                   </p:tgtEl>
@@ -5243,7 +4142,7 @@
 </file>
 
 <file path=ppt/slides/slide6.xml><?xml version="1.0" encoding="utf-8"?>
-<p:sld xmlns:a="http://schemas.openxmlformats.org/drawingml/2006/main" xmlns:r="http://schemas.openxmlformats.org/officeDocument/2006/relationships" xmlns:p="http://schemas.openxmlformats.org/presentationml/2006/main">
+<p:sld xmlns:a="http://schemas.openxmlformats.org/drawingml/2006/main" xmlns:p="http://schemas.openxmlformats.org/presentationml/2006/main" xmlns:r="http://schemas.openxmlformats.org/officeDocument/2006/relationships">
   <p:cSld>
     <p:spTree>
       <p:nvGrpSpPr>
@@ -5261,29 +4160,32 @@
       </p:grpSpPr>
       <p:sp>
         <p:nvSpPr>
-          <p:cNvPr id="96" name="TextShape 1"/>
-          <p:cNvSpPr txBox="1"/>
+          <p:cNvPr id="95" name="CustomShape 1"/>
+          <p:cNvSpPr/>
           <p:nvPr/>
         </p:nvSpPr>
         <p:spPr>
           <a:xfrm>
-            <a:off x="428760" y="1021239"/>
-            <a:ext cx="8229240" cy="4525560"/>
-          </a:xfrm>
-          <a:prstGeom prst="rect">
-            <a:avLst/>
-          </a:prstGeom>
-        </p:spPr>
-        <p:txBody>
-          <a:bodyPr lIns="45720" tIns="45000" rIns="45720" bIns="45000"/>
-          <a:lstStyle/>
+            <a:off x="428760" y="1021320"/>
+            <a:ext cx="8228880" cy="4525200"/>
+          </a:xfrm>
+          <a:prstGeom prst="rect">
+            <a:avLst/>
+          </a:prstGeom>
+          <a:noFill/>
+          <a:ln>
+            <a:noFill/>
+          </a:ln>
+        </p:spPr>
+        <p:txBody>
+          <a:bodyPr bIns="45000" lIns="45720" rIns="45720" tIns="45000"/>
           <a:p>
             <a:pPr algn="ctr">
               <a:lnSpc>
                 <a:spcPct val="100000"/>
               </a:lnSpc>
             </a:pPr>
-            <a:endParaRPr dirty="0"/>
+            <a:endParaRPr/>
           </a:p>
           <a:p>
             <a:pPr algn="ctr">
@@ -5292,24 +4194,21 @@
               </a:lnSpc>
             </a:pPr>
             <a:r>
-              <a:rPr lang="en-US" sz="9600" dirty="0">
+              <a:rPr lang="en-US" sz="9600">
                 <a:solidFill>
-                  <a:srgbClr val="FFFFFF"/>
+                  <a:srgbClr val="ffffff"/>
                 </a:solidFill>
                 <a:latin typeface="Times New Roman"/>
                 <a:ea typeface="Calibri"/>
               </a:rPr>
               <a:t>Thanks!</a:t>
             </a:r>
-            <a:endParaRPr dirty="0"/>
+            <a:endParaRPr/>
           </a:p>
         </p:txBody>
       </p:sp>
     </p:spTree>
   </p:cSld>
-  <p:clrMapOvr>
-    <a:masterClrMapping/>
-  </p:clrMapOvr>
 </p:sld>
 </file>
 
@@ -5533,8 +4432,6 @@
       </a:bgFillStyleLst>
     </a:fmtScheme>
   </a:themeElements>
-  <a:objectDefaults/>
-  <a:extraClrSchemeLst/>
 </a:theme>
 </file>
 
@@ -5758,7 +4655,5 @@
       </a:bgFillStyleLst>
     </a:fmtScheme>
   </a:themeElements>
-  <a:objectDefaults/>
-  <a:extraClrSchemeLst/>
 </a:theme>
 </file>